--- a/microfrontend_instrumenting/slides.pptx
+++ b/microfrontend_instrumenting/slides.pptx
@@ -4,17 +4,9 @@
   <p:sldMasterIdLst>
     <p:sldMasterId id="2147483648" r:id="rId1"/>
   </p:sldMasterIdLst>
-  <p:notesMasterIdLst>
-    <p:NotesMasterId r:id="rId9"/>
-  </p:notesMasterIdLst>
   <p:sldIdLst>
     <p:sldId id="256" r:id="rId2"/>
     <p:sldId id="257" r:id="rId3"/>
-    <p:sldId id="258" r:id="rId4"/>
-    <p:sldId id="259" r:id="rId5"/>
-    <p:sldId id="260" r:id="rId6"/>
-    <p:sldId id="261" r:id="rId7"/>
-    <p:sldId id="262" r:id="rId8"/>
   </p:sldIdLst>
   <p:sldSz cx="9144000" cy="6858000" type="screen4x3"/>
   <p:notesSz cx="6858000" cy="9144000"/>
@@ -130,708 +122,6 @@
     </p:ext>
   </p:extLst>
 </p:presentation>
-</file>
-
-<file path=ppt/notesMasters/notesMaster1.xml><?xml version="1.0" encoding="utf-8"?>
-<p:notesMaster xmlns:a="http://schemas.openxmlformats.org/drawingml/2006/main" xmlns:r="http://schemas.openxmlformats.org/officeDocument/2006/relationships" xmlns:p="http://schemas.openxmlformats.org/presentationml/2006/main">
-  <p:cSld>
-    <p:bg>
-      <p:bgRef idx="1001">
-        <a:schemeClr val="bg1"/>
-      </p:bgRef>
-    </p:bg>
-    <p:spTree>
-      <p:nvGrpSpPr>
-        <p:cNvPr id="1" name=""/>
-        <p:cNvGrpSpPr/>
-        <p:nvPr/>
-      </p:nvGrpSpPr>
-      <p:grpSpPr>
-        <a:xfrm>
-          <a:off x="0" y="0"/>
-          <a:ext cx="0" cy="0"/>
-          <a:chOff x="0" y="0"/>
-          <a:chExt cx="0" cy="0"/>
-        </a:xfrm>
-      </p:grpSpPr>
-      <p:sp>
-        <p:nvSpPr>
-          <p:cNvPr id="2" name="Header Placeholder 1"/>
-          <p:cNvSpPr>
-            <a:spLocks noGrp="1"/>
-          </p:cNvSpPr>
-          <p:nvPr>
-            <p:ph type="hdr" sz="quarter"/>
-          </p:nvPr>
-        </p:nvSpPr>
-        <p:spPr>
-          <a:xfrm>
-            <a:off x="0" y="0"/>
-            <a:ext cx="2971800" cy="458788"/>
-          </a:xfrm>
-          <a:prstGeom prst="rect">
-            <a:avLst/>
-          </a:prstGeom>
-        </p:spPr>
-        <p:txBody>
-          <a:bodyPr vert="horz" lIns="91440" tIns="45720" rIns="91440" bIns="45720" rtlCol="0"/>
-          <a:lstStyle>
-            <a:lvl1pPr algn="l">
-              <a:defRPr sz="1200"/>
-            </a:lvl1pPr>
-          </a:lstStyle>
-          <a:p>
-            <a:endParaRPr lang="en-US"/>
-          </a:p>
-        </p:txBody>
-      </p:sp>
-      <p:sp>
-        <p:nvSpPr>
-          <p:cNvPr id="3" name="Date Placeholder 2"/>
-          <p:cNvSpPr>
-            <a:spLocks noGrp="1"/>
-          </p:cNvSpPr>
-          <p:nvPr>
-            <p:ph type="dt" idx="1"/>
-          </p:nvPr>
-        </p:nvSpPr>
-        <p:spPr>
-          <a:xfrm>
-            <a:off x="3884613" y="0"/>
-            <a:ext cx="2971800" cy="458788"/>
-          </a:xfrm>
-          <a:prstGeom prst="rect">
-            <a:avLst/>
-          </a:prstGeom>
-        </p:spPr>
-        <p:txBody>
-          <a:bodyPr vert="horz" lIns="91440" tIns="45720" rIns="91440" bIns="45720" rtlCol="0"/>
-          <a:lstStyle>
-            <a:lvl1pPr algn="r">
-              <a:defRPr sz="1200"/>
-            </a:lvl1pPr>
-          </a:lstStyle>
-          <a:p>
-            <a:fld id="{0F9C1CCF-B725-44A7-AA57-5E433BD85C9F}" type="datetimeFigureOut">
-              <a:rPr lang="en-US" smtClean="0"/>
-              <a:t>4/5/2019</a:t>
-            </a:fld>
-            <a:endParaRPr lang="en-US"/>
-          </a:p>
-        </p:txBody>
-      </p:sp>
-      <p:sp>
-        <p:nvSpPr>
-          <p:cNvPr id="4" name="Slide Image Placeholder 3"/>
-          <p:cNvSpPr>
-            <a:spLocks noGrp="1" noRot="1" noChangeAspect="1"/>
-          </p:cNvSpPr>
-          <p:nvPr>
-            <p:ph type="sldImg" idx="2"/>
-          </p:nvPr>
-        </p:nvSpPr>
-        <p:spPr>
-          <a:xfrm>
-            <a:off x="1371600" y="1143000"/>
-            <a:ext cx="4114800" cy="3086100"/>
-          </a:xfrm>
-          <a:prstGeom prst="rect">
-            <a:avLst/>
-          </a:prstGeom>
-          <a:noFill/>
-          <a:ln w="12700">
-            <a:solidFill>
-              <a:prstClr val="black"/>
-            </a:solidFill>
-          </a:ln>
-        </p:spPr>
-        <p:txBody>
-          <a:bodyPr vert="horz" lIns="91440" tIns="45720" rIns="91440" bIns="45720" rtlCol="0" anchor="ctr"/>
-          <a:lstStyle/>
-          <a:p>
-            <a:endParaRPr lang="en-US"/>
-          </a:p>
-        </p:txBody>
-      </p:sp>
-      <p:sp>
-        <p:nvSpPr>
-          <p:cNvPr id="5" name="Notes Placeholder 4"/>
-          <p:cNvSpPr>
-            <a:spLocks noGrp="1"/>
-          </p:cNvSpPr>
-          <p:nvPr>
-            <p:ph type="body" sz="quarter" idx="3"/>
-          </p:nvPr>
-        </p:nvSpPr>
-        <p:spPr>
-          <a:xfrm>
-            <a:off x="685800" y="4400550"/>
-            <a:ext cx="5486400" cy="3600450"/>
-          </a:xfrm>
-          <a:prstGeom prst="rect">
-            <a:avLst/>
-          </a:prstGeom>
-        </p:spPr>
-        <p:txBody>
-          <a:bodyPr vert="horz" lIns="91440" tIns="45720" rIns="91440" bIns="45720" rtlCol="0"/>
-          <a:lstStyle/>
-          <a:p>
-            <a:pPr lvl="0"/>
-            <a:r>
-              <a:rPr lang="en-US" smtClean="0"/>
-              <a:t>Click to edit Master text styles</a:t>
-            </a:r>
-          </a:p>
-          <a:p>
-            <a:pPr lvl="1"/>
-            <a:r>
-              <a:rPr lang="en-US" smtClean="0"/>
-              <a:t>Second level</a:t>
-            </a:r>
-          </a:p>
-          <a:p>
-            <a:pPr lvl="2"/>
-            <a:r>
-              <a:rPr lang="en-US" smtClean="0"/>
-              <a:t>Third level</a:t>
-            </a:r>
-          </a:p>
-          <a:p>
-            <a:pPr lvl="3"/>
-            <a:r>
-              <a:rPr lang="en-US" smtClean="0"/>
-              <a:t>Fourth level</a:t>
-            </a:r>
-          </a:p>
-          <a:p>
-            <a:pPr lvl="4"/>
-            <a:r>
-              <a:rPr lang="en-US" smtClean="0"/>
-              <a:t>Fifth level</a:t>
-            </a:r>
-            <a:endParaRPr lang="en-US"/>
-          </a:p>
-        </p:txBody>
-      </p:sp>
-      <p:sp>
-        <p:nvSpPr>
-          <p:cNvPr id="6" name="Footer Placeholder 5"/>
-          <p:cNvSpPr>
-            <a:spLocks noGrp="1"/>
-          </p:cNvSpPr>
-          <p:nvPr>
-            <p:ph type="ftr" sz="quarter" idx="4"/>
-          </p:nvPr>
-        </p:nvSpPr>
-        <p:spPr>
-          <a:xfrm>
-            <a:off x="0" y="8685213"/>
-            <a:ext cx="2971800" cy="458787"/>
-          </a:xfrm>
-          <a:prstGeom prst="rect">
-            <a:avLst/>
-          </a:prstGeom>
-        </p:spPr>
-        <p:txBody>
-          <a:bodyPr vert="horz" lIns="91440" tIns="45720" rIns="91440" bIns="45720" rtlCol="0" anchor="b"/>
-          <a:lstStyle>
-            <a:lvl1pPr algn="l">
-              <a:defRPr sz="1200"/>
-            </a:lvl1pPr>
-          </a:lstStyle>
-          <a:p>
-            <a:endParaRPr lang="en-US"/>
-          </a:p>
-        </p:txBody>
-      </p:sp>
-      <p:sp>
-        <p:nvSpPr>
-          <p:cNvPr id="7" name="Slide Number Placeholder 6"/>
-          <p:cNvSpPr>
-            <a:spLocks noGrp="1"/>
-          </p:cNvSpPr>
-          <p:nvPr>
-            <p:ph type="sldNum" sz="quarter" idx="5"/>
-          </p:nvPr>
-        </p:nvSpPr>
-        <p:spPr>
-          <a:xfrm>
-            <a:off x="3884613" y="8685213"/>
-            <a:ext cx="2971800" cy="458787"/>
-          </a:xfrm>
-          <a:prstGeom prst="rect">
-            <a:avLst/>
-          </a:prstGeom>
-        </p:spPr>
-        <p:txBody>
-          <a:bodyPr vert="horz" lIns="91440" tIns="45720" rIns="91440" bIns="45720" rtlCol="0" anchor="b"/>
-          <a:lstStyle>
-            <a:lvl1pPr algn="r">
-              <a:defRPr sz="1200"/>
-            </a:lvl1pPr>
-          </a:lstStyle>
-          <a:p>
-            <a:fld id="{18BDFEC3-8487-43E8-A154-7C12CBC1FFF2}" type="slidenum">
-              <a:rPr lang="en-US" smtClean="0"/>
-              <a:t>‹#›</a:t>
-            </a:fld>
-            <a:endParaRPr lang="en-US"/>
-          </a:p>
-        </p:txBody>
-      </p:sp>
-    </p:spTree>
-    <p:extLst>
-      <p:ext uri="{BB962C8B-B14F-4D97-AF65-F5344CB8AC3E}">
-        <p14:creationId xmlns:p14="http://schemas.microsoft.com/office/powerpoint/2010/main" val="3782709779"/>
-      </p:ext>
-    </p:extLst>
-  </p:cSld>
-  <p:clrMap bg1="lt1" tx1="dk1" bg2="lt2" tx2="dk2" accent1="accent1" accent2="accent2" accent3="accent3" accent4="accent4" accent5="accent5" accent6="accent6" hlink="hlink" folHlink="folHlink"/>
-  <p:notesStyle>
-    <a:lvl1pPr marL="0" algn="l" defTabSz="914400" rtl="0" eaLnBrk="1" latinLnBrk="0" hangingPunct="1">
-      <a:defRPr sz="1200" kern="1200">
-        <a:solidFill>
-          <a:schemeClr val="tx1"/>
-        </a:solidFill>
-        <a:latin typeface="+mn-lt"/>
-        <a:ea typeface="+mn-ea"/>
-        <a:cs typeface="+mn-cs"/>
-      </a:defRPr>
-    </a:lvl1pPr>
-    <a:lvl2pPr marL="457200" algn="l" defTabSz="914400" rtl="0" eaLnBrk="1" latinLnBrk="0" hangingPunct="1">
-      <a:defRPr sz="1200" kern="1200">
-        <a:solidFill>
-          <a:schemeClr val="tx1"/>
-        </a:solidFill>
-        <a:latin typeface="+mn-lt"/>
-        <a:ea typeface="+mn-ea"/>
-        <a:cs typeface="+mn-cs"/>
-      </a:defRPr>
-    </a:lvl2pPr>
-    <a:lvl3pPr marL="914400" algn="l" defTabSz="914400" rtl="0" eaLnBrk="1" latinLnBrk="0" hangingPunct="1">
-      <a:defRPr sz="1200" kern="1200">
-        <a:solidFill>
-          <a:schemeClr val="tx1"/>
-        </a:solidFill>
-        <a:latin typeface="+mn-lt"/>
-        <a:ea typeface="+mn-ea"/>
-        <a:cs typeface="+mn-cs"/>
-      </a:defRPr>
-    </a:lvl3pPr>
-    <a:lvl4pPr marL="1371600" algn="l" defTabSz="914400" rtl="0" eaLnBrk="1" latinLnBrk="0" hangingPunct="1">
-      <a:defRPr sz="1200" kern="1200">
-        <a:solidFill>
-          <a:schemeClr val="tx1"/>
-        </a:solidFill>
-        <a:latin typeface="+mn-lt"/>
-        <a:ea typeface="+mn-ea"/>
-        <a:cs typeface="+mn-cs"/>
-      </a:defRPr>
-    </a:lvl4pPr>
-    <a:lvl5pPr marL="1828800" algn="l" defTabSz="914400" rtl="0" eaLnBrk="1" latinLnBrk="0" hangingPunct="1">
-      <a:defRPr sz="1200" kern="1200">
-        <a:solidFill>
-          <a:schemeClr val="tx1"/>
-        </a:solidFill>
-        <a:latin typeface="+mn-lt"/>
-        <a:ea typeface="+mn-ea"/>
-        <a:cs typeface="+mn-cs"/>
-      </a:defRPr>
-    </a:lvl5pPr>
-    <a:lvl6pPr marL="2286000" algn="l" defTabSz="914400" rtl="0" eaLnBrk="1" latinLnBrk="0" hangingPunct="1">
-      <a:defRPr sz="1200" kern="1200">
-        <a:solidFill>
-          <a:schemeClr val="tx1"/>
-        </a:solidFill>
-        <a:latin typeface="+mn-lt"/>
-        <a:ea typeface="+mn-ea"/>
-        <a:cs typeface="+mn-cs"/>
-      </a:defRPr>
-    </a:lvl6pPr>
-    <a:lvl7pPr marL="2743200" algn="l" defTabSz="914400" rtl="0" eaLnBrk="1" latinLnBrk="0" hangingPunct="1">
-      <a:defRPr sz="1200" kern="1200">
-        <a:solidFill>
-          <a:schemeClr val="tx1"/>
-        </a:solidFill>
-        <a:latin typeface="+mn-lt"/>
-        <a:ea typeface="+mn-ea"/>
-        <a:cs typeface="+mn-cs"/>
-      </a:defRPr>
-    </a:lvl7pPr>
-    <a:lvl8pPr marL="3200400" algn="l" defTabSz="914400" rtl="0" eaLnBrk="1" latinLnBrk="0" hangingPunct="1">
-      <a:defRPr sz="1200" kern="1200">
-        <a:solidFill>
-          <a:schemeClr val="tx1"/>
-        </a:solidFill>
-        <a:latin typeface="+mn-lt"/>
-        <a:ea typeface="+mn-ea"/>
-        <a:cs typeface="+mn-cs"/>
-      </a:defRPr>
-    </a:lvl8pPr>
-    <a:lvl9pPr marL="3657600" algn="l" defTabSz="914400" rtl="0" eaLnBrk="1" latinLnBrk="0" hangingPunct="1">
-      <a:defRPr sz="1200" kern="1200">
-        <a:solidFill>
-          <a:schemeClr val="tx1"/>
-        </a:solidFill>
-        <a:latin typeface="+mn-lt"/>
-        <a:ea typeface="+mn-ea"/>
-        <a:cs typeface="+mn-cs"/>
-      </a:defRPr>
-    </a:lvl9pPr>
-  </p:notesStyle>
-</p:notesMaster>
-</file>
-
-<file path=ppt/notesSlides/notesSlide1.xml><?xml version="1.0" encoding="utf-8"?>
-<p:notes xmlns:a="http://schemas.openxmlformats.org/drawingml/2006/main" xmlns:r="http://schemas.openxmlformats.org/officeDocument/2006/relationships" xmlns:p="http://schemas.openxmlformats.org/presentationml/2006/main">
-  <p:cSld>
-    <p:spTree>
-      <p:nvGrpSpPr>
-        <p:cNvPr id="1" name=""/>
-        <p:cNvGrpSpPr/>
-        <p:nvPr/>
-      </p:nvGrpSpPr>
-      <p:grpSpPr>
-        <a:xfrm>
-          <a:off x="0" y="0"/>
-          <a:ext cx="0" cy="0"/>
-          <a:chOff x="0" y="0"/>
-          <a:chExt cx="0" cy="0"/>
-        </a:xfrm>
-      </p:grpSpPr>
-      <p:sp>
-        <p:nvSpPr>
-          <p:cNvPr id="2" name="Slide Image Placeholder 1"/>
-          <p:cNvSpPr>
-            <a:spLocks noGrp="1" noRot="1" noChangeAspect="1"/>
-          </p:cNvSpPr>
-          <p:nvPr>
-            <p:ph type="sldImg"/>
-          </p:nvPr>
-        </p:nvSpPr>
-        <p:spPr/>
-      </p:sp>
-      <p:sp>
-        <p:nvSpPr>
-          <p:cNvPr id="3" name="Notes Placeholder 2"/>
-          <p:cNvSpPr>
-            <a:spLocks noGrp="1"/>
-          </p:cNvSpPr>
-          <p:nvPr>
-            <p:ph type="body" idx="1"/>
-          </p:nvPr>
-        </p:nvSpPr>
-        <p:spPr/>
-        <p:txBody>
-          <a:bodyPr/>
-          <a:lstStyle/>
-          <a:p>
-            <a:pPr lvl="0" marL="0" indent="0">
-              <a:buNone/>
-            </a:pPr>
-            <a:r>
-              <a:rPr/>
-              <a:t>This</a:t>
-            </a:r>
-            <a:r>
-              <a:rPr/>
-              <a:t> </a:t>
-            </a:r>
-            <a:r>
-              <a:rPr/>
-              <a:t>is</a:t>
-            </a:r>
-            <a:r>
-              <a:rPr/>
-              <a:t> </a:t>
-            </a:r>
-            <a:r>
-              <a:rPr/>
-              <a:t>a</a:t>
-            </a:r>
-            <a:r>
-              <a:rPr/>
-              <a:t> </a:t>
-            </a:r>
-            <a:r>
-              <a:rPr/>
-              <a:t>speaker</a:t>
-            </a:r>
-            <a:r>
-              <a:rPr/>
-              <a:t> </a:t>
-            </a:r>
-            <a:r>
-              <a:rPr/>
-              <a:t>note.</a:t>
-            </a:r>
-          </a:p>
-          <a:p>
-            <a:pPr lvl="0" marL="0" indent="0">
-              <a:buNone/>
-            </a:pPr>
-          </a:p>
-          <a:p>
-            <a:pPr lvl="1"/>
-            <a:r>
-              <a:rPr/>
-              <a:t>Use</a:t>
-            </a:r>
-            <a:r>
-              <a:rPr/>
-              <a:t> </a:t>
-            </a:r>
-            <a:r>
-              <a:rPr/>
-              <a:t>basic</a:t>
-            </a:r>
-            <a:r>
-              <a:rPr/>
-              <a:t> </a:t>
-            </a:r>
-            <a:r>
-              <a:rPr/>
-              <a:t>Markdown</a:t>
-            </a:r>
-          </a:p>
-          <a:p>
-            <a:pPr lvl="0" marL="0" indent="0">
-              <a:buNone/>
-            </a:pPr>
-          </a:p>
-          <a:p>
-            <a:pPr lvl="1"/>
-            <a:r>
-              <a:rPr/>
-              <a:t>like</a:t>
-            </a:r>
-            <a:r>
-              <a:rPr/>
-              <a:t> </a:t>
-            </a:r>
-            <a:r>
-              <a:rPr/>
-              <a:t>this</a:t>
-            </a:r>
-            <a:r>
-              <a:rPr/>
-              <a:t> </a:t>
-            </a:r>
-            <a:r>
-              <a:rPr/>
-              <a:t>list</a:t>
-            </a:r>
-          </a:p>
-          <a:p>
-            <a:pPr lvl="0" marL="0" indent="0">
-              <a:buNone/>
-            </a:pPr>
-          </a:p>
-          <a:p>
-            <a:pPr lvl="1"/>
-            <a:r>
-              <a:rPr i="1"/>
-              <a:t>and</a:t>
-            </a:r>
-            <a:r>
-              <a:rPr i="1"/>
-              <a:t> </a:t>
-            </a:r>
-            <a:r>
-              <a:rPr i="1"/>
-              <a:t>inline</a:t>
-            </a:r>
-            <a:r>
-              <a:rPr i="1"/>
-              <a:t> </a:t>
-            </a:r>
-            <a:r>
-              <a:rPr i="1"/>
-              <a:t>formatting</a:t>
-            </a:r>
-          </a:p>
-        </p:txBody>
-      </p:sp>
-      <p:sp>
-        <p:nvSpPr>
-          <p:cNvPr id="4" name="Slide Number Placeholder 3"/>
-          <p:cNvSpPr>
-            <a:spLocks noGrp="1"/>
-          </p:cNvSpPr>
-          <p:nvPr>
-            <p:ph type="sldNum" sz="quarter" idx="10"/>
-          </p:nvPr>
-        </p:nvSpPr>
-        <p:spPr/>
-        <p:txBody>
-          <a:bodyPr/>
-          <a:lstStyle/>
-          <a:p>
-            <a:fld id="{18BDFEC3-8487-43E8-A154-7C12CBC1FFF2}" type="slidenum">
-              <a:rPr lang="en-US"/>
-              <a:t>5</a:t>
-            </a:fld>
-            <a:endParaRPr lang="en-US"/>
-          </a:p>
-        </p:txBody>
-      </p:sp>
-    </p:spTree>
-  </p:cSld>
-</p:notes>
-</file>
-
-<file path=ppt/notesSlides/notesSlide2.xml><?xml version="1.0" encoding="utf-8"?>
-<p:notes xmlns:a="http://schemas.openxmlformats.org/drawingml/2006/main" xmlns:r="http://schemas.openxmlformats.org/officeDocument/2006/relationships" xmlns:p="http://schemas.openxmlformats.org/presentationml/2006/main">
-  <p:cSld>
-    <p:spTree>
-      <p:nvGrpSpPr>
-        <p:cNvPr id="1" name=""/>
-        <p:cNvGrpSpPr/>
-        <p:nvPr/>
-      </p:nvGrpSpPr>
-      <p:grpSpPr>
-        <a:xfrm>
-          <a:off x="0" y="0"/>
-          <a:ext cx="0" cy="0"/>
-          <a:chOff x="0" y="0"/>
-          <a:chExt cx="0" cy="0"/>
-        </a:xfrm>
-      </p:grpSpPr>
-      <p:sp>
-        <p:nvSpPr>
-          <p:cNvPr id="2" name="Slide Image Placeholder 1"/>
-          <p:cNvSpPr>
-            <a:spLocks noGrp="1" noRot="1" noChangeAspect="1"/>
-          </p:cNvSpPr>
-          <p:nvPr>
-            <p:ph type="sldImg"/>
-          </p:nvPr>
-        </p:nvSpPr>
-        <p:spPr/>
-      </p:sp>
-      <p:sp>
-        <p:nvSpPr>
-          <p:cNvPr id="3" name="Notes Placeholder 2"/>
-          <p:cNvSpPr>
-            <a:spLocks noGrp="1"/>
-          </p:cNvSpPr>
-          <p:nvPr>
-            <p:ph type="body" idx="1"/>
-          </p:nvPr>
-        </p:nvSpPr>
-        <p:spPr/>
-        <p:txBody>
-          <a:bodyPr/>
-          <a:lstStyle/>
-          <a:p>
-            <a:pPr lvl="0" marL="0" indent="0">
-              <a:buNone/>
-            </a:pPr>
-            <a:r>
-              <a:rPr/>
-              <a:t>I</a:t>
-            </a:r>
-            <a:r>
-              <a:rPr/>
-              <a:t> </a:t>
-            </a:r>
-            <a:r>
-              <a:rPr/>
-              <a:t>am</a:t>
-            </a:r>
-            <a:r>
-              <a:rPr/>
-              <a:t> </a:t>
-            </a:r>
-            <a:r>
-              <a:rPr/>
-              <a:t>thinking</a:t>
-            </a:r>
-            <a:r>
-              <a:rPr/>
-              <a:t> </a:t>
-            </a:r>
-            <a:r>
-              <a:rPr/>
-              <a:t>that</a:t>
-            </a:r>
-            <a:r>
-              <a:rPr/>
-              <a:t> </a:t>
-            </a:r>
-            <a:r>
-              <a:rPr/>
-              <a:t>this</a:t>
-            </a:r>
-            <a:r>
-              <a:rPr/>
-              <a:t> </a:t>
-            </a:r>
-            <a:r>
-              <a:rPr/>
-              <a:t>will</a:t>
-            </a:r>
-            <a:r>
-              <a:rPr/>
-              <a:t> </a:t>
-            </a:r>
-            <a:r>
-              <a:rPr/>
-              <a:t>be</a:t>
-            </a:r>
-            <a:r>
-              <a:rPr/>
-              <a:t> </a:t>
-            </a:r>
-            <a:r>
-              <a:rPr/>
-              <a:t>in</a:t>
-            </a:r>
-            <a:r>
-              <a:rPr/>
-              <a:t> </a:t>
-            </a:r>
-            <a:r>
-              <a:rPr/>
-              <a:t>javascript</a:t>
-            </a:r>
-            <a:r>
-              <a:rPr/>
-              <a:t> </a:t>
-            </a:r>
-            <a:r>
-              <a:rPr/>
-              <a:t>format</a:t>
-            </a:r>
-          </a:p>
-        </p:txBody>
-      </p:sp>
-      <p:sp>
-        <p:nvSpPr>
-          <p:cNvPr id="4" name="Slide Number Placeholder 3"/>
-          <p:cNvSpPr>
-            <a:spLocks noGrp="1"/>
-          </p:cNvSpPr>
-          <p:nvPr>
-            <p:ph type="sldNum" sz="quarter" idx="10"/>
-          </p:nvPr>
-        </p:nvSpPr>
-        <p:spPr/>
-        <p:txBody>
-          <a:bodyPr/>
-          <a:lstStyle/>
-          <a:p>
-            <a:fld id="{18BDFEC3-8487-43E8-A154-7C12CBC1FFF2}" type="slidenum">
-              <a:rPr lang="en-US"/>
-              <a:t>6</a:t>
-            </a:fld>
-            <a:endParaRPr lang="en-US"/>
-          </a:p>
-        </p:txBody>
-      </p:sp>
-    </p:spTree>
-  </p:cSld>
-</p:notes>
 </file>
 
 <file path=ppt/slideLayouts/slideLayout1.xml><?xml version="1.0" encoding="utf-8"?>
@@ -3847,7 +3137,7 @@
             </a:pPr>
             <a:r>
               <a:rPr/>
-              <a:t>Title</a:t>
+              <a:t>Microfrontend</a:t>
             </a:r>
             <a:r>
               <a:rPr/>
@@ -3855,23 +3145,7 @@
             </a:r>
             <a:r>
               <a:rPr/>
-              <a:t>slide</a:t>
-            </a:r>
-            <a:r>
-              <a:rPr/>
-              <a:t> </a:t>
-            </a:r>
-            <a:r>
-              <a:rPr/>
-              <a:t>(Slide</a:t>
-            </a:r>
-            <a:r>
-              <a:rPr/>
-              <a:t> </a:t>
-            </a:r>
-            <a:r>
-              <a:rPr/>
-              <a:t>1)</a:t>
+              <a:t>(instrumenting)</a:t>
             </a:r>
           </a:p>
         </p:txBody>
@@ -3936,12 +3210,7 @@
             <p:ph type="title"/>
           </p:nvPr>
         </p:nvSpPr>
-        <p:spPr>
-          <a:xfrm>
-            <a:off x="722313" y="4406900"/>
-            <a:ext cx="7772400" cy="1362075"/>
-          </a:xfrm>
-        </p:spPr>
+        <p:spPr/>
         <p:txBody>
           <a:bodyPr/>
           <a:lstStyle/>
@@ -3951,596 +3220,44 @@
             </a:pPr>
             <a:r>
               <a:rPr/>
-              <a:t>Section</a:t>
-            </a:r>
+              <a:t>Agenda</a:t>
+            </a:r>
+          </a:p>
+        </p:txBody>
+      </p:sp>
+      <p:sp>
+        <p:nvSpPr>
+          <p:cNvPr id="3" name="Content Placeholder 2"/>
+          <p:cNvSpPr>
+            <a:spLocks noGrp="1"/>
+          </p:cNvSpPr>
+          <p:nvPr>
+            <p:ph idx="1"/>
+          </p:nvPr>
+        </p:nvSpPr>
+        <p:spPr/>
+        <p:txBody>
+          <a:bodyPr/>
+          <a:lstStyle/>
+          <a:p>
+            <a:pPr lvl="1"/>
             <a:r>
               <a:rPr/>
-              <a:t> </a:t>
-            </a:r>
+              <a:t>Introduce the Challenge/Activity</a:t>
+            </a:r>
+          </a:p>
+          <a:p>
+            <a:pPr lvl="1"/>
             <a:r>
               <a:rPr/>
-              <a:t>header</a:t>
-            </a:r>
+              <a:t>Theory to support learning outcomes and the Activity</a:t>
+            </a:r>
+          </a:p>
+          <a:p>
+            <a:pPr lvl="1"/>
             <a:r>
               <a:rPr/>
-              <a:t> </a:t>
-            </a:r>
-            <a:r>
-              <a:rPr/>
-              <a:t>(Slide</a:t>
-            </a:r>
-            <a:r>
-              <a:rPr/>
-              <a:t> </a:t>
-            </a:r>
-            <a:r>
-              <a:rPr/>
-              <a:t>2)</a:t>
-            </a:r>
-          </a:p>
-        </p:txBody>
-      </p:sp>
-    </p:spTree>
-  </p:cSld>
-</p:sld>
-</file>
-
-<file path=ppt/slides/slide3.xml><?xml version="1.0" encoding="utf-8"?>
-<p:sld xmlns:a="http://schemas.openxmlformats.org/drawingml/2006/main" xmlns:r="http://schemas.openxmlformats.org/officeDocument/2006/relationships" xmlns:p="http://schemas.openxmlformats.org/presentationml/2006/main">
-  <p:cSld>
-    <p:spTree>
-      <p:nvGrpSpPr>
-        <p:cNvPr id="1" name=""/>
-        <p:cNvGrpSpPr/>
-        <p:nvPr/>
-      </p:nvGrpSpPr>
-      <p:grpSpPr>
-        <a:xfrm>
-          <a:off x="0" y="0"/>
-          <a:ext cx="0" cy="0"/>
-          <a:chOff x="0" y="0"/>
-          <a:chExt cx="0" cy="0"/>
-        </a:xfrm>
-      </p:grpSpPr>
-      <p:sp>
-        <p:nvSpPr>
-          <p:cNvPr id="2" name="Title 1"/>
-          <p:cNvSpPr>
-            <a:spLocks noGrp="1"/>
-          </p:cNvSpPr>
-          <p:nvPr>
-            <p:ph type="title"/>
-          </p:nvPr>
-        </p:nvSpPr>
-        <p:spPr>
-          <a:xfrm>
-            <a:off x="722313" y="4406900"/>
-            <a:ext cx="7772400" cy="1362075"/>
-          </a:xfrm>
-        </p:spPr>
-        <p:txBody>
-          <a:bodyPr/>
-          <a:lstStyle/>
-          <a:p>
-            <a:pPr lvl="0" marL="0" indent="0">
-              <a:buNone/>
-            </a:pPr>
-            <a:r>
-              <a:rPr/>
-              <a:t>Section</a:t>
-            </a:r>
-            <a:r>
-              <a:rPr/>
-              <a:t> </a:t>
-            </a:r>
-            <a:r>
-              <a:rPr/>
-              <a:t>header</a:t>
-            </a:r>
-            <a:r>
-              <a:rPr/>
-              <a:t> </a:t>
-            </a:r>
-            <a:r>
-              <a:rPr/>
-              <a:t>(Slide</a:t>
-            </a:r>
-            <a:r>
-              <a:rPr/>
-              <a:t> </a:t>
-            </a:r>
-            <a:r>
-              <a:rPr/>
-              <a:t>3)</a:t>
-            </a:r>
-          </a:p>
-        </p:txBody>
-      </p:sp>
-    </p:spTree>
-  </p:cSld>
-</p:sld>
-</file>
-
-<file path=ppt/slides/slide4.xml><?xml version="1.0" encoding="utf-8"?>
-<p:sld xmlns:a="http://schemas.openxmlformats.org/drawingml/2006/main" xmlns:r="http://schemas.openxmlformats.org/officeDocument/2006/relationships" xmlns:p="http://schemas.openxmlformats.org/presentationml/2006/main">
-  <p:cSld>
-    <p:spTree>
-      <p:nvGrpSpPr>
-        <p:cNvPr id="1" name=""/>
-        <p:cNvGrpSpPr/>
-        <p:nvPr/>
-      </p:nvGrpSpPr>
-      <p:grpSpPr>
-        <a:xfrm>
-          <a:off x="0" y="0"/>
-          <a:ext cx="0" cy="0"/>
-          <a:chOff x="0" y="0"/>
-          <a:chExt cx="0" cy="0"/>
-        </a:xfrm>
-      </p:grpSpPr>
-      <p:sp>
-        <p:nvSpPr>
-          <p:cNvPr id="2" name="Title 1"/>
-          <p:cNvSpPr>
-            <a:spLocks noGrp="1"/>
-          </p:cNvSpPr>
-          <p:nvPr>
-            <p:ph type="title"/>
-          </p:nvPr>
-        </p:nvSpPr>
-        <p:spPr/>
-        <p:txBody>
-          <a:bodyPr/>
-          <a:lstStyle/>
-          <a:p>
-            <a:pPr lvl="0" marL="0" indent="0">
-              <a:buNone/>
-            </a:pPr>
-            <a:r>
-              <a:rPr/>
-              <a:t>Slide</a:t>
-            </a:r>
-            <a:r>
-              <a:rPr/>
-              <a:t> </a:t>
-            </a:r>
-            <a:r>
-              <a:rPr/>
-              <a:t>Title</a:t>
-            </a:r>
-            <a:r>
-              <a:rPr/>
-              <a:t> </a:t>
-            </a:r>
-            <a:r>
-              <a:rPr/>
-              <a:t>(Slide</a:t>
-            </a:r>
-            <a:r>
-              <a:rPr/>
-              <a:t> </a:t>
-            </a:r>
-            <a:r>
-              <a:rPr/>
-              <a:t>4)</a:t>
-            </a:r>
-          </a:p>
-        </p:txBody>
-      </p:sp>
-      <p:sp>
-        <p:nvSpPr>
-          <p:cNvPr id="3" name="Content Placeholder 2"/>
-          <p:cNvSpPr>
-            <a:spLocks noGrp="1"/>
-          </p:cNvSpPr>
-          <p:nvPr>
-            <p:ph idx="1"/>
-          </p:nvPr>
-        </p:nvSpPr>
-        <p:spPr/>
-        <p:txBody>
-          <a:bodyPr/>
-          <a:lstStyle/>
-          <a:p>
-            <a:pPr lvl="0" marL="0" indent="0">
-              <a:buNone/>
-            </a:pPr>
-            <a:r>
-              <a:rPr/>
-              <a:t>Slide Content (by default this content sets the slide level to three)</a:t>
-            </a:r>
-          </a:p>
-          <a:p>
-            <a:pPr lvl="0" marL="0" indent="0">
-              <a:spcBef>
-                <a:spcPts val="3000"/>
-              </a:spcBef>
-              <a:buNone/>
-            </a:pPr>
-            <a:r>
-              <a:rPr b="1"/>
-              <a:t>Slide content header (Slide 4)</a:t>
-            </a:r>
-          </a:p>
-          <a:p>
-            <a:pPr lvl="0" marL="0" indent="0">
-              <a:spcBef>
-                <a:spcPts val="3000"/>
-              </a:spcBef>
-              <a:buNone/>
-            </a:pPr>
-            <a:r>
-              <a:rPr b="1"/>
-              <a:t>Slide content header (Slide 4)</a:t>
-            </a:r>
-          </a:p>
-        </p:txBody>
-      </p:sp>
-    </p:spTree>
-  </p:cSld>
-</p:sld>
-</file>
-
-<file path=ppt/slides/slide5.xml><?xml version="1.0" encoding="utf-8"?>
-<p:sld xmlns:a="http://schemas.openxmlformats.org/drawingml/2006/main" xmlns:r="http://schemas.openxmlformats.org/officeDocument/2006/relationships" xmlns:p="http://schemas.openxmlformats.org/presentationml/2006/main">
-  <p:cSld>
-    <p:spTree>
-      <p:nvGrpSpPr>
-        <p:cNvPr id="1" name=""/>
-        <p:cNvGrpSpPr/>
-        <p:nvPr/>
-      </p:nvGrpSpPr>
-      <p:grpSpPr>
-        <a:xfrm>
-          <a:off x="0" y="0"/>
-          <a:ext cx="0" cy="0"/>
-          <a:chOff x="0" y="0"/>
-          <a:chExt cx="0" cy="0"/>
-        </a:xfrm>
-      </p:grpSpPr>
-      <p:sp>
-        <p:nvSpPr>
-          <p:cNvPr id="2" name="Title 1"/>
-          <p:cNvSpPr>
-            <a:spLocks noGrp="1"/>
-          </p:cNvSpPr>
-          <p:nvPr>
-            <p:ph type="title"/>
-          </p:nvPr>
-        </p:nvSpPr>
-        <p:spPr/>
-        <p:txBody>
-          <a:bodyPr/>
-          <a:lstStyle/>
-          <a:p>
-            <a:pPr lvl="0" marL="0" indent="0">
-              <a:buNone/>
-            </a:pPr>
-            <a:r>
-              <a:rPr/>
-              <a:t>Slide</a:t>
-            </a:r>
-            <a:r>
-              <a:rPr/>
-              <a:t> </a:t>
-            </a:r>
-            <a:r>
-              <a:rPr/>
-              <a:t>Title</a:t>
-            </a:r>
-            <a:r>
-              <a:rPr/>
-              <a:t> </a:t>
-            </a:r>
-            <a:r>
-              <a:rPr/>
-              <a:t>(Slide</a:t>
-            </a:r>
-            <a:r>
-              <a:rPr/>
-              <a:t> </a:t>
-            </a:r>
-            <a:r>
-              <a:rPr/>
-              <a:t>5)</a:t>
-            </a:r>
-          </a:p>
-        </p:txBody>
-      </p:sp>
-      <p:sp>
-        <p:nvSpPr>
-          <p:cNvPr id="3" name="Content Placeholder 2"/>
-          <p:cNvSpPr>
-            <a:spLocks noGrp="1"/>
-          </p:cNvSpPr>
-          <p:nvPr>
-            <p:ph idx="1"/>
-          </p:nvPr>
-        </p:nvSpPr>
-        <p:spPr/>
-        <p:txBody>
-          <a:bodyPr/>
-          <a:lstStyle/>
-          <a:p>
-            <a:pPr lvl="1"/>
-            <a:r>
-              <a:rPr/>
-              <a:t>list item 1</a:t>
-            </a:r>
-          </a:p>
-          <a:p>
-            <a:pPr lvl="1"/>
-            <a:r>
-              <a:rPr/>
-              <a:t>list item 2</a:t>
-            </a:r>
-          </a:p>
-          <a:p>
-            <a:pPr lvl="0" marL="0" indent="0">
-              <a:spcBef>
-                <a:spcPts val="3000"/>
-              </a:spcBef>
-              <a:buNone/>
-            </a:pPr>
-            <a:r>
-              <a:rPr b="1"/>
-              <a:t>List 2</a:t>
-            </a:r>
-          </a:p>
-          <a:p>
-            <a:pPr lvl="1"/>
-            <a:r>
-              <a:rPr/>
-              <a:t>list item 1</a:t>
-            </a:r>
-          </a:p>
-          <a:p>
-            <a:pPr lvl="1"/>
-            <a:r>
-              <a:rPr/>
-              <a:t>list item 2</a:t>
-            </a:r>
-          </a:p>
-        </p:txBody>
-      </p:sp>
-    </p:spTree>
-  </p:cSld>
-</p:sld>
-</file>
-
-<file path=ppt/slides/slide6.xml><?xml version="1.0" encoding="utf-8"?>
-<p:sld xmlns:a="http://schemas.openxmlformats.org/drawingml/2006/main" xmlns:r="http://schemas.openxmlformats.org/officeDocument/2006/relationships" xmlns:p="http://schemas.openxmlformats.org/presentationml/2006/main">
-  <p:cSld>
-    <p:spTree>
-      <p:nvGrpSpPr>
-        <p:cNvPr id="1" name=""/>
-        <p:cNvGrpSpPr/>
-        <p:nvPr/>
-      </p:nvGrpSpPr>
-      <p:grpSpPr>
-        <a:xfrm>
-          <a:off x="0" y="0"/>
-          <a:ext cx="0" cy="0"/>
-          <a:chOff x="0" y="0"/>
-          <a:chExt cx="0" cy="0"/>
-        </a:xfrm>
-      </p:grpSpPr>
-      <p:sp>
-        <p:nvSpPr>
-          <p:cNvPr id="2" name="Title 1"/>
-          <p:cNvSpPr>
-            <a:spLocks noGrp="1"/>
-          </p:cNvSpPr>
-          <p:nvPr>
-            <p:ph type="title"/>
-          </p:nvPr>
-        </p:nvSpPr>
-        <p:spPr/>
-        <p:txBody>
-          <a:bodyPr/>
-          <a:lstStyle/>
-          <a:p>
-            <a:pPr lvl="0" marL="0" indent="0">
-              <a:buNone/>
-            </a:pPr>
-            <a:r>
-              <a:rPr/>
-              <a:t>Code</a:t>
-            </a:r>
-            <a:r>
-              <a:rPr/>
-              <a:t> </a:t>
-            </a:r>
-            <a:r>
-              <a:rPr/>
-              <a:t>here</a:t>
-            </a:r>
-          </a:p>
-        </p:txBody>
-      </p:sp>
-      <p:sp>
-        <p:nvSpPr>
-          <p:cNvPr id="3" name="Content Placeholder 2"/>
-          <p:cNvSpPr>
-            <a:spLocks noGrp="1"/>
-          </p:cNvSpPr>
-          <p:nvPr>
-            <p:ph idx="1"/>
-          </p:nvPr>
-        </p:nvSpPr>
-        <p:spPr/>
-        <p:txBody>
-          <a:bodyPr/>
-          <a:lstStyle/>
-          <a:p>
-            <a:pPr lvl="0" indent="0">
-              <a:buNone/>
-            </a:pPr>
-            <a:br/>
-            <a:r>
-              <a:rPr i="1">
-                <a:solidFill>
-                  <a:srgbClr val="60A0B0"/>
-                </a:solidFill>
-                <a:latin typeface="Courier"/>
-              </a:rPr>
-              <a:t>// This is javascript code</a:t>
-            </a:r>
-            <a:br/>
-            <a:br/>
-            <a:r>
-              <a:rPr>
-                <a:latin typeface="Courier"/>
-              </a:rPr>
-              <a:t>console</a:t>
-            </a:r>
-            <a:r>
-              <a:rPr>
-                <a:solidFill>
-                  <a:srgbClr val="666666"/>
-                </a:solidFill>
-                <a:latin typeface="Courier"/>
-              </a:rPr>
-              <a:t>.</a:t>
-            </a:r>
-            <a:r>
-              <a:rPr>
-                <a:solidFill>
-                  <a:srgbClr val="06287E"/>
-                </a:solidFill>
-                <a:latin typeface="Courier"/>
-              </a:rPr>
-              <a:t>log</a:t>
-            </a:r>
-            <a:r>
-              <a:rPr>
-                <a:latin typeface="Courier"/>
-              </a:rPr>
-              <a:t>(</a:t>
-            </a:r>
-            <a:r>
-              <a:rPr>
-                <a:solidFill>
-                  <a:srgbClr val="4070A0"/>
-                </a:solidFill>
-                <a:latin typeface="Courier"/>
-              </a:rPr>
-              <a:t>`${</a:t>
-            </a:r>
-            <a:r>
-              <a:rPr>
-                <a:latin typeface="Courier"/>
-              </a:rPr>
-              <a:t>name</a:t>
-            </a:r>
-            <a:r>
-              <a:rPr>
-                <a:solidFill>
-                  <a:srgbClr val="4070A0"/>
-                </a:solidFill>
-                <a:latin typeface="Courier"/>
-              </a:rPr>
-              <a:t>} was here`</a:t>
-            </a:r>
-            <a:r>
-              <a:rPr>
-                <a:latin typeface="Courier"/>
-              </a:rPr>
-              <a:t>)</a:t>
-            </a:r>
-            <a:r>
-              <a:rPr>
-                <a:solidFill>
-                  <a:srgbClr val="666666"/>
-                </a:solidFill>
-                <a:latin typeface="Courier"/>
-              </a:rPr>
-              <a:t>;</a:t>
-            </a:r>
-          </a:p>
-        </p:txBody>
-      </p:sp>
-    </p:spTree>
-  </p:cSld>
-</p:sld>
-</file>
-
-<file path=ppt/slides/slide7.xml><?xml version="1.0" encoding="utf-8"?>
-<p:sld xmlns:a="http://schemas.openxmlformats.org/drawingml/2006/main" xmlns:r="http://schemas.openxmlformats.org/officeDocument/2006/relationships" xmlns:p="http://schemas.openxmlformats.org/presentationml/2006/main">
-  <p:cSld>
-    <p:spTree>
-      <p:nvGrpSpPr>
-        <p:cNvPr id="1" name=""/>
-        <p:cNvGrpSpPr/>
-        <p:nvPr/>
-      </p:nvGrpSpPr>
-      <p:grpSpPr>
-        <a:xfrm>
-          <a:off x="0" y="0"/>
-          <a:ext cx="0" cy="0"/>
-          <a:chOff x="0" y="0"/>
-          <a:chExt cx="0" cy="0"/>
-        </a:xfrm>
-      </p:grpSpPr>
-      <p:sp>
-        <p:nvSpPr>
-          <p:cNvPr id="2" name="Title 1"/>
-          <p:cNvSpPr>
-            <a:spLocks noGrp="1"/>
-          </p:cNvSpPr>
-          <p:nvPr>
-            <p:ph type="title"/>
-          </p:nvPr>
-        </p:nvSpPr>
-        <p:spPr/>
-        <p:txBody>
-          <a:bodyPr/>
-          <a:lstStyle/>
-          <a:p>
-            <a:pPr lvl="0" marL="0" indent="0">
-              <a:buNone/>
-            </a:pPr>
-            <a:r>
-              <a:rPr/>
-              <a:t>Another</a:t>
-            </a:r>
-            <a:r>
-              <a:rPr/>
-              <a:t> </a:t>
-            </a:r>
-            <a:r>
-              <a:rPr/>
-              <a:t>Slide</a:t>
-            </a:r>
-          </a:p>
-        </p:txBody>
-      </p:sp>
-      <p:sp>
-        <p:nvSpPr>
-          <p:cNvPr id="3" name="Content Placeholder 2"/>
-          <p:cNvSpPr>
-            <a:spLocks noGrp="1"/>
-          </p:cNvSpPr>
-          <p:nvPr>
-            <p:ph idx="1"/>
-          </p:nvPr>
-        </p:nvSpPr>
-        <p:spPr/>
-        <p:txBody>
-          <a:bodyPr/>
-          <a:lstStyle/>
-          <a:p>
-            <a:pPr lvl="1"/>
-            <a:r>
-              <a:rPr/>
-              <a:t>I don’t think this should work???</a:t>
-            </a:r>
-          </a:p>
-          <a:p>
-            <a:pPr lvl="1"/>
-            <a:r>
-              <a:rPr/>
-              <a:t>lets see</a:t>
+              <a:t>Initial demo of activity</a:t>
             </a:r>
           </a:p>
         </p:txBody>
@@ -4868,265 +3585,4 @@
   </a:objectDefaults>
   <a:extraClrSchemeLst/>
 </a:theme>
-</file>
-
-<file path=ppt/theme/theme2.xml><?xml version="1.0" encoding="utf-8"?>
-<a:theme xmlns:a="http://schemas.openxmlformats.org/drawingml/2006/main" name="Office Theme">
-  <a:themeElements>
-    <a:clrScheme name="Office">
-      <a:dk1>
-        <a:sysClr val="windowText" lastClr="000000"/>
-      </a:dk1>
-      <a:lt1>
-        <a:sysClr val="window" lastClr="FFFFFF"/>
-      </a:lt1>
-      <a:dk2>
-        <a:srgbClr val="44546A"/>
-      </a:dk2>
-      <a:lt2>
-        <a:srgbClr val="E7E6E6"/>
-      </a:lt2>
-      <a:accent1>
-        <a:srgbClr val="5B9BD5"/>
-      </a:accent1>
-      <a:accent2>
-        <a:srgbClr val="ED7D31"/>
-      </a:accent2>
-      <a:accent3>
-        <a:srgbClr val="A5A5A5"/>
-      </a:accent3>
-      <a:accent4>
-        <a:srgbClr val="FFC000"/>
-      </a:accent4>
-      <a:accent5>
-        <a:srgbClr val="4472C4"/>
-      </a:accent5>
-      <a:accent6>
-        <a:srgbClr val="70AD47"/>
-      </a:accent6>
-      <a:hlink>
-        <a:srgbClr val="0563C1"/>
-      </a:hlink>
-      <a:folHlink>
-        <a:srgbClr val="954F72"/>
-      </a:folHlink>
-    </a:clrScheme>
-    <a:fontScheme name="Office">
-      <a:majorFont>
-        <a:latin typeface="Calibri Light" panose="020F0302020204030204"/>
-        <a:ea typeface=""/>
-        <a:cs typeface=""/>
-        <a:font script="Jpan" typeface="ＭＳ Ｐゴシック"/>
-        <a:font script="Hang" typeface="맑은 고딕"/>
-        <a:font script="Hans" typeface="宋体"/>
-        <a:font script="Hant" typeface="新細明體"/>
-        <a:font script="Arab" typeface="Times New Roman"/>
-        <a:font script="Hebr" typeface="Times New Roman"/>
-        <a:font script="Thai" typeface="Angsana New"/>
-        <a:font script="Ethi" typeface="Nyala"/>
-        <a:font script="Beng" typeface="Vrinda"/>
-        <a:font script="Gujr" typeface="Shruti"/>
-        <a:font script="Khmr" typeface="MoolBoran"/>
-        <a:font script="Knda" typeface="Tunga"/>
-        <a:font script="Guru" typeface="Raavi"/>
-        <a:font script="Cans" typeface="Euphemia"/>
-        <a:font script="Cher" typeface="Plantagenet Cherokee"/>
-        <a:font script="Yiii" typeface="Microsoft Yi Baiti"/>
-        <a:font script="Tibt" typeface="Microsoft Himalaya"/>
-        <a:font script="Thaa" typeface="MV Boli"/>
-        <a:font script="Deva" typeface="Mangal"/>
-        <a:font script="Telu" typeface="Gautami"/>
-        <a:font script="Taml" typeface="Latha"/>
-        <a:font script="Syrc" typeface="Estrangelo Edessa"/>
-        <a:font script="Orya" typeface="Kalinga"/>
-        <a:font script="Mlym" typeface="Kartika"/>
-        <a:font script="Laoo" typeface="DokChampa"/>
-        <a:font script="Sinh" typeface="Iskoola Pota"/>
-        <a:font script="Mong" typeface="Mongolian Baiti"/>
-        <a:font script="Viet" typeface="Times New Roman"/>
-        <a:font script="Uigh" typeface="Microsoft Uighur"/>
-        <a:font script="Geor" typeface="Sylfaen"/>
-      </a:majorFont>
-      <a:minorFont>
-        <a:latin typeface="Calibri" panose="020F0502020204030204"/>
-        <a:ea typeface=""/>
-        <a:cs typeface=""/>
-        <a:font script="Jpan" typeface="ＭＳ Ｐゴシック"/>
-        <a:font script="Hang" typeface="맑은 고딕"/>
-        <a:font script="Hans" typeface="宋体"/>
-        <a:font script="Hant" typeface="新細明體"/>
-        <a:font script="Arab" typeface="Arial"/>
-        <a:font script="Hebr" typeface="Arial"/>
-        <a:font script="Thai" typeface="Cordia New"/>
-        <a:font script="Ethi" typeface="Nyala"/>
-        <a:font script="Beng" typeface="Vrinda"/>
-        <a:font script="Gujr" typeface="Shruti"/>
-        <a:font script="Khmr" typeface="DaunPenh"/>
-        <a:font script="Knda" typeface="Tunga"/>
-        <a:font script="Guru" typeface="Raavi"/>
-        <a:font script="Cans" typeface="Euphemia"/>
-        <a:font script="Cher" typeface="Plantagenet Cherokee"/>
-        <a:font script="Yiii" typeface="Microsoft Yi Baiti"/>
-        <a:font script="Tibt" typeface="Microsoft Himalaya"/>
-        <a:font script="Thaa" typeface="MV Boli"/>
-        <a:font script="Deva" typeface="Mangal"/>
-        <a:font script="Telu" typeface="Gautami"/>
-        <a:font script="Taml" typeface="Latha"/>
-        <a:font script="Syrc" typeface="Estrangelo Edessa"/>
-        <a:font script="Orya" typeface="Kalinga"/>
-        <a:font script="Mlym" typeface="Kartika"/>
-        <a:font script="Laoo" typeface="DokChampa"/>
-        <a:font script="Sinh" typeface="Iskoola Pota"/>
-        <a:font script="Mong" typeface="Mongolian Baiti"/>
-        <a:font script="Viet" typeface="Arial"/>
-        <a:font script="Uigh" typeface="Microsoft Uighur"/>
-        <a:font script="Geor" typeface="Sylfaen"/>
-      </a:minorFont>
-    </a:fontScheme>
-    <a:fmtScheme name="Office">
-      <a:fillStyleLst>
-        <a:solidFill>
-          <a:schemeClr val="phClr"/>
-        </a:solidFill>
-        <a:gradFill rotWithShape="1">
-          <a:gsLst>
-            <a:gs pos="0">
-              <a:schemeClr val="phClr">
-                <a:lumMod val="110000"/>
-                <a:satMod val="105000"/>
-                <a:tint val="67000"/>
-              </a:schemeClr>
-            </a:gs>
-            <a:gs pos="50000">
-              <a:schemeClr val="phClr">
-                <a:lumMod val="105000"/>
-                <a:satMod val="103000"/>
-                <a:tint val="73000"/>
-              </a:schemeClr>
-            </a:gs>
-            <a:gs pos="100000">
-              <a:schemeClr val="phClr">
-                <a:lumMod val="105000"/>
-                <a:satMod val="109000"/>
-                <a:tint val="81000"/>
-              </a:schemeClr>
-            </a:gs>
-          </a:gsLst>
-          <a:lin ang="5400000" scaled="0"/>
-        </a:gradFill>
-        <a:gradFill rotWithShape="1">
-          <a:gsLst>
-            <a:gs pos="0">
-              <a:schemeClr val="phClr">
-                <a:satMod val="103000"/>
-                <a:lumMod val="102000"/>
-                <a:tint val="94000"/>
-              </a:schemeClr>
-            </a:gs>
-            <a:gs pos="50000">
-              <a:schemeClr val="phClr">
-                <a:satMod val="110000"/>
-                <a:lumMod val="100000"/>
-                <a:shade val="100000"/>
-              </a:schemeClr>
-            </a:gs>
-            <a:gs pos="100000">
-              <a:schemeClr val="phClr">
-                <a:lumMod val="99000"/>
-                <a:satMod val="120000"/>
-                <a:shade val="78000"/>
-              </a:schemeClr>
-            </a:gs>
-          </a:gsLst>
-          <a:lin ang="5400000" scaled="0"/>
-        </a:gradFill>
-      </a:fillStyleLst>
-      <a:lnStyleLst>
-        <a:ln w="6350" cap="flat" cmpd="sng" algn="ctr">
-          <a:solidFill>
-            <a:schemeClr val="phClr"/>
-          </a:solidFill>
-          <a:prstDash val="solid"/>
-          <a:miter lim="800000"/>
-        </a:ln>
-        <a:ln w="12700" cap="flat" cmpd="sng" algn="ctr">
-          <a:solidFill>
-            <a:schemeClr val="phClr"/>
-          </a:solidFill>
-          <a:prstDash val="solid"/>
-          <a:miter lim="800000"/>
-        </a:ln>
-        <a:ln w="19050" cap="flat" cmpd="sng" algn="ctr">
-          <a:solidFill>
-            <a:schemeClr val="phClr"/>
-          </a:solidFill>
-          <a:prstDash val="solid"/>
-          <a:miter lim="800000"/>
-        </a:ln>
-      </a:lnStyleLst>
-      <a:effectStyleLst>
-        <a:effectStyle>
-          <a:effectLst/>
-        </a:effectStyle>
-        <a:effectStyle>
-          <a:effectLst/>
-        </a:effectStyle>
-        <a:effectStyle>
-          <a:effectLst>
-            <a:outerShdw blurRad="57150" dist="19050" dir="5400000" algn="ctr" rotWithShape="0">
-              <a:srgbClr val="000000">
-                <a:alpha val="63000"/>
-              </a:srgbClr>
-            </a:outerShdw>
-          </a:effectLst>
-        </a:effectStyle>
-      </a:effectStyleLst>
-      <a:bgFillStyleLst>
-        <a:solidFill>
-          <a:schemeClr val="phClr"/>
-        </a:solidFill>
-        <a:solidFill>
-          <a:schemeClr val="phClr">
-            <a:tint val="95000"/>
-            <a:satMod val="170000"/>
-          </a:schemeClr>
-        </a:solidFill>
-        <a:gradFill rotWithShape="1">
-          <a:gsLst>
-            <a:gs pos="0">
-              <a:schemeClr val="phClr">
-                <a:tint val="93000"/>
-                <a:satMod val="150000"/>
-                <a:shade val="98000"/>
-                <a:lumMod val="102000"/>
-              </a:schemeClr>
-            </a:gs>
-            <a:gs pos="50000">
-              <a:schemeClr val="phClr">
-                <a:tint val="98000"/>
-                <a:satMod val="130000"/>
-                <a:shade val="90000"/>
-                <a:lumMod val="103000"/>
-              </a:schemeClr>
-            </a:gs>
-            <a:gs pos="100000">
-              <a:schemeClr val="phClr">
-                <a:shade val="63000"/>
-                <a:satMod val="120000"/>
-              </a:schemeClr>
-            </a:gs>
-          </a:gsLst>
-          <a:lin ang="5400000" scaled="0"/>
-        </a:gradFill>
-      </a:bgFillStyleLst>
-    </a:fmtScheme>
-  </a:themeElements>
-  <a:objectDefaults/>
-  <a:extraClrSchemeLst/>
-  <a:extLst>
-    <a:ext uri="{05A4C25C-085E-4340-85A3-A5531E510DB2}">
-      <thm15:themeFamily xmlns:thm15="http://schemas.microsoft.com/office/thememl/2012/main" name="Office Theme" id="{62F939B6-93AF-4DB8-9C6B-D6C7DFDC589F}" vid="{4A3C46E8-61CC-4603-A589-7422A47A8E4A}"/>
-    </a:ext>
-  </a:extLst>
-</a:theme>
 </file>
--- a/microfrontend_instrumenting/slides.pptx
+++ b/microfrontend_instrumenting/slides.pptx
@@ -7,6 +7,12 @@
   <p:sldIdLst>
     <p:sldId id="256" r:id="rId2"/>
     <p:sldId id="257" r:id="rId3"/>
+    <p:sldId id="258" r:id="rId4"/>
+    <p:sldId id="259" r:id="rId5"/>
+    <p:sldId id="260" r:id="rId6"/>
+    <p:sldId id="261" r:id="rId7"/>
+    <p:sldId id="262" r:id="rId8"/>
+    <p:sldId id="263" r:id="rId9"/>
   </p:sldIdLst>
   <p:sldSz cx="9144000" cy="6858000" type="screen4x3"/>
   <p:notesSz cx="6858000" cy="9144000"/>
@@ -3243,21 +3249,1017 @@
             <a:pPr lvl="1"/>
             <a:r>
               <a:rPr/>
-              <a:t>Introduce the Challenge/Activity</a:t>
+              <a:t>Review </a:t>
+            </a:r>
+            <a:r>
+              <a:rPr>
+                <a:hlinkClick r:id="rId2"/>
+              </a:rPr>
+              <a:t>Analysis with signoz and fastapi</a:t>
             </a:r>
           </a:p>
           <a:p>
             <a:pPr lvl="1"/>
             <a:r>
               <a:rPr/>
-              <a:t>Theory to support learning outcomes and the Activity</a:t>
+              <a:t>Look at </a:t>
+            </a:r>
+            <a:r>
+              <a:rPr>
+                <a:hlinkClick r:id="rId3"/>
+              </a:rPr>
+              <a:t>javascript otel</a:t>
             </a:r>
           </a:p>
           <a:p>
             <a:pPr lvl="1"/>
             <a:r>
               <a:rPr/>
+              <a:t>Microfrontend talk</a:t>
+            </a:r>
+          </a:p>
+          <a:p>
+            <a:pPr lvl="1"/>
+            <a:r>
+              <a:rPr/>
               <a:t>Initial demo of activity</a:t>
+            </a:r>
+          </a:p>
+        </p:txBody>
+      </p:sp>
+    </p:spTree>
+  </p:cSld>
+</p:sld>
+</file>
+
+<file path=ppt/slides/slide3.xml><?xml version="1.0" encoding="utf-8"?>
+<p:sld xmlns:a="http://schemas.openxmlformats.org/drawingml/2006/main" xmlns:r="http://schemas.openxmlformats.org/officeDocument/2006/relationships" xmlns:p="http://schemas.openxmlformats.org/presentationml/2006/main">
+  <p:cSld>
+    <p:spTree>
+      <p:nvGrpSpPr>
+        <p:cNvPr id="1" name=""/>
+        <p:cNvGrpSpPr/>
+        <p:nvPr/>
+      </p:nvGrpSpPr>
+      <p:grpSpPr>
+        <a:xfrm>
+          <a:off x="0" y="0"/>
+          <a:ext cx="0" cy="0"/>
+          <a:chOff x="0" y="0"/>
+          <a:chExt cx="0" cy="0"/>
+        </a:xfrm>
+      </p:grpSpPr>
+      <p:sp>
+        <p:nvSpPr>
+          <p:cNvPr id="2" name="Title 1"/>
+          <p:cNvSpPr>
+            <a:spLocks noGrp="1"/>
+          </p:cNvSpPr>
+          <p:nvPr>
+            <p:ph type="title"/>
+          </p:nvPr>
+        </p:nvSpPr>
+        <p:spPr/>
+        <p:txBody>
+          <a:bodyPr/>
+          <a:lstStyle/>
+          <a:p>
+            <a:pPr lvl="0" marL="0" indent="0">
+              <a:buNone/>
+            </a:pPr>
+            <a:r>
+              <a:rPr/>
+              <a:t>Learning</a:t>
+            </a:r>
+            <a:r>
+              <a:rPr/>
+              <a:t> </a:t>
+            </a:r>
+            <a:r>
+              <a:rPr/>
+              <a:t>Outcomes</a:t>
+            </a:r>
+          </a:p>
+        </p:txBody>
+      </p:sp>
+      <p:sp>
+        <p:nvSpPr>
+          <p:cNvPr id="3" name="Content Placeholder 2"/>
+          <p:cNvSpPr>
+            <a:spLocks noGrp="1"/>
+          </p:cNvSpPr>
+          <p:nvPr>
+            <p:ph idx="1"/>
+          </p:nvPr>
+        </p:nvSpPr>
+        <p:spPr/>
+        <p:txBody>
+          <a:bodyPr/>
+          <a:lstStyle/>
+          <a:p>
+            <a:pPr lvl="1"/>
+            <a:r>
+              <a:rPr/>
+              <a:t>Interpret information from logs to reproduce and resolve problems.</a:t>
+            </a:r>
+          </a:p>
+          <a:p>
+            <a:pPr lvl="1"/>
+            <a:r>
+              <a:rPr/>
+              <a:t>Measure REDS metrics in a microservice by adding and incrementing the appropriate counters.</a:t>
+            </a:r>
+          </a:p>
+          <a:p>
+            <a:pPr lvl="1"/>
+            <a:r>
+              <a:rPr/>
+              <a:t>Determine metrics from the point of view of the customer from a micro-frontend</a:t>
+            </a:r>
+          </a:p>
+        </p:txBody>
+      </p:sp>
+    </p:spTree>
+  </p:cSld>
+</p:sld>
+</file>
+
+<file path=ppt/slides/slide4.xml><?xml version="1.0" encoding="utf-8"?>
+<p:sld xmlns:a="http://schemas.openxmlformats.org/drawingml/2006/main" xmlns:r="http://schemas.openxmlformats.org/officeDocument/2006/relationships" xmlns:p="http://schemas.openxmlformats.org/presentationml/2006/main">
+  <p:cSld>
+    <p:spTree>
+      <p:nvGrpSpPr>
+        <p:cNvPr id="1" name=""/>
+        <p:cNvGrpSpPr/>
+        <p:nvPr/>
+      </p:nvGrpSpPr>
+      <p:grpSpPr>
+        <a:xfrm>
+          <a:off x="0" y="0"/>
+          <a:ext cx="0" cy="0"/>
+          <a:chOff x="0" y="0"/>
+          <a:chExt cx="0" cy="0"/>
+        </a:xfrm>
+      </p:grpSpPr>
+      <p:sp>
+        <p:nvSpPr>
+          <p:cNvPr id="2" name="Title 1"/>
+          <p:cNvSpPr>
+            <a:spLocks noGrp="1"/>
+          </p:cNvSpPr>
+          <p:nvPr>
+            <p:ph type="title"/>
+          </p:nvPr>
+        </p:nvSpPr>
+        <p:spPr/>
+        <p:txBody>
+          <a:bodyPr/>
+          <a:lstStyle/>
+          <a:p>
+            <a:pPr lvl="0" marL="0" indent="0">
+              <a:buNone/>
+            </a:pPr>
+            <a:r>
+              <a:rPr/>
+              <a:t>Analysis</a:t>
+            </a:r>
+            <a:r>
+              <a:rPr/>
+              <a:t> </a:t>
+            </a:r>
+            <a:r>
+              <a:rPr/>
+              <a:t>with</a:t>
+            </a:r>
+            <a:r>
+              <a:rPr/>
+              <a:t> </a:t>
+            </a:r>
+            <a:r>
+              <a:rPr/>
+              <a:t>signoz</a:t>
+            </a:r>
+            <a:r>
+              <a:rPr/>
+              <a:t> </a:t>
+            </a:r>
+            <a:r>
+              <a:rPr/>
+              <a:t>and</a:t>
+            </a:r>
+            <a:r>
+              <a:rPr/>
+              <a:t> </a:t>
+            </a:r>
+            <a:r>
+              <a:rPr/>
+              <a:t>fastapi</a:t>
+            </a:r>
+          </a:p>
+        </p:txBody>
+      </p:sp>
+      <p:sp>
+        <p:nvSpPr>
+          <p:cNvPr id="3" name="Content Placeholder 2"/>
+          <p:cNvSpPr>
+            <a:spLocks noGrp="1"/>
+          </p:cNvSpPr>
+          <p:nvPr>
+            <p:ph idx="1"/>
+          </p:nvPr>
+        </p:nvSpPr>
+        <p:spPr/>
+        <p:txBody>
+          <a:bodyPr/>
+          <a:lstStyle/>
+          <a:p>
+            <a:pPr lvl="1"/>
+            <a:r>
+              <a:rPr/>
+              <a:t>today’s microfrontend is based on </a:t>
+            </a:r>
+            <a:r>
+              <a:rPr>
+                <a:hlinkClick r:id="rId2"/>
+              </a:rPr>
+              <a:t>fastapi as on last week</a:t>
+            </a:r>
+          </a:p>
+          <a:p>
+            <a:pPr lvl="1"/>
+            <a:r>
+              <a:rPr/>
+              <a:t>Hopefully you are comfortable with viewing metrics, logs and traces in signoz</a:t>
+            </a:r>
+          </a:p>
+          <a:p>
+            <a:pPr lvl="1"/>
+            <a:r>
+              <a:rPr/>
+              <a:t>the app last week was in the /app folder</a:t>
+            </a:r>
+          </a:p>
+          <a:p>
+            <a:pPr lvl="1"/>
+            <a:r>
+              <a:rPr/>
+              <a:t>this week the app is </a:t>
+            </a:r>
+            <a:r>
+              <a:rPr>
+                <a:latin typeface="Courier"/>
+              </a:rPr>
+              <a:t>/app.py</a:t>
+            </a:r>
+          </a:p>
+          <a:p>
+            <a:pPr lvl="1"/>
+            <a:r>
+              <a:rPr/>
+              <a:t>please instrument it and run as in the other lab once you are comfortable with what it does.</a:t>
+            </a:r>
+          </a:p>
+        </p:txBody>
+      </p:sp>
+    </p:spTree>
+  </p:cSld>
+</p:sld>
+</file>
+
+<file path=ppt/slides/slide5.xml><?xml version="1.0" encoding="utf-8"?>
+<p:sld xmlns:a="http://schemas.openxmlformats.org/drawingml/2006/main" xmlns:r="http://schemas.openxmlformats.org/officeDocument/2006/relationships" xmlns:p="http://schemas.openxmlformats.org/presentationml/2006/main">
+  <p:cSld>
+    <p:spTree>
+      <p:nvGrpSpPr>
+        <p:cNvPr id="1" name=""/>
+        <p:cNvGrpSpPr/>
+        <p:nvPr/>
+      </p:nvGrpSpPr>
+      <p:grpSpPr>
+        <a:xfrm>
+          <a:off x="0" y="0"/>
+          <a:ext cx="0" cy="0"/>
+          <a:chOff x="0" y="0"/>
+          <a:chExt cx="0" cy="0"/>
+        </a:xfrm>
+      </p:grpSpPr>
+      <p:sp>
+        <p:nvSpPr>
+          <p:cNvPr id="2" name="Title 1"/>
+          <p:cNvSpPr>
+            <a:spLocks noGrp="1"/>
+          </p:cNvSpPr>
+          <p:nvPr>
+            <p:ph type="title"/>
+          </p:nvPr>
+        </p:nvSpPr>
+        <p:spPr/>
+        <p:txBody>
+          <a:bodyPr/>
+          <a:lstStyle/>
+          <a:p>
+            <a:pPr lvl="0" marL="0" indent="0">
+              <a:buNone/>
+            </a:pPr>
+            <a:r>
+              <a:rPr/>
+              <a:t>Instrumenting</a:t>
+            </a:r>
+            <a:r>
+              <a:rPr/>
+              <a:t> </a:t>
+            </a:r>
+            <a:r>
+              <a:rPr/>
+              <a:t>front</a:t>
+            </a:r>
+            <a:r>
+              <a:rPr/>
+              <a:t> </a:t>
+            </a:r>
+            <a:r>
+              <a:rPr/>
+              <a:t>end</a:t>
+            </a:r>
+            <a:r>
+              <a:rPr/>
+              <a:t> </a:t>
+            </a:r>
+            <a:r>
+              <a:rPr/>
+              <a:t>code</a:t>
+            </a:r>
+          </a:p>
+        </p:txBody>
+      </p:sp>
+      <p:sp>
+        <p:nvSpPr>
+          <p:cNvPr id="3" name="Content Placeholder 2"/>
+          <p:cNvSpPr>
+            <a:spLocks noGrp="1"/>
+          </p:cNvSpPr>
+          <p:nvPr>
+            <p:ph idx="1"/>
+          </p:nvPr>
+        </p:nvSpPr>
+        <p:spPr/>
+        <p:txBody>
+          <a:bodyPr/>
+          <a:lstStyle/>
+          <a:p>
+            <a:pPr lvl="1"/>
+            <a:r>
+              <a:rPr/>
+              <a:t>while preparing, I did this </a:t>
+            </a:r>
+            <a:r>
+              <a:rPr>
+                <a:hlinkClick r:id="rId2"/>
+              </a:rPr>
+              <a:t>javascript example</a:t>
+            </a:r>
+            <a:r>
+              <a:rPr/>
+              <a:t>.</a:t>
+            </a:r>
+          </a:p>
+          <a:p>
+            <a:pPr lvl="1"/>
+            <a:r>
+              <a:rPr/>
+              <a:t>this is based on a </a:t>
+            </a:r>
+            <a:r>
+              <a:rPr>
+                <a:hlinkClick r:id="rId3"/>
+              </a:rPr>
+              <a:t>javascript example</a:t>
+            </a:r>
+            <a:r>
+              <a:rPr/>
+              <a:t>.</a:t>
+            </a:r>
+          </a:p>
+          <a:p>
+            <a:pPr lvl="1"/>
+            <a:r>
+              <a:rPr/>
+              <a:t>the javascript code for this project is in </a:t>
+            </a:r>
+            <a:r>
+              <a:rPr>
+                <a:latin typeface="Courier"/>
+              </a:rPr>
+              <a:t>/index.js</a:t>
+            </a:r>
+          </a:p>
+          <a:p>
+            <a:pPr lvl="1"/>
+            <a:r>
+              <a:rPr/>
+              <a:t>please instrument it and run as in the other lab once you are comfortable with what it does.</a:t>
+            </a:r>
+          </a:p>
+        </p:txBody>
+      </p:sp>
+    </p:spTree>
+  </p:cSld>
+</p:sld>
+</file>
+
+<file path=ppt/slides/slide6.xml><?xml version="1.0" encoding="utf-8"?>
+<p:sld xmlns:a="http://schemas.openxmlformats.org/drawingml/2006/main" xmlns:r="http://schemas.openxmlformats.org/officeDocument/2006/relationships" xmlns:p="http://schemas.openxmlformats.org/presentationml/2006/main">
+  <p:cSld>
+    <p:spTree>
+      <p:nvGrpSpPr>
+        <p:cNvPr id="1" name=""/>
+        <p:cNvGrpSpPr/>
+        <p:nvPr/>
+      </p:nvGrpSpPr>
+      <p:grpSpPr>
+        <a:xfrm>
+          <a:off x="0" y="0"/>
+          <a:ext cx="0" cy="0"/>
+          <a:chOff x="0" y="0"/>
+          <a:chExt cx="0" cy="0"/>
+        </a:xfrm>
+      </p:grpSpPr>
+      <p:sp>
+        <p:nvSpPr>
+          <p:cNvPr id="2" name="Title 1"/>
+          <p:cNvSpPr>
+            <a:spLocks noGrp="1"/>
+          </p:cNvSpPr>
+          <p:nvPr>
+            <p:ph type="title"/>
+          </p:nvPr>
+        </p:nvSpPr>
+        <p:spPr/>
+        <p:txBody>
+          <a:bodyPr/>
+          <a:lstStyle/>
+          <a:p>
+            <a:pPr lvl="0" marL="0" indent="0">
+              <a:buNone/>
+            </a:pPr>
+            <a:r>
+              <a:rPr/>
+              <a:t>Microfrontends</a:t>
+            </a:r>
+          </a:p>
+        </p:txBody>
+      </p:sp>
+      <p:sp>
+        <p:nvSpPr>
+          <p:cNvPr id="3" name="Content Placeholder 2"/>
+          <p:cNvSpPr>
+            <a:spLocks noGrp="1"/>
+          </p:cNvSpPr>
+          <p:nvPr>
+            <p:ph idx="1"/>
+          </p:nvPr>
+        </p:nvSpPr>
+        <p:spPr/>
+        <p:txBody>
+          <a:bodyPr/>
+          <a:lstStyle/>
+          <a:p>
+            <a:pPr lvl="1"/>
+            <a:r>
+              <a:rPr/>
+              <a:t>for autonomous teams to develop software that can then be composed in to an application</a:t>
+            </a:r>
+          </a:p>
+          <a:p>
+            <a:pPr lvl="1"/>
+            <a:r>
+              <a:rPr/>
+              <a:t>reduce coupling!</a:t>
+            </a:r>
+          </a:p>
+          <a:p>
+            <a:pPr lvl="1"/>
+            <a:r>
+              <a:rPr/>
+              <a:t>Martin Fowler wrote about this is </a:t>
+            </a:r>
+            <a:r>
+              <a:rPr>
+                <a:hlinkClick r:id="rId2"/>
+              </a:rPr>
+              <a:t>this excellent article</a:t>
+            </a:r>
+          </a:p>
+          <a:p>
+            <a:pPr lvl="1"/>
+            <a:r>
+              <a:rPr/>
+              <a:t>the holy grail of distributed systems</a:t>
+            </a:r>
+          </a:p>
+          <a:p>
+            <a:pPr lvl="1"/>
+            <a:r>
+              <a:rPr/>
+              <a:t>not as well adopted as one would hope for</a:t>
+            </a:r>
+          </a:p>
+        </p:txBody>
+      </p:sp>
+    </p:spTree>
+  </p:cSld>
+</p:sld>
+</file>
+
+<file path=ppt/slides/slide7.xml><?xml version="1.0" encoding="utf-8"?>
+<p:sld xmlns:a="http://schemas.openxmlformats.org/drawingml/2006/main" xmlns:r="http://schemas.openxmlformats.org/officeDocument/2006/relationships" xmlns:p="http://schemas.openxmlformats.org/presentationml/2006/main">
+  <p:cSld>
+    <p:spTree>
+      <p:nvGrpSpPr>
+        <p:cNvPr id="1" name=""/>
+        <p:cNvGrpSpPr/>
+        <p:nvPr/>
+      </p:nvGrpSpPr>
+      <p:grpSpPr>
+        <a:xfrm>
+          <a:off x="0" y="0"/>
+          <a:ext cx="0" cy="0"/>
+          <a:chOff x="0" y="0"/>
+          <a:chExt cx="0" cy="0"/>
+        </a:xfrm>
+      </p:grpSpPr>
+      <p:sp>
+        <p:nvSpPr>
+          <p:cNvPr id="2" name="Title 1"/>
+          <p:cNvSpPr>
+            <a:spLocks noGrp="1"/>
+          </p:cNvSpPr>
+          <p:nvPr>
+            <p:ph type="title"/>
+          </p:nvPr>
+        </p:nvSpPr>
+        <p:spPr/>
+        <p:txBody>
+          <a:bodyPr/>
+          <a:lstStyle/>
+          <a:p>
+            <a:pPr lvl="0" marL="0" indent="0">
+              <a:buNone/>
+            </a:pPr>
+            <a:r>
+              <a:rPr/>
+              <a:t>Composition</a:t>
+            </a:r>
+          </a:p>
+        </p:txBody>
+      </p:sp>
+      <p:sp>
+        <p:nvSpPr>
+          <p:cNvPr id="3" name="Content Placeholder 2"/>
+          <p:cNvSpPr>
+            <a:spLocks noGrp="1"/>
+          </p:cNvSpPr>
+          <p:nvPr>
+            <p:ph idx="1"/>
+          </p:nvPr>
+        </p:nvSpPr>
+        <p:spPr/>
+        <p:txBody>
+          <a:bodyPr/>
+          <a:lstStyle/>
+          <a:p>
+            <a:pPr lvl="1"/>
+            <a:r>
+              <a:rPr/>
+              <a:t>micro frontends have custom elements for their autonomous user interfaces</a:t>
+            </a:r>
+          </a:p>
+          <a:p>
+            <a:pPr lvl="1"/>
+            <a:r>
+              <a:rPr/>
+              <a:t>a custom element extends a HTMLElement to implement a particular new tag</a:t>
+            </a:r>
+          </a:p>
+          <a:p>
+            <a:pPr lvl="0" indent="0">
+              <a:buNone/>
+            </a:pPr>
+            <a:r>
+              <a:rPr b="1">
+                <a:solidFill>
+                  <a:srgbClr val="007020"/>
+                </a:solidFill>
+                <a:latin typeface="Courier"/>
+              </a:rPr>
+              <a:t>class</a:t>
+            </a:r>
+            <a:r>
+              <a:rPr>
+                <a:latin typeface="Courier"/>
+              </a:rPr>
+              <a:t> Year </a:t>
+            </a:r>
+            <a:r>
+              <a:rPr b="1">
+                <a:solidFill>
+                  <a:srgbClr val="007020"/>
+                </a:solidFill>
+                <a:latin typeface="Courier"/>
+              </a:rPr>
+              <a:t>extends</a:t>
+            </a:r>
+            <a:r>
+              <a:rPr>
+                <a:latin typeface="Courier"/>
+              </a:rPr>
+              <a:t> HTMLElement {</a:t>
+            </a:r>
+            <a:br/>
+            <a:r>
+              <a:rPr>
+                <a:latin typeface="Courier"/>
+              </a:rPr>
+              <a:t>    </a:t>
+            </a:r>
+            <a:r>
+              <a:rPr>
+                <a:solidFill>
+                  <a:srgbClr val="06287E"/>
+                </a:solidFill>
+                <a:latin typeface="Courier"/>
+              </a:rPr>
+              <a:t>connectedCallback</a:t>
+            </a:r>
+            <a:r>
+              <a:rPr>
+                <a:latin typeface="Courier"/>
+              </a:rPr>
+              <a:t>() {</a:t>
+            </a:r>
+            <a:br/>
+            <a:r>
+              <a:rPr>
+                <a:latin typeface="Courier"/>
+              </a:rPr>
+              <a:t>        </a:t>
+            </a:r>
+            <a:r>
+              <a:rPr b="1">
+                <a:solidFill>
+                  <a:srgbClr val="007020"/>
+                </a:solidFill>
+                <a:latin typeface="Courier"/>
+              </a:rPr>
+              <a:t>this</a:t>
+            </a:r>
+            <a:r>
+              <a:rPr>
+                <a:solidFill>
+                  <a:srgbClr val="666666"/>
+                </a:solidFill>
+                <a:latin typeface="Courier"/>
+              </a:rPr>
+              <a:t>.</a:t>
+            </a:r>
+            <a:r>
+              <a:rPr>
+                <a:solidFill>
+                  <a:srgbClr val="7D9029"/>
+                </a:solidFill>
+                <a:latin typeface="Courier"/>
+              </a:rPr>
+              <a:t>innerHTML</a:t>
+            </a:r>
+            <a:r>
+              <a:rPr>
+                <a:latin typeface="Courier"/>
+              </a:rPr>
+              <a:t> </a:t>
+            </a:r>
+            <a:r>
+              <a:rPr>
+                <a:solidFill>
+                  <a:srgbClr val="666666"/>
+                </a:solidFill>
+                <a:latin typeface="Courier"/>
+              </a:rPr>
+              <a:t>=</a:t>
+            </a:r>
+            <a:r>
+              <a:rPr>
+                <a:latin typeface="Courier"/>
+              </a:rPr>
+              <a:t> </a:t>
+            </a:r>
+            <a:r>
+              <a:rPr b="1">
+                <a:solidFill>
+                  <a:srgbClr val="007020"/>
+                </a:solidFill>
+                <a:latin typeface="Courier"/>
+              </a:rPr>
+              <a:t>new</a:t>
+            </a:r>
+            <a:r>
+              <a:rPr>
+                <a:latin typeface="Courier"/>
+              </a:rPr>
+              <a:t> Date()</a:t>
+            </a:r>
+            <a:r>
+              <a:rPr>
+                <a:solidFill>
+                  <a:srgbClr val="666666"/>
+                </a:solidFill>
+                <a:latin typeface="Courier"/>
+              </a:rPr>
+              <a:t>.</a:t>
+            </a:r>
+            <a:r>
+              <a:rPr>
+                <a:solidFill>
+                  <a:srgbClr val="06287E"/>
+                </a:solidFill>
+                <a:latin typeface="Courier"/>
+              </a:rPr>
+              <a:t>getFullYear</a:t>
+            </a:r>
+            <a:r>
+              <a:rPr>
+                <a:latin typeface="Courier"/>
+              </a:rPr>
+              <a:t>()</a:t>
+            </a:r>
+            <a:r>
+              <a:rPr>
+                <a:solidFill>
+                  <a:srgbClr val="666666"/>
+                </a:solidFill>
+                <a:latin typeface="Courier"/>
+              </a:rPr>
+              <a:t>;</a:t>
+            </a:r>
+            <a:br/>
+            <a:r>
+              <a:rPr>
+                <a:latin typeface="Courier"/>
+              </a:rPr>
+              <a:t>    }</a:t>
+            </a:r>
+            <a:br/>
+            <a:r>
+              <a:rPr>
+                <a:latin typeface="Courier"/>
+              </a:rPr>
+              <a:t>}</a:t>
+            </a:r>
+          </a:p>
+        </p:txBody>
+      </p:sp>
+    </p:spTree>
+  </p:cSld>
+</p:sld>
+</file>
+
+<file path=ppt/slides/slide8.xml><?xml version="1.0" encoding="utf-8"?>
+<p:sld xmlns:a="http://schemas.openxmlformats.org/drawingml/2006/main" xmlns:r="http://schemas.openxmlformats.org/officeDocument/2006/relationships" xmlns:p="http://schemas.openxmlformats.org/presentationml/2006/main">
+  <p:cSld>
+    <p:spTree>
+      <p:nvGrpSpPr>
+        <p:cNvPr id="1" name=""/>
+        <p:cNvGrpSpPr/>
+        <p:nvPr/>
+      </p:nvGrpSpPr>
+      <p:grpSpPr>
+        <a:xfrm>
+          <a:off x="0" y="0"/>
+          <a:ext cx="0" cy="0"/>
+          <a:chOff x="0" y="0"/>
+          <a:chExt cx="0" cy="0"/>
+        </a:xfrm>
+      </p:grpSpPr>
+      <p:sp>
+        <p:nvSpPr>
+          <p:cNvPr id="2" name="Title 1"/>
+          <p:cNvSpPr>
+            <a:spLocks noGrp="1"/>
+          </p:cNvSpPr>
+          <p:nvPr>
+            <p:ph type="title"/>
+          </p:nvPr>
+        </p:nvSpPr>
+        <p:spPr/>
+        <p:txBody>
+          <a:bodyPr/>
+          <a:lstStyle/>
+          <a:p>
+            <a:pPr lvl="0" marL="0" indent="0">
+              <a:buNone/>
+            </a:pPr>
+            <a:r>
+              <a:rPr/>
+              <a:t>The</a:t>
+            </a:r>
+            <a:r>
+              <a:rPr/>
+              <a:t> </a:t>
+            </a:r>
+            <a:r>
+              <a:rPr/>
+              <a:t>custom</a:t>
+            </a:r>
+            <a:r>
+              <a:rPr/>
+              <a:t> </a:t>
+            </a:r>
+            <a:r>
+              <a:rPr/>
+              <a:t>element</a:t>
+            </a:r>
+            <a:r>
+              <a:rPr/>
+              <a:t> </a:t>
+            </a:r>
+            <a:r>
+              <a:rPr/>
+              <a:t>is</a:t>
+            </a:r>
+            <a:r>
+              <a:rPr/>
+              <a:t> </a:t>
+            </a:r>
+            <a:r>
+              <a:rPr/>
+              <a:t>pulled</a:t>
+            </a:r>
+            <a:r>
+              <a:rPr/>
+              <a:t> </a:t>
+            </a:r>
+            <a:r>
+              <a:rPr/>
+              <a:t>in</a:t>
+            </a:r>
+            <a:r>
+              <a:rPr/>
+              <a:t> </a:t>
+            </a:r>
+            <a:r>
+              <a:rPr/>
+              <a:t>by</a:t>
+            </a:r>
+          </a:p>
+        </p:txBody>
+      </p:sp>
+      <p:sp>
+        <p:nvSpPr>
+          <p:cNvPr id="3" name="Content Placeholder 2"/>
+          <p:cNvSpPr>
+            <a:spLocks noGrp="1"/>
+          </p:cNvSpPr>
+          <p:nvPr>
+            <p:ph idx="1"/>
+          </p:nvPr>
+        </p:nvSpPr>
+        <p:spPr/>
+        <p:txBody>
+          <a:bodyPr/>
+          <a:lstStyle/>
+          <a:p>
+            <a:pPr lvl="0" indent="0">
+              <a:buNone/>
+            </a:pPr>
+            <a:r>
+              <a:rPr>
+                <a:latin typeface="Courier"/>
+              </a:rPr>
+              <a:t>customElements</a:t>
+            </a:r>
+            <a:r>
+              <a:rPr>
+                <a:solidFill>
+                  <a:srgbClr val="666666"/>
+                </a:solidFill>
+                <a:latin typeface="Courier"/>
+              </a:rPr>
+              <a:t>.</a:t>
+            </a:r>
+            <a:r>
+              <a:rPr>
+                <a:solidFill>
+                  <a:srgbClr val="06287E"/>
+                </a:solidFill>
+                <a:latin typeface="Courier"/>
+              </a:rPr>
+              <a:t>define</a:t>
+            </a:r>
+            <a:r>
+              <a:rPr>
+                <a:latin typeface="Courier"/>
+              </a:rPr>
+              <a:t>(</a:t>
+            </a:r>
+            <a:r>
+              <a:rPr>
+                <a:solidFill>
+                  <a:srgbClr val="4070A0"/>
+                </a:solidFill>
+                <a:latin typeface="Courier"/>
+              </a:rPr>
+              <a:t>"x-date"</a:t>
+            </a:r>
+            <a:r>
+              <a:rPr>
+                <a:solidFill>
+                  <a:srgbClr val="666666"/>
+                </a:solidFill>
+                <a:latin typeface="Courier"/>
+              </a:rPr>
+              <a:t>,</a:t>
+            </a:r>
+            <a:r>
+              <a:rPr>
+                <a:latin typeface="Courier"/>
+              </a:rPr>
+              <a:t> Year)</a:t>
+            </a:r>
+            <a:r>
+              <a:rPr>
+                <a:solidFill>
+                  <a:srgbClr val="666666"/>
+                </a:solidFill>
+                <a:latin typeface="Courier"/>
+              </a:rPr>
+              <a:t>;</a:t>
+            </a:r>
+          </a:p>
+          <a:p>
+            <a:pPr lvl="0" marL="0" indent="0">
+              <a:buNone/>
+            </a:pPr>
+            <a:r>
+              <a:rPr/>
+              <a:t>and</a:t>
+            </a:r>
+          </a:p>
+          <a:p>
+            <a:pPr lvl="0" indent="0">
+              <a:buNone/>
+            </a:pPr>
+            <a:r>
+              <a:rPr b="1">
+                <a:solidFill>
+                  <a:srgbClr val="007020"/>
+                </a:solidFill>
+                <a:latin typeface="Courier"/>
+              </a:rPr>
+              <a:t>&lt;script</a:t>
+            </a:r>
+            <a:r>
+              <a:rPr>
+                <a:solidFill>
+                  <a:srgbClr val="007020"/>
+                </a:solidFill>
+                <a:latin typeface="Courier"/>
+              </a:rPr>
+              <a:t> src=</a:t>
+            </a:r>
+            <a:r>
+              <a:rPr>
+                <a:solidFill>
+                  <a:srgbClr val="4070A0"/>
+                </a:solidFill>
+                <a:latin typeface="Courier"/>
+              </a:rPr>
+              <a:t>"index.js"</a:t>
+            </a:r>
+            <a:r>
+              <a:rPr>
+                <a:solidFill>
+                  <a:srgbClr val="007020"/>
+                </a:solidFill>
+                <a:latin typeface="Courier"/>
+              </a:rPr>
+              <a:t> type=</a:t>
+            </a:r>
+            <a:r>
+              <a:rPr>
+                <a:solidFill>
+                  <a:srgbClr val="4070A0"/>
+                </a:solidFill>
+                <a:latin typeface="Courier"/>
+              </a:rPr>
+              <a:t>"module"</a:t>
+            </a:r>
+            <a:r>
+              <a:rPr b="1">
+                <a:solidFill>
+                  <a:srgbClr val="007020"/>
+                </a:solidFill>
+                <a:latin typeface="Courier"/>
+              </a:rPr>
+              <a:t>&gt;&lt;/script&gt;</a:t>
             </a:r>
           </a:p>
         </p:txBody>

--- a/microfrontend_instrumenting/slides.pptx
+++ b/microfrontend_instrumenting/slides.pptx
@@ -13,6 +13,12 @@
     <p:sldId id="261" r:id="rId7"/>
     <p:sldId id="262" r:id="rId8"/>
     <p:sldId id="263" r:id="rId9"/>
+    <p:sldId id="264" r:id="rId10"/>
+    <p:sldId id="265" r:id="rId11"/>
+    <p:sldId id="266" r:id="rId12"/>
+    <p:sldId id="267" r:id="rId13"/>
+    <p:sldId id="268" r:id="rId14"/>
+    <p:sldId id="269" r:id="rId15"/>
   </p:sldIdLst>
   <p:sldSz cx="9144000" cy="6858000" type="screen4x3"/>
   <p:notesSz cx="6858000" cy="9144000"/>
@@ -3189,6 +3195,663 @@
 </p:sld>
 </file>
 
+<file path=ppt/slides/slide10.xml><?xml version="1.0" encoding="utf-8"?>
+<p:sld xmlns:a="http://schemas.openxmlformats.org/drawingml/2006/main" xmlns:r="http://schemas.openxmlformats.org/officeDocument/2006/relationships" xmlns:p="http://schemas.openxmlformats.org/presentationml/2006/main">
+  <p:cSld>
+    <p:spTree>
+      <p:nvGrpSpPr>
+        <p:cNvPr id="1" name=""/>
+        <p:cNvGrpSpPr/>
+        <p:nvPr/>
+      </p:nvGrpSpPr>
+      <p:grpSpPr>
+        <a:xfrm>
+          <a:off x="0" y="0"/>
+          <a:ext cx="0" cy="0"/>
+          <a:chOff x="0" y="0"/>
+          <a:chExt cx="0" cy="0"/>
+        </a:xfrm>
+      </p:grpSpPr>
+      <p:sp>
+        <p:nvSpPr>
+          <p:cNvPr id="2" name="Title 1"/>
+          <p:cNvSpPr>
+            <a:spLocks noGrp="1"/>
+          </p:cNvSpPr>
+          <p:nvPr>
+            <p:ph type="title"/>
+          </p:nvPr>
+        </p:nvSpPr>
+        <p:spPr/>
+        <p:txBody>
+          <a:bodyPr/>
+          <a:lstStyle/>
+          <a:p>
+            <a:pPr lvl="0" marL="0" indent="0">
+              <a:buNone/>
+            </a:pPr>
+            <a:r>
+              <a:rPr/>
+              <a:t>Even</a:t>
+            </a:r>
+            <a:r>
+              <a:rPr/>
+              <a:t> </a:t>
+            </a:r>
+            <a:r>
+              <a:rPr/>
+              <a:t>into</a:t>
+            </a:r>
+            <a:r>
+              <a:rPr/>
+              <a:t> </a:t>
+            </a:r>
+            <a:r>
+              <a:rPr/>
+              <a:t>legacy</a:t>
+            </a:r>
+            <a:r>
+              <a:rPr/>
+              <a:t> </a:t>
+            </a:r>
+            <a:r>
+              <a:rPr/>
+              <a:t>apps</a:t>
+            </a:r>
+          </a:p>
+        </p:txBody>
+      </p:sp>
+      <p:sp>
+        <p:nvSpPr>
+          <p:cNvPr id="3" name="Content Placeholder 2"/>
+          <p:cNvSpPr>
+            <a:spLocks noGrp="1"/>
+          </p:cNvSpPr>
+          <p:nvPr>
+            <p:ph idx="1"/>
+          </p:nvPr>
+        </p:nvSpPr>
+        <p:spPr/>
+        <p:txBody>
+          <a:bodyPr/>
+          <a:lstStyle/>
+          <a:p>
+            <a:pPr lvl="1"/>
+            <a:r>
+              <a:rPr/>
+              <a:t>retrieve with wget -r</a:t>
+            </a:r>
+          </a:p>
+          <a:p>
+            <a:pPr lvl="1"/>
+            <a:r>
+              <a:rPr/>
+              <a:t>build with figma and TeleportHQ</a:t>
+            </a:r>
+          </a:p>
+          <a:p>
+            <a:pPr lvl="1"/>
+            <a:r>
+              <a:rPr/>
+              <a:t>or with something like Rails, Django or Symphony</a:t>
+            </a:r>
+          </a:p>
+        </p:txBody>
+      </p:sp>
+    </p:spTree>
+  </p:cSld>
+</p:sld>
+</file>
+
+<file path=ppt/slides/slide11.xml><?xml version="1.0" encoding="utf-8"?>
+<p:sld xmlns:a="http://schemas.openxmlformats.org/drawingml/2006/main" xmlns:r="http://schemas.openxmlformats.org/officeDocument/2006/relationships" xmlns:p="http://schemas.openxmlformats.org/presentationml/2006/main">
+  <p:cSld>
+    <p:spTree>
+      <p:nvGrpSpPr>
+        <p:cNvPr id="1" name=""/>
+        <p:cNvGrpSpPr/>
+        <p:nvPr/>
+      </p:nvGrpSpPr>
+      <p:grpSpPr>
+        <a:xfrm>
+          <a:off x="0" y="0"/>
+          <a:ext cx="0" cy="0"/>
+          <a:chOff x="0" y="0"/>
+          <a:chExt cx="0" cy="0"/>
+        </a:xfrm>
+      </p:grpSpPr>
+      <p:sp>
+        <p:nvSpPr>
+          <p:cNvPr id="2" name="Title 1"/>
+          <p:cNvSpPr>
+            <a:spLocks noGrp="1"/>
+          </p:cNvSpPr>
+          <p:nvPr>
+            <p:ph type="title"/>
+          </p:nvPr>
+        </p:nvSpPr>
+        <p:spPr/>
+        <p:txBody>
+          <a:bodyPr/>
+          <a:lstStyle/>
+          <a:p>
+            <a:pPr lvl="0" marL="0" indent="0">
+              <a:buNone/>
+            </a:pPr>
+            <a:r>
+              <a:rPr/>
+              <a:t>Monitoring</a:t>
+            </a:r>
+            <a:r>
+              <a:rPr/>
+              <a:t> </a:t>
+            </a:r>
+            <a:r>
+              <a:rPr/>
+              <a:t>and</a:t>
+            </a:r>
+            <a:r>
+              <a:rPr/>
+              <a:t> </a:t>
+            </a:r>
+            <a:r>
+              <a:rPr/>
+              <a:t>Logging</a:t>
+            </a:r>
+          </a:p>
+        </p:txBody>
+      </p:sp>
+      <p:sp>
+        <p:nvSpPr>
+          <p:cNvPr id="3" name="Content Placeholder 2"/>
+          <p:cNvSpPr>
+            <a:spLocks noGrp="1"/>
+          </p:cNvSpPr>
+          <p:nvPr>
+            <p:ph idx="1"/>
+          </p:nvPr>
+        </p:nvSpPr>
+        <p:spPr/>
+        <p:txBody>
+          <a:bodyPr/>
+          <a:lstStyle/>
+          <a:p>
+            <a:pPr lvl="1"/>
+            <a:r>
+              <a:rPr/>
+              <a:t>so important with autonomous teams</a:t>
+            </a:r>
+          </a:p>
+          <a:p>
+            <a:pPr lvl="1"/>
+            <a:r>
+              <a:rPr/>
+              <a:t>the devOps group may be the only ones who see the whole application</a:t>
+            </a:r>
+          </a:p>
+          <a:p>
+            <a:pPr lvl="1"/>
+            <a:r>
+              <a:rPr/>
+              <a:t>important to get the repository path as the service.name</a:t>
+            </a:r>
+          </a:p>
+          <a:p>
+            <a:pPr lvl="1"/>
+            <a:r>
+              <a:rPr/>
+              <a:t>very important to get the commit hash</a:t>
+            </a:r>
+          </a:p>
+          <a:p>
+            <a:pPr lvl="1"/>
+            <a:r>
+              <a:rPr/>
+              <a:t>monitoring and logging can take away some of the passion about what code belongs to which autonomous team</a:t>
+            </a:r>
+          </a:p>
+        </p:txBody>
+      </p:sp>
+    </p:spTree>
+  </p:cSld>
+</p:sld>
+</file>
+
+<file path=ppt/slides/slide12.xml><?xml version="1.0" encoding="utf-8"?>
+<p:sld xmlns:a="http://schemas.openxmlformats.org/drawingml/2006/main" xmlns:r="http://schemas.openxmlformats.org/officeDocument/2006/relationships" xmlns:p="http://schemas.openxmlformats.org/presentationml/2006/main">
+  <p:cSld>
+    <p:spTree>
+      <p:nvGrpSpPr>
+        <p:cNvPr id="1" name=""/>
+        <p:cNvGrpSpPr/>
+        <p:nvPr/>
+      </p:nvGrpSpPr>
+      <p:grpSpPr>
+        <a:xfrm>
+          <a:off x="0" y="0"/>
+          <a:ext cx="0" cy="0"/>
+          <a:chOff x="0" y="0"/>
+          <a:chExt cx="0" cy="0"/>
+        </a:xfrm>
+      </p:grpSpPr>
+      <p:sp>
+        <p:nvSpPr>
+          <p:cNvPr id="2" name="Title 1"/>
+          <p:cNvSpPr>
+            <a:spLocks noGrp="1"/>
+          </p:cNvSpPr>
+          <p:nvPr>
+            <p:ph type="title"/>
+          </p:nvPr>
+        </p:nvSpPr>
+        <p:spPr/>
+        <p:txBody>
+          <a:bodyPr/>
+          <a:lstStyle/>
+          <a:p>
+            <a:pPr lvl="0" marL="0" indent="0">
+              <a:buNone/>
+            </a:pPr>
+            <a:r>
+              <a:rPr/>
+              <a:t>The</a:t>
+            </a:r>
+            <a:r>
+              <a:rPr/>
+              <a:t> </a:t>
+            </a:r>
+            <a:r>
+              <a:rPr/>
+              <a:t>article</a:t>
+            </a:r>
+            <a:r>
+              <a:rPr/>
+              <a:t> </a:t>
+            </a:r>
+            <a:r>
+              <a:rPr/>
+              <a:t>last</a:t>
+            </a:r>
+            <a:r>
+              <a:rPr/>
+              <a:t> </a:t>
+            </a:r>
+            <a:r>
+              <a:rPr/>
+              <a:t>week</a:t>
+            </a:r>
+          </a:p>
+        </p:txBody>
+      </p:sp>
+      <p:pic>
+        <p:nvPicPr>
+          <p:cNvPr descr="images/opentelemetry-fastapi-cover.webp" id="0" name="Picture 1">
+            <a:hlinkClick r:id="rId3"/>
+          </p:cNvPr>
+          <p:cNvPicPr>
+            <a:picLocks noGrp="1" noChangeAspect="1"/>
+          </p:cNvPicPr>
+          <p:nvPr/>
+        </p:nvPicPr>
+        <p:blipFill>
+          <a:blip r:embed="rId2"/>
+          <a:stretch>
+            <a:fillRect/>
+          </a:stretch>
+        </p:blipFill>
+        <p:spPr bwMode="auto">
+          <a:xfrm>
+            <a:off x="1562100" y="1600200"/>
+            <a:ext cx="6019800" cy="4013200"/>
+          </a:xfrm>
+          <a:prstGeom prst="rect">
+            <a:avLst/>
+          </a:prstGeom>
+          <a:noFill/>
+          <a:ln w="9525">
+            <a:noFill/>
+            <a:headEnd/>
+            <a:tailEnd/>
+          </a:ln>
+        </p:spPr>
+      </p:pic>
+      <p:sp>
+        <p:nvSpPr>
+          <p:cNvPr id="1" name="TextBox 3"/>
+          <p:cNvSpPr txBox="1"/>
+          <p:nvPr/>
+        </p:nvSpPr>
+        <p:spPr>
+          <a:xfrm>
+            <a:off x="457200" y="5613400"/>
+            <a:ext cx="8229600" cy="508000"/>
+          </a:xfrm>
+          <a:prstGeom prst="rect">
+            <a:avLst/>
+          </a:prstGeom>
+          <a:noFill/>
+        </p:spPr>
+        <p:txBody>
+          <a:bodyPr/>
+          <a:lstStyle/>
+          <a:p>
+            <a:pPr lvl="0" marL="0" indent="0" algn="ctr">
+              <a:buNone/>
+            </a:pPr>
+            <a:r>
+              <a:rPr/>
+              <a:t>had</a:t>
+            </a:r>
+            <a:r>
+              <a:rPr/>
+              <a:t> </a:t>
+            </a:r>
+            <a:r>
+              <a:rPr/>
+              <a:t>someting</a:t>
+            </a:r>
+            <a:r>
+              <a:rPr/>
+              <a:t> </a:t>
+            </a:r>
+            <a:r>
+              <a:rPr/>
+              <a:t>on</a:t>
+            </a:r>
+            <a:r>
+              <a:rPr/>
+              <a:t> </a:t>
+            </a:r>
+            <a:r>
+              <a:rPr/>
+              <a:t>distributed</a:t>
+            </a:r>
+            <a:r>
+              <a:rPr/>
+              <a:t> </a:t>
+            </a:r>
+            <a:r>
+              <a:rPr/>
+              <a:t>tracing</a:t>
+            </a:r>
+          </a:p>
+        </p:txBody>
+      </p:sp>
+    </p:spTree>
+  </p:cSld>
+</p:sld>
+</file>
+
+<file path=ppt/slides/slide13.xml><?xml version="1.0" encoding="utf-8"?>
+<p:sld xmlns:a="http://schemas.openxmlformats.org/drawingml/2006/main" xmlns:r="http://schemas.openxmlformats.org/officeDocument/2006/relationships" xmlns:p="http://schemas.openxmlformats.org/presentationml/2006/main">
+  <p:cSld>
+    <p:spTree>
+      <p:nvGrpSpPr>
+        <p:cNvPr id="1" name=""/>
+        <p:cNvGrpSpPr/>
+        <p:nvPr/>
+      </p:nvGrpSpPr>
+      <p:grpSpPr>
+        <a:xfrm>
+          <a:off x="0" y="0"/>
+          <a:ext cx="0" cy="0"/>
+          <a:chOff x="0" y="0"/>
+          <a:chExt cx="0" cy="0"/>
+        </a:xfrm>
+      </p:grpSpPr>
+      <p:sp>
+        <p:nvSpPr>
+          <p:cNvPr id="2" name="Title 1"/>
+          <p:cNvSpPr>
+            <a:spLocks noGrp="1"/>
+          </p:cNvSpPr>
+          <p:nvPr>
+            <p:ph type="title"/>
+          </p:nvPr>
+        </p:nvSpPr>
+        <p:spPr/>
+        <p:txBody>
+          <a:bodyPr/>
+          <a:lstStyle/>
+          <a:p>
+            <a:pPr lvl="0" marL="0" indent="0">
+              <a:buNone/>
+            </a:pPr>
+            <a:r>
+              <a:rPr/>
+              <a:t>Correlating</a:t>
+            </a:r>
+            <a:r>
+              <a:rPr/>
+              <a:t> </a:t>
+            </a:r>
+            <a:r>
+              <a:rPr/>
+              <a:t>Traces</a:t>
+            </a:r>
+            <a:r>
+              <a:rPr/>
+              <a:t> </a:t>
+            </a:r>
+            <a:r>
+              <a:rPr/>
+              <a:t>Across</a:t>
+            </a:r>
+            <a:r>
+              <a:rPr/>
+              <a:t> </a:t>
+            </a:r>
+            <a:r>
+              <a:rPr/>
+              <a:t>Microservices</a:t>
+            </a:r>
+          </a:p>
+        </p:txBody>
+      </p:sp>
+      <p:sp>
+        <p:nvSpPr>
+          <p:cNvPr id="3" name="Content Placeholder 2"/>
+          <p:cNvSpPr>
+            <a:spLocks noGrp="1"/>
+          </p:cNvSpPr>
+          <p:nvPr>
+            <p:ph idx="1"/>
+          </p:nvPr>
+        </p:nvSpPr>
+        <p:spPr/>
+        <p:txBody>
+          <a:bodyPr/>
+          <a:lstStyle/>
+          <a:p>
+            <a:pPr lvl="1"/>
+            <a:r>
+              <a:rPr/>
+              <a:t>also important with Microfrontends</a:t>
+            </a:r>
+          </a:p>
+          <a:p>
+            <a:pPr lvl="0" indent="0">
+              <a:buNone/>
+            </a:pPr>
+            <a:r>
+              <a:rPr>
+                <a:latin typeface="Courier"/>
+              </a:rPr>
+              <a:t>from opentelemetry.propagate import extract, inject</a:t>
+            </a:r>
+            <a:br/>
+            <a:r>
+              <a:rPr>
+                <a:latin typeface="Courier"/>
+              </a:rPr>
+              <a:t>ctx </a:t>
+            </a:r>
+            <a:r>
+              <a:rPr>
+                <a:solidFill>
+                  <a:srgbClr val="666666"/>
+                </a:solidFill>
+                <a:latin typeface="Courier"/>
+              </a:rPr>
+              <a:t>=</a:t>
+            </a:r>
+            <a:r>
+              <a:rPr>
+                <a:latin typeface="Courier"/>
+              </a:rPr>
+              <a:t> extract(request.headers)</a:t>
+            </a:r>
+            <a:br/>
+            <a:r>
+              <a:rPr>
+                <a:latin typeface="Courier"/>
+              </a:rPr>
+              <a:t>    </a:t>
+            </a:r>
+            <a:r>
+              <a:rPr b="1">
+                <a:solidFill>
+                  <a:srgbClr val="007020"/>
+                </a:solidFill>
+                <a:latin typeface="Courier"/>
+              </a:rPr>
+              <a:t>with</a:t>
+            </a:r>
+            <a:r>
+              <a:rPr>
+                <a:latin typeface="Courier"/>
+              </a:rPr>
+              <a:t> tracer.start_as_current_span(</a:t>
+            </a:r>
+            <a:r>
+              <a:rPr>
+                <a:solidFill>
+                  <a:srgbClr val="4070A0"/>
+                </a:solidFill>
+                <a:latin typeface="Courier"/>
+              </a:rPr>
+              <a:t>"get_user"</a:t>
+            </a:r>
+            <a:r>
+              <a:rPr>
+                <a:latin typeface="Courier"/>
+              </a:rPr>
+              <a:t>, context</a:t>
+            </a:r>
+            <a:r>
+              <a:rPr>
+                <a:solidFill>
+                  <a:srgbClr val="666666"/>
+                </a:solidFill>
+                <a:latin typeface="Courier"/>
+              </a:rPr>
+              <a:t>=</a:t>
+            </a:r>
+            <a:r>
+              <a:rPr>
+                <a:latin typeface="Courier"/>
+              </a:rPr>
+              <a:t>ctx):</a:t>
+            </a:r>
+            <a:br/>
+            <a:r>
+              <a:rPr>
+                <a:latin typeface="Courier"/>
+              </a:rPr>
+              <a:t>        inject(headers)</a:t>
+            </a:r>
+          </a:p>
+        </p:txBody>
+      </p:sp>
+    </p:spTree>
+  </p:cSld>
+</p:sld>
+</file>
+
+<file path=ppt/slides/slide14.xml><?xml version="1.0" encoding="utf-8"?>
+<p:sld xmlns:a="http://schemas.openxmlformats.org/drawingml/2006/main" xmlns:r="http://schemas.openxmlformats.org/officeDocument/2006/relationships" xmlns:p="http://schemas.openxmlformats.org/presentationml/2006/main">
+  <p:cSld>
+    <p:spTree>
+      <p:nvGrpSpPr>
+        <p:cNvPr id="1" name=""/>
+        <p:cNvGrpSpPr/>
+        <p:nvPr/>
+      </p:nvGrpSpPr>
+      <p:grpSpPr>
+        <a:xfrm>
+          <a:off x="0" y="0"/>
+          <a:ext cx="0" cy="0"/>
+          <a:chOff x="0" y="0"/>
+          <a:chExt cx="0" cy="0"/>
+        </a:xfrm>
+      </p:grpSpPr>
+      <p:sp>
+        <p:nvSpPr>
+          <p:cNvPr id="2" name="Title 1"/>
+          <p:cNvSpPr>
+            <a:spLocks noGrp="1"/>
+          </p:cNvSpPr>
+          <p:nvPr>
+            <p:ph type="title"/>
+          </p:nvPr>
+        </p:nvSpPr>
+        <p:spPr/>
+        <p:txBody>
+          <a:bodyPr/>
+          <a:lstStyle/>
+          <a:p>
+            <a:pPr lvl="0" marL="0" indent="0">
+              <a:buNone/>
+            </a:pPr>
+            <a:r>
+              <a:rPr/>
+              <a:t>strace</a:t>
+            </a:r>
+          </a:p>
+        </p:txBody>
+      </p:sp>
+      <p:sp>
+        <p:nvSpPr>
+          <p:cNvPr id="3" name="Content Placeholder 2"/>
+          <p:cNvSpPr>
+            <a:spLocks noGrp="1"/>
+          </p:cNvSpPr>
+          <p:nvPr>
+            <p:ph idx="1"/>
+          </p:nvPr>
+        </p:nvSpPr>
+        <p:spPr/>
+        <p:txBody>
+          <a:bodyPr/>
+          <a:lstStyle/>
+          <a:p>
+            <a:pPr lvl="1"/>
+            <a:r>
+              <a:rPr/>
+              <a:t>traces system calls of a particular process</a:t>
+            </a:r>
+          </a:p>
+          <a:p>
+            <a:pPr lvl="1"/>
+            <a:r>
+              <a:rPr/>
+              <a:t>with autonomous teams and microfrontends we need to trace accross processes</a:t>
+            </a:r>
+          </a:p>
+          <a:p>
+            <a:pPr lvl="1"/>
+            <a:r>
+              <a:rPr/>
+              <a:t>opentelemetry lets us do that in a way that we can really add value beyond predictability to our companies</a:t>
+            </a:r>
+          </a:p>
+        </p:txBody>
+      </p:sp>
+    </p:spTree>
+  </p:cSld>
+</p:sld>
+</file>
+
 <file path=ppt/slides/slide2.xml><?xml version="1.0" encoding="utf-8"?>
 <p:sld xmlns:a="http://schemas.openxmlformats.org/drawingml/2006/main" xmlns:r="http://schemas.openxmlformats.org/officeDocument/2006/relationships" xmlns:p="http://schemas.openxmlformats.org/presentationml/2006/main">
   <p:cSld>
@@ -4260,6 +4923,177 @@
                 <a:latin typeface="Courier"/>
               </a:rPr>
               <a:t>&gt;&lt;/script&gt;</a:t>
+            </a:r>
+          </a:p>
+        </p:txBody>
+      </p:sp>
+    </p:spTree>
+  </p:cSld>
+</p:sld>
+</file>
+
+<file path=ppt/slides/slide9.xml><?xml version="1.0" encoding="utf-8"?>
+<p:sld xmlns:a="http://schemas.openxmlformats.org/drawingml/2006/main" xmlns:r="http://schemas.openxmlformats.org/officeDocument/2006/relationships" xmlns:p="http://schemas.openxmlformats.org/presentationml/2006/main">
+  <p:cSld>
+    <p:spTree>
+      <p:nvGrpSpPr>
+        <p:cNvPr id="1" name=""/>
+        <p:cNvGrpSpPr/>
+        <p:nvPr/>
+      </p:nvGrpSpPr>
+      <p:grpSpPr>
+        <a:xfrm>
+          <a:off x="0" y="0"/>
+          <a:ext cx="0" cy="0"/>
+          <a:chOff x="0" y="0"/>
+          <a:chExt cx="0" cy="0"/>
+        </a:xfrm>
+      </p:grpSpPr>
+      <p:sp>
+        <p:nvSpPr>
+          <p:cNvPr id="2" name="Title 1"/>
+          <p:cNvSpPr>
+            <a:spLocks noGrp="1"/>
+          </p:cNvSpPr>
+          <p:nvPr>
+            <p:ph type="title"/>
+          </p:nvPr>
+        </p:nvSpPr>
+        <p:spPr/>
+        <p:txBody>
+          <a:bodyPr/>
+          <a:lstStyle/>
+          <a:p>
+            <a:pPr lvl="0" marL="0" indent="0">
+              <a:buNone/>
+            </a:pPr>
+            <a:r>
+              <a:rPr/>
+              <a:t>The</a:t>
+            </a:r>
+            <a:r>
+              <a:rPr/>
+              <a:t> </a:t>
+            </a:r>
+            <a:r>
+              <a:rPr/>
+              <a:t>script</a:t>
+            </a:r>
+            <a:r>
+              <a:rPr/>
+              <a:t> </a:t>
+            </a:r>
+            <a:r>
+              <a:rPr/>
+              <a:t>brings</a:t>
+            </a:r>
+            <a:r>
+              <a:rPr/>
+              <a:t> </a:t>
+            </a:r>
+            <a:r>
+              <a:rPr/>
+              <a:t>the</a:t>
+            </a:r>
+            <a:r>
+              <a:rPr/>
+              <a:t> </a:t>
+            </a:r>
+            <a:r>
+              <a:rPr/>
+              <a:t>custom</a:t>
+            </a:r>
+            <a:r>
+              <a:rPr/>
+              <a:t> </a:t>
+            </a:r>
+            <a:r>
+              <a:rPr/>
+              <a:t>tag</a:t>
+            </a:r>
+            <a:r>
+              <a:rPr/>
+              <a:t> </a:t>
+            </a:r>
+            <a:r>
+              <a:rPr/>
+              <a:t>in</a:t>
+            </a:r>
+            <a:r>
+              <a:rPr/>
+              <a:t> </a:t>
+            </a:r>
+            <a:r>
+              <a:rPr/>
+              <a:t>anywhere</a:t>
+            </a:r>
+          </a:p>
+        </p:txBody>
+      </p:sp>
+      <p:pic>
+        <p:nvPicPr>
+          <p:cNvPr descr="images/wordpress.PNG" id="0" name="Picture 1"/>
+          <p:cNvPicPr>
+            <a:picLocks noGrp="1" noChangeAspect="1"/>
+          </p:cNvPicPr>
+          <p:nvPr/>
+        </p:nvPicPr>
+        <p:blipFill>
+          <a:blip r:embed="rId2"/>
+          <a:stretch>
+            <a:fillRect/>
+          </a:stretch>
+        </p:blipFill>
+        <p:spPr bwMode="auto">
+          <a:xfrm>
+            <a:off x="1270000" y="1600200"/>
+            <a:ext cx="6604000" cy="4013200"/>
+          </a:xfrm>
+          <a:prstGeom prst="rect">
+            <a:avLst/>
+          </a:prstGeom>
+          <a:noFill/>
+          <a:ln w="9525">
+            <a:noFill/>
+            <a:headEnd/>
+            <a:tailEnd/>
+          </a:ln>
+        </p:spPr>
+      </p:pic>
+      <p:sp>
+        <p:nvSpPr>
+          <p:cNvPr id="1" name="TextBox 3"/>
+          <p:cNvSpPr txBox="1"/>
+          <p:nvPr/>
+        </p:nvSpPr>
+        <p:spPr>
+          <a:xfrm>
+            <a:off x="457200" y="5613400"/>
+            <a:ext cx="8229600" cy="508000"/>
+          </a:xfrm>
+          <a:prstGeom prst="rect">
+            <a:avLst/>
+          </a:prstGeom>
+          <a:noFill/>
+        </p:spPr>
+        <p:txBody>
+          <a:bodyPr/>
+          <a:lstStyle/>
+          <a:p>
+            <a:pPr lvl="0" marL="0" indent="0" algn="ctr">
+              <a:buNone/>
+            </a:pPr>
+            <a:r>
+              <a:rPr/>
+              <a:t>in</a:t>
+            </a:r>
+            <a:r>
+              <a:rPr/>
+              <a:t> </a:t>
+            </a:r>
+            <a:r>
+              <a:rPr/>
+              <a:t>wordpress</a:t>
             </a:r>
           </a:p>
         </p:txBody>

--- a/microfrontend_instrumenting/slides.pptx
+++ b/microfrontend_instrumenting/slides.pptx
@@ -19,6 +19,7 @@
     <p:sldId id="267" r:id="rId13"/>
     <p:sldId id="268" r:id="rId14"/>
     <p:sldId id="269" r:id="rId15"/>
+    <p:sldId id="270" r:id="rId16"/>
   </p:sldIdLst>
   <p:sldSz cx="9144000" cy="6858000" type="screen4x3"/>
   <p:notesSz cx="6858000" cy="9144000"/>
@@ -3548,7 +3549,7 @@
             </a:r>
             <a:r>
               <a:rPr/>
-              <a:t>someting</a:t>
+              <a:t>something</a:t>
             </a:r>
             <a:r>
               <a:rPr/>
@@ -3835,7 +3836,7 @@
             <a:pPr lvl="1"/>
             <a:r>
               <a:rPr/>
-              <a:t>with autonomous teams and microfrontends we need to trace accross processes</a:t>
+              <a:t>with autonomous teams and microfrontends we need to trace across processes</a:t>
             </a:r>
           </a:p>
           <a:p>
@@ -3843,6 +3844,135 @@
             <a:r>
               <a:rPr/>
               <a:t>opentelemetry lets us do that in a way that we can really add value beyond predictability to our companies</a:t>
+            </a:r>
+          </a:p>
+        </p:txBody>
+      </p:sp>
+    </p:spTree>
+  </p:cSld>
+</p:sld>
+</file>
+
+<file path=ppt/slides/slide15.xml><?xml version="1.0" encoding="utf-8"?>
+<p:sld xmlns:a="http://schemas.openxmlformats.org/drawingml/2006/main" xmlns:r="http://schemas.openxmlformats.org/officeDocument/2006/relationships" xmlns:p="http://schemas.openxmlformats.org/presentationml/2006/main">
+  <p:cSld>
+    <p:spTree>
+      <p:nvGrpSpPr>
+        <p:cNvPr id="1" name=""/>
+        <p:cNvGrpSpPr/>
+        <p:nvPr/>
+      </p:nvGrpSpPr>
+      <p:grpSpPr>
+        <a:xfrm>
+          <a:off x="0" y="0"/>
+          <a:ext cx="0" cy="0"/>
+          <a:chOff x="0" y="0"/>
+          <a:chExt cx="0" cy="0"/>
+        </a:xfrm>
+      </p:grpSpPr>
+      <p:sp>
+        <p:nvSpPr>
+          <p:cNvPr id="2" name="Title 1"/>
+          <p:cNvSpPr>
+            <a:spLocks noGrp="1"/>
+          </p:cNvSpPr>
+          <p:nvPr>
+            <p:ph type="title"/>
+          </p:nvPr>
+        </p:nvSpPr>
+        <p:spPr/>
+        <p:txBody>
+          <a:bodyPr/>
+          <a:lstStyle/>
+          <a:p>
+            <a:pPr lvl="0" marL="0" indent="0">
+              <a:buNone/>
+            </a:pPr>
+            <a:r>
+              <a:rPr/>
+              <a:t>This</a:t>
+            </a:r>
+            <a:r>
+              <a:rPr/>
+              <a:t> </a:t>
+            </a:r>
+            <a:r>
+              <a:rPr/>
+              <a:t>week’s</a:t>
+            </a:r>
+            <a:r>
+              <a:rPr/>
+              <a:t> </a:t>
+            </a:r>
+            <a:r>
+              <a:rPr/>
+              <a:t>activity</a:t>
+            </a:r>
+          </a:p>
+        </p:txBody>
+      </p:sp>
+      <p:sp>
+        <p:nvSpPr>
+          <p:cNvPr id="3" name="Content Placeholder 2"/>
+          <p:cNvSpPr>
+            <a:spLocks noGrp="1"/>
+          </p:cNvSpPr>
+          <p:nvPr>
+            <p:ph idx="1"/>
+          </p:nvPr>
+        </p:nvSpPr>
+        <p:spPr/>
+        <p:txBody>
+          <a:bodyPr/>
+          <a:lstStyle/>
+          <a:p>
+            <a:pPr lvl="1"/>
+            <a:r>
+              <a:rPr/>
+              <a:t>to instrument the </a:t>
+            </a:r>
+            <a:r>
+              <a:rPr>
+                <a:hlinkClick r:id="rId2"/>
+              </a:rPr>
+              <a:t>code in the lab</a:t>
+            </a:r>
+            <a:r>
+              <a:rPr/>
+              <a:t>.</a:t>
+            </a:r>
+          </a:p>
+          <a:p>
+            <a:pPr lvl="1"/>
+            <a:r>
+              <a:rPr/>
+              <a:t>add signoz to your project like in </a:t>
+            </a:r>
+            <a:r>
+              <a:rPr>
+                <a:hlinkClick r:id="rId3"/>
+              </a:rPr>
+              <a:t>last week’s lab</a:t>
+            </a:r>
+          </a:p>
+          <a:p>
+            <a:pPr lvl="1"/>
+            <a:r>
+              <a:rPr/>
+              <a:t>you do not need to worry about logging on the </a:t>
+            </a:r>
+            <a:r>
+              <a:rPr>
+                <a:hlinkClick r:id="rId4"/>
+              </a:rPr>
+              <a:t>javascript side</a:t>
+            </a:r>
+          </a:p>
+          <a:p>
+            <a:pPr lvl="1"/>
+            <a:r>
+              <a:rPr/>
+              <a:t>that’s what next week’s activity will be about</a:t>
             </a:r>
           </a:p>
         </p:txBody>

--- a/microfrontend_instrumenting/slides.pptx
+++ b/microfrontend_instrumenting/slides.pptx
@@ -1,6 +1,6 @@
 
 <file path=ppt/presentation.xml><?xml version="1.0" encoding="utf-8"?>
-<p:presentation xmlns:a="http://schemas.openxmlformats.org/drawingml/2006/main" xmlns:r="http://schemas.openxmlformats.org/officeDocument/2006/relationships" xmlns:p="http://schemas.openxmlformats.org/presentationml/2006/main" saveSubsetFonts="1" autoCompressPictures="0">
+<p:presentation xmlns:a="http://schemas.openxmlformats.org/drawingml/2006/main" xmlns:p="http://schemas.openxmlformats.org/presentationml/2006/main" xmlns:r="http://schemas.openxmlformats.org/officeDocument/2006/relationships" autoCompressPictures="0" saveSubsetFonts="1">
   <p:sldMasterIdLst>
     <p:sldMasterId id="2147483648" r:id="rId1"/>
   </p:sldMasterIdLst>
@@ -21,14 +21,14 @@
     <p:sldId id="269" r:id="rId15"/>
     <p:sldId id="270" r:id="rId16"/>
   </p:sldIdLst>
-  <p:sldSz cx="9144000" cy="6858000" type="screen4x3"/>
+  <p:sldSz cx="9144000" cy="5143500" type="screen16x9"/>
   <p:notesSz cx="6858000" cy="9144000"/>
   <p:defaultTextStyle>
     <a:defPPr>
       <a:defRPr lang="en-US"/>
     </a:defPPr>
-    <a:lvl1pPr marL="0" algn="l" defTabSz="457200" rtl="0" eaLnBrk="1" latinLnBrk="0" hangingPunct="1">
-      <a:defRPr sz="1800" kern="1200">
+    <a:lvl1pPr algn="l" defTabSz="457200" eaLnBrk="1" hangingPunct="1" latinLnBrk="0" marL="0" rtl="0">
+      <a:defRPr kern="1200" sz="1800">
         <a:solidFill>
           <a:schemeClr val="tx1"/>
         </a:solidFill>
@@ -37,8 +37,8 @@
         <a:cs typeface="+mn-cs"/>
       </a:defRPr>
     </a:lvl1pPr>
-    <a:lvl2pPr marL="457200" algn="l" defTabSz="457200" rtl="0" eaLnBrk="1" latinLnBrk="0" hangingPunct="1">
-      <a:defRPr sz="1800" kern="1200">
+    <a:lvl2pPr algn="l" defTabSz="457200" eaLnBrk="1" hangingPunct="1" latinLnBrk="0" marL="457200" rtl="0">
+      <a:defRPr kern="1200" sz="1800">
         <a:solidFill>
           <a:schemeClr val="tx1"/>
         </a:solidFill>
@@ -47,8 +47,8 @@
         <a:cs typeface="+mn-cs"/>
       </a:defRPr>
     </a:lvl2pPr>
-    <a:lvl3pPr marL="914400" algn="l" defTabSz="457200" rtl="0" eaLnBrk="1" latinLnBrk="0" hangingPunct="1">
-      <a:defRPr sz="1800" kern="1200">
+    <a:lvl3pPr algn="l" defTabSz="457200" eaLnBrk="1" hangingPunct="1" latinLnBrk="0" marL="914400" rtl="0">
+      <a:defRPr kern="1200" sz="1800">
         <a:solidFill>
           <a:schemeClr val="tx1"/>
         </a:solidFill>
@@ -57,8 +57,8 @@
         <a:cs typeface="+mn-cs"/>
       </a:defRPr>
     </a:lvl3pPr>
-    <a:lvl4pPr marL="1371600" algn="l" defTabSz="457200" rtl="0" eaLnBrk="1" latinLnBrk="0" hangingPunct="1">
-      <a:defRPr sz="1800" kern="1200">
+    <a:lvl4pPr algn="l" defTabSz="457200" eaLnBrk="1" hangingPunct="1" latinLnBrk="0" marL="1371600" rtl="0">
+      <a:defRPr kern="1200" sz="1800">
         <a:solidFill>
           <a:schemeClr val="tx1"/>
         </a:solidFill>
@@ -67,8 +67,8 @@
         <a:cs typeface="+mn-cs"/>
       </a:defRPr>
     </a:lvl4pPr>
-    <a:lvl5pPr marL="1828800" algn="l" defTabSz="457200" rtl="0" eaLnBrk="1" latinLnBrk="0" hangingPunct="1">
-      <a:defRPr sz="1800" kern="1200">
+    <a:lvl5pPr algn="l" defTabSz="457200" eaLnBrk="1" hangingPunct="1" latinLnBrk="0" marL="1828800" rtl="0">
+      <a:defRPr kern="1200" sz="1800">
         <a:solidFill>
           <a:schemeClr val="tx1"/>
         </a:solidFill>
@@ -77,8 +77,8 @@
         <a:cs typeface="+mn-cs"/>
       </a:defRPr>
     </a:lvl5pPr>
-    <a:lvl6pPr marL="2286000" algn="l" defTabSz="457200" rtl="0" eaLnBrk="1" latinLnBrk="0" hangingPunct="1">
-      <a:defRPr sz="1800" kern="1200">
+    <a:lvl6pPr algn="l" defTabSz="457200" eaLnBrk="1" hangingPunct="1" latinLnBrk="0" marL="2286000" rtl="0">
+      <a:defRPr kern="1200" sz="1800">
         <a:solidFill>
           <a:schemeClr val="tx1"/>
         </a:solidFill>
@@ -87,8 +87,8 @@
         <a:cs typeface="+mn-cs"/>
       </a:defRPr>
     </a:lvl6pPr>
-    <a:lvl7pPr marL="2743200" algn="l" defTabSz="457200" rtl="0" eaLnBrk="1" latinLnBrk="0" hangingPunct="1">
-      <a:defRPr sz="1800" kern="1200">
+    <a:lvl7pPr algn="l" defTabSz="457200" eaLnBrk="1" hangingPunct="1" latinLnBrk="0" marL="2743200" rtl="0">
+      <a:defRPr kern="1200" sz="1800">
         <a:solidFill>
           <a:schemeClr val="tx1"/>
         </a:solidFill>
@@ -97,8 +97,8 @@
         <a:cs typeface="+mn-cs"/>
       </a:defRPr>
     </a:lvl7pPr>
-    <a:lvl8pPr marL="3200400" algn="l" defTabSz="457200" rtl="0" eaLnBrk="1" latinLnBrk="0" hangingPunct="1">
-      <a:defRPr sz="1800" kern="1200">
+    <a:lvl8pPr algn="l" defTabSz="457200" eaLnBrk="1" hangingPunct="1" latinLnBrk="0" marL="3200400" rtl="0">
+      <a:defRPr kern="1200" sz="1800">
         <a:solidFill>
           <a:schemeClr val="tx1"/>
         </a:solidFill>
@@ -107,8 +107,8 @@
         <a:cs typeface="+mn-cs"/>
       </a:defRPr>
     </a:lvl8pPr>
-    <a:lvl9pPr marL="3657600" algn="l" defTabSz="457200" rtl="0" eaLnBrk="1" latinLnBrk="0" hangingPunct="1">
-      <a:defRPr sz="1800" kern="1200">
+    <a:lvl9pPr algn="l" defTabSz="457200" eaLnBrk="1" hangingPunct="1" latinLnBrk="0" marL="3657600" rtl="0">
+      <a:defRPr kern="1200" sz="1800">
         <a:solidFill>
           <a:schemeClr val="tx1"/>
         </a:solidFill>
@@ -121,12 +121,12 @@
   <p:extLst>
     <p:ext uri="{EFAFB233-063F-42B5-8137-9DF3F51BA10A}">
       <p15:sldGuideLst xmlns:p15="http://schemas.microsoft.com/office/powerpoint/2012/main">
-        <p15:guide id="1" orient="horz" pos="2160">
+        <p15:guide id="1" orient="horz" pos="1620" userDrawn="1">
           <p15:clr>
             <a:srgbClr val="A4A3A4"/>
           </p15:clr>
         </p15:guide>
-        <p15:guide id="2" pos="2880">
+        <p15:guide id="2" pos="2880" userDrawn="1">
           <p15:clr>
             <a:srgbClr val="A4A3A4"/>
           </p15:clr>
@@ -166,8 +166,8 @@
         </p:nvSpPr>
         <p:spPr>
           <a:xfrm>
-            <a:off x="685800" y="2130425"/>
-            <a:ext cx="7772400" cy="1470025"/>
+            <a:off x="685800" y="1597819"/>
+            <a:ext cx="7772400" cy="1102519"/>
           </a:xfrm>
         </p:spPr>
         <p:txBody>
@@ -175,10 +175,9 @@
           <a:lstStyle/>
           <a:p>
             <a:r>
-              <a:rPr lang="en-US" smtClean="0"/>
+              <a:rPr lang="en-US"/>
               <a:t>Click to edit Master title style</a:t>
             </a:r>
-            <a:endParaRPr lang="en-US"/>
           </a:p>
         </p:txBody>
       </p:sp>
@@ -194,8 +193,8 @@
         </p:nvSpPr>
         <p:spPr>
           <a:xfrm>
-            <a:off x="1371600" y="3886200"/>
-            <a:ext cx="6400800" cy="1752600"/>
+            <a:off x="1371600" y="2914650"/>
+            <a:ext cx="6400800" cy="1314450"/>
           </a:xfrm>
         </p:spPr>
         <p:txBody>
@@ -211,7 +210,7 @@
                 </a:solidFill>
               </a:defRPr>
             </a:lvl1pPr>
-            <a:lvl2pPr marL="457200" indent="0" algn="ctr">
+            <a:lvl2pPr marL="342900" indent="0" algn="ctr">
               <a:buNone/>
               <a:defRPr>
                 <a:solidFill>
@@ -221,7 +220,7 @@
                 </a:solidFill>
               </a:defRPr>
             </a:lvl2pPr>
-            <a:lvl3pPr marL="914400" indent="0" algn="ctr">
+            <a:lvl3pPr marL="685800" indent="0" algn="ctr">
               <a:buNone/>
               <a:defRPr>
                 <a:solidFill>
@@ -231,7 +230,7 @@
                 </a:solidFill>
               </a:defRPr>
             </a:lvl3pPr>
-            <a:lvl4pPr marL="1371600" indent="0" algn="ctr">
+            <a:lvl4pPr marL="1028700" indent="0" algn="ctr">
               <a:buNone/>
               <a:defRPr>
                 <a:solidFill>
@@ -241,7 +240,7 @@
                 </a:solidFill>
               </a:defRPr>
             </a:lvl4pPr>
-            <a:lvl5pPr marL="1828800" indent="0" algn="ctr">
+            <a:lvl5pPr marL="1371600" indent="0" algn="ctr">
               <a:buNone/>
               <a:defRPr>
                 <a:solidFill>
@@ -251,7 +250,7 @@
                 </a:solidFill>
               </a:defRPr>
             </a:lvl5pPr>
-            <a:lvl6pPr marL="2286000" indent="0" algn="ctr">
+            <a:lvl6pPr marL="1714500" indent="0" algn="ctr">
               <a:buNone/>
               <a:defRPr>
                 <a:solidFill>
@@ -261,7 +260,7 @@
                 </a:solidFill>
               </a:defRPr>
             </a:lvl6pPr>
-            <a:lvl7pPr marL="2743200" indent="0" algn="ctr">
+            <a:lvl7pPr marL="2057400" indent="0" algn="ctr">
               <a:buNone/>
               <a:defRPr>
                 <a:solidFill>
@@ -271,7 +270,7 @@
                 </a:solidFill>
               </a:defRPr>
             </a:lvl7pPr>
-            <a:lvl8pPr marL="3200400" indent="0" algn="ctr">
+            <a:lvl8pPr marL="2400300" indent="0" algn="ctr">
               <a:buNone/>
               <a:defRPr>
                 <a:solidFill>
@@ -281,7 +280,7 @@
                 </a:solidFill>
               </a:defRPr>
             </a:lvl8pPr>
-            <a:lvl9pPr marL="3657600" indent="0" algn="ctr">
+            <a:lvl9pPr marL="2743200" indent="0" algn="ctr">
               <a:buNone/>
               <a:defRPr>
                 <a:solidFill>
@@ -294,10 +293,9 @@
           </a:lstStyle>
           <a:p>
             <a:r>
-              <a:rPr lang="en-US" smtClean="0"/>
+              <a:rPr lang="en-US"/>
               <a:t>Click to edit Master subtitle style</a:t>
             </a:r>
-            <a:endParaRPr lang="en-US"/>
           </a:p>
         </p:txBody>
       </p:sp>
@@ -318,7 +316,7 @@
           <a:p>
             <a:fld id="{241EB5C9-1307-BA42-ABA2-0BC069CD8E7F}" type="datetimeFigureOut">
               <a:rPr lang="en-US" smtClean="0"/>
-              <a:t>4/5/2019</a:t>
+              <a:t>1/2/22</a:t>
             </a:fld>
             <a:endParaRPr lang="en-US"/>
           </a:p>
@@ -412,10 +410,9 @@
           <a:lstStyle/>
           <a:p>
             <a:r>
-              <a:rPr lang="en-US" smtClean="0"/>
+              <a:rPr lang="en-US"/>
               <a:t>Click to edit Master title style</a:t>
             </a:r>
-            <a:endParaRPr lang="en-US"/>
           </a:p>
         </p:txBody>
       </p:sp>
@@ -436,38 +433,37 @@
           <a:p>
             <a:pPr lvl="0"/>
             <a:r>
-              <a:rPr lang="en-US" smtClean="0"/>
+              <a:rPr lang="en-US"/>
               <a:t>Click to edit Master text styles</a:t>
             </a:r>
           </a:p>
           <a:p>
             <a:pPr lvl="1"/>
             <a:r>
-              <a:rPr lang="en-US" smtClean="0"/>
+              <a:rPr lang="en-US"/>
               <a:t>Second level</a:t>
             </a:r>
           </a:p>
           <a:p>
             <a:pPr lvl="2"/>
             <a:r>
-              <a:rPr lang="en-US" smtClean="0"/>
+              <a:rPr lang="en-US"/>
               <a:t>Third level</a:t>
             </a:r>
           </a:p>
           <a:p>
             <a:pPr lvl="3"/>
             <a:r>
-              <a:rPr lang="en-US" smtClean="0"/>
+              <a:rPr lang="en-US"/>
               <a:t>Fourth level</a:t>
             </a:r>
           </a:p>
           <a:p>
             <a:pPr lvl="4"/>
             <a:r>
-              <a:rPr lang="en-US" smtClean="0"/>
+              <a:rPr lang="en-US"/>
               <a:t>Fifth level</a:t>
             </a:r>
-            <a:endParaRPr lang="en-US"/>
           </a:p>
         </p:txBody>
       </p:sp>
@@ -488,7 +484,7 @@
           <a:p>
             <a:fld id="{241EB5C9-1307-BA42-ABA2-0BC069CD8E7F}" type="datetimeFigureOut">
               <a:rPr lang="en-US" smtClean="0"/>
-              <a:t>4/5/2019</a:t>
+              <a:t>1/2/22</a:t>
             </a:fld>
             <a:endParaRPr lang="en-US"/>
           </a:p>
@@ -578,8 +574,8 @@
         </p:nvSpPr>
         <p:spPr>
           <a:xfrm>
-            <a:off x="6629400" y="274638"/>
-            <a:ext cx="2057400" cy="5851525"/>
+            <a:off x="6629400" y="205979"/>
+            <a:ext cx="2057400" cy="4388644"/>
           </a:xfrm>
         </p:spPr>
         <p:txBody>
@@ -587,10 +583,9 @@
           <a:lstStyle/>
           <a:p>
             <a:r>
-              <a:rPr lang="en-US" smtClean="0"/>
+              <a:rPr lang="en-US"/>
               <a:t>Click to edit Master title style</a:t>
             </a:r>
-            <a:endParaRPr lang="en-US"/>
           </a:p>
         </p:txBody>
       </p:sp>
@@ -606,8 +601,8 @@
         </p:nvSpPr>
         <p:spPr>
           <a:xfrm>
-            <a:off x="457200" y="274638"/>
-            <a:ext cx="6019800" cy="5851525"/>
+            <a:off x="457200" y="205979"/>
+            <a:ext cx="6019800" cy="4388644"/>
           </a:xfrm>
         </p:spPr>
         <p:txBody>
@@ -616,38 +611,37 @@
           <a:p>
             <a:pPr lvl="0"/>
             <a:r>
-              <a:rPr lang="en-US" smtClean="0"/>
+              <a:rPr lang="en-US"/>
               <a:t>Click to edit Master text styles</a:t>
             </a:r>
           </a:p>
           <a:p>
             <a:pPr lvl="1"/>
             <a:r>
-              <a:rPr lang="en-US" smtClean="0"/>
+              <a:rPr lang="en-US"/>
               <a:t>Second level</a:t>
             </a:r>
           </a:p>
           <a:p>
             <a:pPr lvl="2"/>
             <a:r>
-              <a:rPr lang="en-US" smtClean="0"/>
+              <a:rPr lang="en-US"/>
               <a:t>Third level</a:t>
             </a:r>
           </a:p>
           <a:p>
             <a:pPr lvl="3"/>
             <a:r>
-              <a:rPr lang="en-US" smtClean="0"/>
+              <a:rPr lang="en-US"/>
               <a:t>Fourth level</a:t>
             </a:r>
           </a:p>
           <a:p>
             <a:pPr lvl="4"/>
             <a:r>
-              <a:rPr lang="en-US" smtClean="0"/>
+              <a:rPr lang="en-US"/>
               <a:t>Fifth level</a:t>
             </a:r>
-            <a:endParaRPr lang="en-US"/>
           </a:p>
         </p:txBody>
       </p:sp>
@@ -668,7 +662,7 @@
           <a:p>
             <a:fld id="{241EB5C9-1307-BA42-ABA2-0BC069CD8E7F}" type="datetimeFigureOut">
               <a:rPr lang="en-US" smtClean="0"/>
-              <a:t>4/5/2019</a:t>
+              <a:t>1/2/22</a:t>
             </a:fld>
             <a:endParaRPr lang="en-US"/>
           </a:p>
@@ -762,10 +756,9 @@
           <a:lstStyle/>
           <a:p>
             <a:r>
-              <a:rPr lang="en-US" smtClean="0"/>
+              <a:rPr lang="en-US"/>
               <a:t>Click to edit Master title style</a:t>
             </a:r>
-            <a:endParaRPr lang="en-US"/>
           </a:p>
         </p:txBody>
       </p:sp>
@@ -786,38 +779,37 @@
           <a:p>
             <a:pPr lvl="0"/>
             <a:r>
-              <a:rPr lang="en-US" smtClean="0"/>
+              <a:rPr lang="en-US"/>
               <a:t>Click to edit Master text styles</a:t>
             </a:r>
           </a:p>
           <a:p>
             <a:pPr lvl="1"/>
             <a:r>
-              <a:rPr lang="en-US" smtClean="0"/>
+              <a:rPr lang="en-US"/>
               <a:t>Second level</a:t>
             </a:r>
           </a:p>
           <a:p>
             <a:pPr lvl="2"/>
             <a:r>
-              <a:rPr lang="en-US" smtClean="0"/>
+              <a:rPr lang="en-US"/>
               <a:t>Third level</a:t>
             </a:r>
           </a:p>
           <a:p>
             <a:pPr lvl="3"/>
             <a:r>
-              <a:rPr lang="en-US" smtClean="0"/>
+              <a:rPr lang="en-US"/>
               <a:t>Fourth level</a:t>
             </a:r>
           </a:p>
           <a:p>
             <a:pPr lvl="4"/>
             <a:r>
-              <a:rPr lang="en-US" smtClean="0"/>
+              <a:rPr lang="en-US"/>
               <a:t>Fifth level</a:t>
             </a:r>
-            <a:endParaRPr lang="en-US"/>
           </a:p>
         </p:txBody>
       </p:sp>
@@ -838,7 +830,7 @@
           <a:p>
             <a:fld id="{241EB5C9-1307-BA42-ABA2-0BC069CD8E7F}" type="datetimeFigureOut">
               <a:rPr lang="en-US" smtClean="0"/>
-              <a:t>4/5/2019</a:t>
+              <a:t>1/2/22</a:t>
             </a:fld>
             <a:endParaRPr lang="en-US"/>
           </a:p>
@@ -928,23 +920,22 @@
         </p:nvSpPr>
         <p:spPr>
           <a:xfrm>
-            <a:off x="722313" y="4406900"/>
-            <a:ext cx="7772400" cy="1362075"/>
+            <a:off x="722313" y="3305176"/>
+            <a:ext cx="7772400" cy="1021556"/>
           </a:xfrm>
         </p:spPr>
         <p:txBody>
           <a:bodyPr anchor="t"/>
           <a:lstStyle>
             <a:lvl1pPr algn="l">
-              <a:defRPr sz="4000" b="1" cap="all"/>
+              <a:defRPr sz="3000" b="1" cap="all"/>
             </a:lvl1pPr>
           </a:lstStyle>
           <a:p>
             <a:r>
-              <a:rPr lang="en-US" smtClean="0"/>
+              <a:rPr lang="en-US"/>
               <a:t>Click to edit Master title style</a:t>
             </a:r>
-            <a:endParaRPr lang="en-US"/>
           </a:p>
         </p:txBody>
       </p:sp>
@@ -960,8 +951,8 @@
         </p:nvSpPr>
         <p:spPr>
           <a:xfrm>
-            <a:off x="722313" y="2906713"/>
-            <a:ext cx="7772400" cy="1500187"/>
+            <a:off x="722313" y="2180035"/>
+            <a:ext cx="7772400" cy="1125140"/>
           </a:xfrm>
         </p:spPr>
         <p:txBody>
@@ -969,7 +960,7 @@
           <a:lstStyle>
             <a:lvl1pPr marL="0" indent="0">
               <a:buNone/>
-              <a:defRPr sz="2000">
+              <a:defRPr sz="1500">
                 <a:solidFill>
                   <a:schemeClr val="tx1">
                     <a:tint val="75000"/>
@@ -977,9 +968,9 @@
                 </a:solidFill>
               </a:defRPr>
             </a:lvl1pPr>
-            <a:lvl2pPr marL="457200" indent="0">
-              <a:buNone/>
-              <a:defRPr sz="1800">
+            <a:lvl2pPr marL="342900" indent="0">
+              <a:buNone/>
+              <a:defRPr sz="1350">
                 <a:solidFill>
                   <a:schemeClr val="tx1">
                     <a:tint val="75000"/>
@@ -987,9 +978,9 @@
                 </a:solidFill>
               </a:defRPr>
             </a:lvl2pPr>
-            <a:lvl3pPr marL="914400" indent="0">
-              <a:buNone/>
-              <a:defRPr sz="1600">
+            <a:lvl3pPr marL="685800" indent="0">
+              <a:buNone/>
+              <a:defRPr sz="1200">
                 <a:solidFill>
                   <a:schemeClr val="tx1">
                     <a:tint val="75000"/>
@@ -997,9 +988,9 @@
                 </a:solidFill>
               </a:defRPr>
             </a:lvl3pPr>
-            <a:lvl4pPr marL="1371600" indent="0">
-              <a:buNone/>
-              <a:defRPr sz="1400">
+            <a:lvl4pPr marL="1028700" indent="0">
+              <a:buNone/>
+              <a:defRPr sz="1050">
                 <a:solidFill>
                   <a:schemeClr val="tx1">
                     <a:tint val="75000"/>
@@ -1007,9 +998,9 @@
                 </a:solidFill>
               </a:defRPr>
             </a:lvl4pPr>
-            <a:lvl5pPr marL="1828800" indent="0">
-              <a:buNone/>
-              <a:defRPr sz="1400">
+            <a:lvl5pPr marL="1371600" indent="0">
+              <a:buNone/>
+              <a:defRPr sz="1050">
                 <a:solidFill>
                   <a:schemeClr val="tx1">
                     <a:tint val="75000"/>
@@ -1017,9 +1008,9 @@
                 </a:solidFill>
               </a:defRPr>
             </a:lvl5pPr>
-            <a:lvl6pPr marL="2286000" indent="0">
-              <a:buNone/>
-              <a:defRPr sz="1400">
+            <a:lvl6pPr marL="1714500" indent="0">
+              <a:buNone/>
+              <a:defRPr sz="1050">
                 <a:solidFill>
                   <a:schemeClr val="tx1">
                     <a:tint val="75000"/>
@@ -1027,9 +1018,9 @@
                 </a:solidFill>
               </a:defRPr>
             </a:lvl6pPr>
-            <a:lvl7pPr marL="2743200" indent="0">
-              <a:buNone/>
-              <a:defRPr sz="1400">
+            <a:lvl7pPr marL="2057400" indent="0">
+              <a:buNone/>
+              <a:defRPr sz="1050">
                 <a:solidFill>
                   <a:schemeClr val="tx1">
                     <a:tint val="75000"/>
@@ -1037,9 +1028,9 @@
                 </a:solidFill>
               </a:defRPr>
             </a:lvl7pPr>
-            <a:lvl8pPr marL="3200400" indent="0">
-              <a:buNone/>
-              <a:defRPr sz="1400">
+            <a:lvl8pPr marL="2400300" indent="0">
+              <a:buNone/>
+              <a:defRPr sz="1050">
                 <a:solidFill>
                   <a:schemeClr val="tx1">
                     <a:tint val="75000"/>
@@ -1047,9 +1038,9 @@
                 </a:solidFill>
               </a:defRPr>
             </a:lvl8pPr>
-            <a:lvl9pPr marL="3657600" indent="0">
-              <a:buNone/>
-              <a:defRPr sz="1400">
+            <a:lvl9pPr marL="2743200" indent="0">
+              <a:buNone/>
+              <a:defRPr sz="1050">
                 <a:solidFill>
                   <a:schemeClr val="tx1">
                     <a:tint val="75000"/>
@@ -1061,7 +1052,7 @@
           <a:p>
             <a:pPr lvl="0"/>
             <a:r>
-              <a:rPr lang="en-US" smtClean="0"/>
+              <a:rPr lang="en-US"/>
               <a:t>Click to edit Master text styles</a:t>
             </a:r>
           </a:p>
@@ -1084,7 +1075,7 @@
           <a:p>
             <a:fld id="{241EB5C9-1307-BA42-ABA2-0BC069CD8E7F}" type="datetimeFigureOut">
               <a:rPr lang="en-US" smtClean="0"/>
-              <a:t>4/5/2019</a:t>
+              <a:t>1/2/22</a:t>
             </a:fld>
             <a:endParaRPr lang="en-US"/>
           </a:p>
@@ -1178,10 +1169,9 @@
           <a:lstStyle/>
           <a:p>
             <a:r>
-              <a:rPr lang="en-US" smtClean="0"/>
+              <a:rPr lang="en-US"/>
               <a:t>Click to edit Master title style</a:t>
             </a:r>
-            <a:endParaRPr lang="en-US"/>
           </a:p>
         </p:txBody>
       </p:sp>
@@ -1197,76 +1187,75 @@
         </p:nvSpPr>
         <p:spPr>
           <a:xfrm>
-            <a:off x="457200" y="1600200"/>
-            <a:ext cx="4038600" cy="4525963"/>
+            <a:off x="457200" y="1200151"/>
+            <a:ext cx="4038600" cy="3394472"/>
           </a:xfrm>
         </p:spPr>
         <p:txBody>
           <a:bodyPr/>
           <a:lstStyle>
             <a:lvl1pPr>
-              <a:defRPr sz="2800"/>
+              <a:defRPr sz="2100"/>
             </a:lvl1pPr>
             <a:lvl2pPr>
-              <a:defRPr sz="2400"/>
+              <a:defRPr sz="1800"/>
             </a:lvl2pPr>
             <a:lvl3pPr>
-              <a:defRPr sz="2000"/>
+              <a:defRPr sz="1500"/>
             </a:lvl3pPr>
             <a:lvl4pPr>
-              <a:defRPr sz="1800"/>
+              <a:defRPr sz="1350"/>
             </a:lvl4pPr>
             <a:lvl5pPr>
-              <a:defRPr sz="1800"/>
+              <a:defRPr sz="1350"/>
             </a:lvl5pPr>
             <a:lvl6pPr>
-              <a:defRPr sz="1800"/>
+              <a:defRPr sz="1350"/>
             </a:lvl6pPr>
             <a:lvl7pPr>
-              <a:defRPr sz="1800"/>
+              <a:defRPr sz="1350"/>
             </a:lvl7pPr>
             <a:lvl8pPr>
-              <a:defRPr sz="1800"/>
+              <a:defRPr sz="1350"/>
             </a:lvl8pPr>
             <a:lvl9pPr>
-              <a:defRPr sz="1800"/>
+              <a:defRPr sz="1350"/>
             </a:lvl9pPr>
           </a:lstStyle>
           <a:p>
             <a:pPr lvl="0"/>
             <a:r>
-              <a:rPr lang="en-US" smtClean="0"/>
+              <a:rPr lang="en-US"/>
               <a:t>Click to edit Master text styles</a:t>
             </a:r>
           </a:p>
           <a:p>
             <a:pPr lvl="1"/>
             <a:r>
-              <a:rPr lang="en-US" smtClean="0"/>
+              <a:rPr lang="en-US"/>
               <a:t>Second level</a:t>
             </a:r>
           </a:p>
           <a:p>
             <a:pPr lvl="2"/>
             <a:r>
-              <a:rPr lang="en-US" smtClean="0"/>
+              <a:rPr lang="en-US"/>
               <a:t>Third level</a:t>
             </a:r>
           </a:p>
           <a:p>
             <a:pPr lvl="3"/>
             <a:r>
-              <a:rPr lang="en-US" smtClean="0"/>
+              <a:rPr lang="en-US"/>
               <a:t>Fourth level</a:t>
             </a:r>
           </a:p>
           <a:p>
             <a:pPr lvl="4"/>
             <a:r>
-              <a:rPr lang="en-US" smtClean="0"/>
+              <a:rPr lang="en-US"/>
               <a:t>Fifth level</a:t>
             </a:r>
-            <a:endParaRPr lang="en-US"/>
           </a:p>
         </p:txBody>
       </p:sp>
@@ -1282,76 +1271,75 @@
         </p:nvSpPr>
         <p:spPr>
           <a:xfrm>
-            <a:off x="4648200" y="1600200"/>
-            <a:ext cx="4038600" cy="4525963"/>
+            <a:off x="4648200" y="1200151"/>
+            <a:ext cx="4038600" cy="3394472"/>
           </a:xfrm>
         </p:spPr>
         <p:txBody>
           <a:bodyPr/>
           <a:lstStyle>
             <a:lvl1pPr>
-              <a:defRPr sz="2800"/>
+              <a:defRPr sz="2100"/>
             </a:lvl1pPr>
             <a:lvl2pPr>
-              <a:defRPr sz="2400"/>
+              <a:defRPr sz="1800"/>
             </a:lvl2pPr>
             <a:lvl3pPr>
-              <a:defRPr sz="2000"/>
+              <a:defRPr sz="1500"/>
             </a:lvl3pPr>
             <a:lvl4pPr>
-              <a:defRPr sz="1800"/>
+              <a:defRPr sz="1350"/>
             </a:lvl4pPr>
             <a:lvl5pPr>
-              <a:defRPr sz="1800"/>
+              <a:defRPr sz="1350"/>
             </a:lvl5pPr>
             <a:lvl6pPr>
-              <a:defRPr sz="1800"/>
+              <a:defRPr sz="1350"/>
             </a:lvl6pPr>
             <a:lvl7pPr>
-              <a:defRPr sz="1800"/>
+              <a:defRPr sz="1350"/>
             </a:lvl7pPr>
             <a:lvl8pPr>
-              <a:defRPr sz="1800"/>
+              <a:defRPr sz="1350"/>
             </a:lvl8pPr>
             <a:lvl9pPr>
-              <a:defRPr sz="1800"/>
+              <a:defRPr sz="1350"/>
             </a:lvl9pPr>
           </a:lstStyle>
           <a:p>
             <a:pPr lvl="0"/>
             <a:r>
-              <a:rPr lang="en-US" smtClean="0"/>
+              <a:rPr lang="en-US"/>
               <a:t>Click to edit Master text styles</a:t>
             </a:r>
           </a:p>
           <a:p>
             <a:pPr lvl="1"/>
             <a:r>
-              <a:rPr lang="en-US" smtClean="0"/>
+              <a:rPr lang="en-US"/>
               <a:t>Second level</a:t>
             </a:r>
           </a:p>
           <a:p>
             <a:pPr lvl="2"/>
             <a:r>
-              <a:rPr lang="en-US" smtClean="0"/>
+              <a:rPr lang="en-US"/>
               <a:t>Third level</a:t>
             </a:r>
           </a:p>
           <a:p>
             <a:pPr lvl="3"/>
             <a:r>
-              <a:rPr lang="en-US" smtClean="0"/>
+              <a:rPr lang="en-US"/>
               <a:t>Fourth level</a:t>
             </a:r>
           </a:p>
           <a:p>
             <a:pPr lvl="4"/>
             <a:r>
-              <a:rPr lang="en-US" smtClean="0"/>
+              <a:rPr lang="en-US"/>
               <a:t>Fifth level</a:t>
             </a:r>
-            <a:endParaRPr lang="en-US"/>
           </a:p>
         </p:txBody>
       </p:sp>
@@ -1372,7 +1360,7 @@
           <a:p>
             <a:fld id="{241EB5C9-1307-BA42-ABA2-0BC069CD8E7F}" type="datetimeFigureOut">
               <a:rPr lang="en-US" smtClean="0"/>
-              <a:t>4/5/2019</a:t>
+              <a:t>1/2/22</a:t>
             </a:fld>
             <a:endParaRPr lang="en-US"/>
           </a:p>
@@ -1470,10 +1458,9 @@
           </a:lstStyle>
           <a:p>
             <a:r>
-              <a:rPr lang="en-US" smtClean="0"/>
+              <a:rPr lang="en-US"/>
               <a:t>Click to edit Master title style</a:t>
             </a:r>
-            <a:endParaRPr lang="en-US"/>
           </a:p>
         </p:txBody>
       </p:sp>
@@ -1489,8 +1476,8 @@
         </p:nvSpPr>
         <p:spPr>
           <a:xfrm>
-            <a:off x="457200" y="1535113"/>
-            <a:ext cx="4040188" cy="639762"/>
+            <a:off x="457200" y="1151335"/>
+            <a:ext cx="4040188" cy="479822"/>
           </a:xfrm>
         </p:spPr>
         <p:txBody>
@@ -1498,45 +1485,45 @@
           <a:lstStyle>
             <a:lvl1pPr marL="0" indent="0">
               <a:buNone/>
-              <a:defRPr sz="2400" b="1"/>
+              <a:defRPr sz="1800" b="1"/>
             </a:lvl1pPr>
-            <a:lvl2pPr marL="457200" indent="0">
-              <a:buNone/>
-              <a:defRPr sz="2000" b="1"/>
+            <a:lvl2pPr marL="342900" indent="0">
+              <a:buNone/>
+              <a:defRPr sz="1500" b="1"/>
             </a:lvl2pPr>
-            <a:lvl3pPr marL="914400" indent="0">
-              <a:buNone/>
-              <a:defRPr sz="1800" b="1"/>
+            <a:lvl3pPr marL="685800" indent="0">
+              <a:buNone/>
+              <a:defRPr sz="1350" b="1"/>
             </a:lvl3pPr>
-            <a:lvl4pPr marL="1371600" indent="0">
-              <a:buNone/>
-              <a:defRPr sz="1600" b="1"/>
+            <a:lvl4pPr marL="1028700" indent="0">
+              <a:buNone/>
+              <a:defRPr sz="1200" b="1"/>
             </a:lvl4pPr>
-            <a:lvl5pPr marL="1828800" indent="0">
-              <a:buNone/>
-              <a:defRPr sz="1600" b="1"/>
+            <a:lvl5pPr marL="1371600" indent="0">
+              <a:buNone/>
+              <a:defRPr sz="1200" b="1"/>
             </a:lvl5pPr>
-            <a:lvl6pPr marL="2286000" indent="0">
-              <a:buNone/>
-              <a:defRPr sz="1600" b="1"/>
+            <a:lvl6pPr marL="1714500" indent="0">
+              <a:buNone/>
+              <a:defRPr sz="1200" b="1"/>
             </a:lvl6pPr>
-            <a:lvl7pPr marL="2743200" indent="0">
-              <a:buNone/>
-              <a:defRPr sz="1600" b="1"/>
+            <a:lvl7pPr marL="2057400" indent="0">
+              <a:buNone/>
+              <a:defRPr sz="1200" b="1"/>
             </a:lvl7pPr>
-            <a:lvl8pPr marL="3200400" indent="0">
-              <a:buNone/>
-              <a:defRPr sz="1600" b="1"/>
+            <a:lvl8pPr marL="2400300" indent="0">
+              <a:buNone/>
+              <a:defRPr sz="1200" b="1"/>
             </a:lvl8pPr>
-            <a:lvl9pPr marL="3657600" indent="0">
-              <a:buNone/>
-              <a:defRPr sz="1600" b="1"/>
+            <a:lvl9pPr marL="2743200" indent="0">
+              <a:buNone/>
+              <a:defRPr sz="1200" b="1"/>
             </a:lvl9pPr>
           </a:lstStyle>
           <a:p>
             <a:pPr lvl="0"/>
             <a:r>
-              <a:rPr lang="en-US" smtClean="0"/>
+              <a:rPr lang="en-US"/>
               <a:t>Click to edit Master text styles</a:t>
             </a:r>
           </a:p>
@@ -1554,76 +1541,75 @@
         </p:nvSpPr>
         <p:spPr>
           <a:xfrm>
-            <a:off x="457200" y="2174875"/>
-            <a:ext cx="4040188" cy="3951288"/>
+            <a:off x="457200" y="1631156"/>
+            <a:ext cx="4040188" cy="2963466"/>
           </a:xfrm>
         </p:spPr>
         <p:txBody>
           <a:bodyPr/>
           <a:lstStyle>
             <a:lvl1pPr>
-              <a:defRPr sz="2400"/>
+              <a:defRPr sz="1800"/>
             </a:lvl1pPr>
             <a:lvl2pPr>
-              <a:defRPr sz="2000"/>
+              <a:defRPr sz="1500"/>
             </a:lvl2pPr>
             <a:lvl3pPr>
-              <a:defRPr sz="1800"/>
+              <a:defRPr sz="1350"/>
             </a:lvl3pPr>
             <a:lvl4pPr>
-              <a:defRPr sz="1600"/>
+              <a:defRPr sz="1200"/>
             </a:lvl4pPr>
             <a:lvl5pPr>
-              <a:defRPr sz="1600"/>
+              <a:defRPr sz="1200"/>
             </a:lvl5pPr>
             <a:lvl6pPr>
-              <a:defRPr sz="1600"/>
+              <a:defRPr sz="1200"/>
             </a:lvl6pPr>
             <a:lvl7pPr>
-              <a:defRPr sz="1600"/>
+              <a:defRPr sz="1200"/>
             </a:lvl7pPr>
             <a:lvl8pPr>
-              <a:defRPr sz="1600"/>
+              <a:defRPr sz="1200"/>
             </a:lvl8pPr>
             <a:lvl9pPr>
-              <a:defRPr sz="1600"/>
+              <a:defRPr sz="1200"/>
             </a:lvl9pPr>
           </a:lstStyle>
           <a:p>
             <a:pPr lvl="0"/>
             <a:r>
-              <a:rPr lang="en-US" smtClean="0"/>
+              <a:rPr lang="en-US"/>
               <a:t>Click to edit Master text styles</a:t>
             </a:r>
           </a:p>
           <a:p>
             <a:pPr lvl="1"/>
             <a:r>
-              <a:rPr lang="en-US" smtClean="0"/>
+              <a:rPr lang="en-US"/>
               <a:t>Second level</a:t>
             </a:r>
           </a:p>
           <a:p>
             <a:pPr lvl="2"/>
             <a:r>
-              <a:rPr lang="en-US" smtClean="0"/>
+              <a:rPr lang="en-US"/>
               <a:t>Third level</a:t>
             </a:r>
           </a:p>
           <a:p>
             <a:pPr lvl="3"/>
             <a:r>
-              <a:rPr lang="en-US" smtClean="0"/>
+              <a:rPr lang="en-US"/>
               <a:t>Fourth level</a:t>
             </a:r>
           </a:p>
           <a:p>
             <a:pPr lvl="4"/>
             <a:r>
-              <a:rPr lang="en-US" smtClean="0"/>
+              <a:rPr lang="en-US"/>
               <a:t>Fifth level</a:t>
             </a:r>
-            <a:endParaRPr lang="en-US"/>
           </a:p>
         </p:txBody>
       </p:sp>
@@ -1639,8 +1625,8 @@
         </p:nvSpPr>
         <p:spPr>
           <a:xfrm>
-            <a:off x="4645025" y="1535113"/>
-            <a:ext cx="4041775" cy="639762"/>
+            <a:off x="4645026" y="1151335"/>
+            <a:ext cx="4041775" cy="479822"/>
           </a:xfrm>
         </p:spPr>
         <p:txBody>
@@ -1648,45 +1634,45 @@
           <a:lstStyle>
             <a:lvl1pPr marL="0" indent="0">
               <a:buNone/>
-              <a:defRPr sz="2400" b="1"/>
+              <a:defRPr sz="1800" b="1"/>
             </a:lvl1pPr>
-            <a:lvl2pPr marL="457200" indent="0">
-              <a:buNone/>
-              <a:defRPr sz="2000" b="1"/>
+            <a:lvl2pPr marL="342900" indent="0">
+              <a:buNone/>
+              <a:defRPr sz="1500" b="1"/>
             </a:lvl2pPr>
-            <a:lvl3pPr marL="914400" indent="0">
-              <a:buNone/>
-              <a:defRPr sz="1800" b="1"/>
+            <a:lvl3pPr marL="685800" indent="0">
+              <a:buNone/>
+              <a:defRPr sz="1350" b="1"/>
             </a:lvl3pPr>
-            <a:lvl4pPr marL="1371600" indent="0">
-              <a:buNone/>
-              <a:defRPr sz="1600" b="1"/>
+            <a:lvl4pPr marL="1028700" indent="0">
+              <a:buNone/>
+              <a:defRPr sz="1200" b="1"/>
             </a:lvl4pPr>
-            <a:lvl5pPr marL="1828800" indent="0">
-              <a:buNone/>
-              <a:defRPr sz="1600" b="1"/>
+            <a:lvl5pPr marL="1371600" indent="0">
+              <a:buNone/>
+              <a:defRPr sz="1200" b="1"/>
             </a:lvl5pPr>
-            <a:lvl6pPr marL="2286000" indent="0">
-              <a:buNone/>
-              <a:defRPr sz="1600" b="1"/>
+            <a:lvl6pPr marL="1714500" indent="0">
+              <a:buNone/>
+              <a:defRPr sz="1200" b="1"/>
             </a:lvl6pPr>
-            <a:lvl7pPr marL="2743200" indent="0">
-              <a:buNone/>
-              <a:defRPr sz="1600" b="1"/>
+            <a:lvl7pPr marL="2057400" indent="0">
+              <a:buNone/>
+              <a:defRPr sz="1200" b="1"/>
             </a:lvl7pPr>
-            <a:lvl8pPr marL="3200400" indent="0">
-              <a:buNone/>
-              <a:defRPr sz="1600" b="1"/>
+            <a:lvl8pPr marL="2400300" indent="0">
+              <a:buNone/>
+              <a:defRPr sz="1200" b="1"/>
             </a:lvl8pPr>
-            <a:lvl9pPr marL="3657600" indent="0">
-              <a:buNone/>
-              <a:defRPr sz="1600" b="1"/>
+            <a:lvl9pPr marL="2743200" indent="0">
+              <a:buNone/>
+              <a:defRPr sz="1200" b="1"/>
             </a:lvl9pPr>
           </a:lstStyle>
           <a:p>
             <a:pPr lvl="0"/>
             <a:r>
-              <a:rPr lang="en-US" smtClean="0"/>
+              <a:rPr lang="en-US"/>
               <a:t>Click to edit Master text styles</a:t>
             </a:r>
           </a:p>
@@ -1704,76 +1690,75 @@
         </p:nvSpPr>
         <p:spPr>
           <a:xfrm>
-            <a:off x="4645025" y="2174875"/>
-            <a:ext cx="4041775" cy="3951288"/>
+            <a:off x="4645026" y="1631156"/>
+            <a:ext cx="4041775" cy="2963466"/>
           </a:xfrm>
         </p:spPr>
         <p:txBody>
           <a:bodyPr/>
           <a:lstStyle>
             <a:lvl1pPr>
-              <a:defRPr sz="2400"/>
+              <a:defRPr sz="1800"/>
             </a:lvl1pPr>
             <a:lvl2pPr>
-              <a:defRPr sz="2000"/>
+              <a:defRPr sz="1500"/>
             </a:lvl2pPr>
             <a:lvl3pPr>
-              <a:defRPr sz="1800"/>
+              <a:defRPr sz="1350"/>
             </a:lvl3pPr>
             <a:lvl4pPr>
-              <a:defRPr sz="1600"/>
+              <a:defRPr sz="1200"/>
             </a:lvl4pPr>
             <a:lvl5pPr>
-              <a:defRPr sz="1600"/>
+              <a:defRPr sz="1200"/>
             </a:lvl5pPr>
             <a:lvl6pPr>
-              <a:defRPr sz="1600"/>
+              <a:defRPr sz="1200"/>
             </a:lvl6pPr>
             <a:lvl7pPr>
-              <a:defRPr sz="1600"/>
+              <a:defRPr sz="1200"/>
             </a:lvl7pPr>
             <a:lvl8pPr>
-              <a:defRPr sz="1600"/>
+              <a:defRPr sz="1200"/>
             </a:lvl8pPr>
             <a:lvl9pPr>
-              <a:defRPr sz="1600"/>
+              <a:defRPr sz="1200"/>
             </a:lvl9pPr>
           </a:lstStyle>
           <a:p>
             <a:pPr lvl="0"/>
             <a:r>
-              <a:rPr lang="en-US" smtClean="0"/>
+              <a:rPr lang="en-US"/>
               <a:t>Click to edit Master text styles</a:t>
             </a:r>
           </a:p>
           <a:p>
             <a:pPr lvl="1"/>
             <a:r>
-              <a:rPr lang="en-US" smtClean="0"/>
+              <a:rPr lang="en-US"/>
               <a:t>Second level</a:t>
             </a:r>
           </a:p>
           <a:p>
             <a:pPr lvl="2"/>
             <a:r>
-              <a:rPr lang="en-US" smtClean="0"/>
+              <a:rPr lang="en-US"/>
               <a:t>Third level</a:t>
             </a:r>
           </a:p>
           <a:p>
             <a:pPr lvl="3"/>
             <a:r>
-              <a:rPr lang="en-US" smtClean="0"/>
+              <a:rPr lang="en-US"/>
               <a:t>Fourth level</a:t>
             </a:r>
           </a:p>
           <a:p>
             <a:pPr lvl="4"/>
             <a:r>
-              <a:rPr lang="en-US" smtClean="0"/>
+              <a:rPr lang="en-US"/>
               <a:t>Fifth level</a:t>
             </a:r>
-            <a:endParaRPr lang="en-US"/>
           </a:p>
         </p:txBody>
       </p:sp>
@@ -1794,7 +1779,7 @@
           <a:p>
             <a:fld id="{241EB5C9-1307-BA42-ABA2-0BC069CD8E7F}" type="datetimeFigureOut">
               <a:rPr lang="en-US" smtClean="0"/>
-              <a:t>4/5/2019</a:t>
+              <a:t>1/2/22</a:t>
             </a:fld>
             <a:endParaRPr lang="en-US"/>
           </a:p>
@@ -1888,10 +1873,9 @@
           <a:lstStyle/>
           <a:p>
             <a:r>
-              <a:rPr lang="en-US" smtClean="0"/>
+              <a:rPr lang="en-US"/>
               <a:t>Click to edit Master title style</a:t>
             </a:r>
-            <a:endParaRPr lang="en-US"/>
           </a:p>
         </p:txBody>
       </p:sp>
@@ -1912,7 +1896,7 @@
           <a:p>
             <a:fld id="{241EB5C9-1307-BA42-ABA2-0BC069CD8E7F}" type="datetimeFigureOut">
               <a:rPr lang="en-US" smtClean="0"/>
-              <a:t>4/5/2019</a:t>
+              <a:t>1/2/22</a:t>
             </a:fld>
             <a:endParaRPr lang="en-US"/>
           </a:p>
@@ -2007,7 +1991,7 @@
           <a:p>
             <a:fld id="{241EB5C9-1307-BA42-ABA2-0BC069CD8E7F}" type="datetimeFigureOut">
               <a:rPr lang="en-US" smtClean="0"/>
-              <a:t>4/5/2019</a:t>
+              <a:t>1/2/22</a:t>
             </a:fld>
             <a:endParaRPr lang="en-US"/>
           </a:p>
@@ -2097,23 +2081,22 @@
         </p:nvSpPr>
         <p:spPr>
           <a:xfrm>
-            <a:off x="457200" y="273050"/>
-            <a:ext cx="3008313" cy="1162050"/>
+            <a:off x="457201" y="204787"/>
+            <a:ext cx="3008313" cy="871538"/>
           </a:xfrm>
         </p:spPr>
         <p:txBody>
           <a:bodyPr anchor="b"/>
           <a:lstStyle>
             <a:lvl1pPr algn="l">
-              <a:defRPr sz="2000" b="1"/>
+              <a:defRPr sz="1500" b="1"/>
             </a:lvl1pPr>
           </a:lstStyle>
           <a:p>
             <a:r>
-              <a:rPr lang="en-US" smtClean="0"/>
+              <a:rPr lang="en-US"/>
               <a:t>Click to edit Master title style</a:t>
             </a:r>
-            <a:endParaRPr lang="en-US"/>
           </a:p>
         </p:txBody>
       </p:sp>
@@ -2129,76 +2112,75 @@
         </p:nvSpPr>
         <p:spPr>
           <a:xfrm>
-            <a:off x="3575050" y="273050"/>
-            <a:ext cx="5111750" cy="5853113"/>
+            <a:off x="3575050" y="204788"/>
+            <a:ext cx="5111750" cy="4389835"/>
           </a:xfrm>
         </p:spPr>
         <p:txBody>
           <a:bodyPr/>
           <a:lstStyle>
             <a:lvl1pPr>
-              <a:defRPr sz="3200"/>
+              <a:defRPr sz="2400"/>
             </a:lvl1pPr>
             <a:lvl2pPr>
-              <a:defRPr sz="2800"/>
+              <a:defRPr sz="2100"/>
             </a:lvl2pPr>
             <a:lvl3pPr>
-              <a:defRPr sz="2400"/>
+              <a:defRPr sz="1800"/>
             </a:lvl3pPr>
             <a:lvl4pPr>
-              <a:defRPr sz="2000"/>
+              <a:defRPr sz="1500"/>
             </a:lvl4pPr>
             <a:lvl5pPr>
-              <a:defRPr sz="2000"/>
+              <a:defRPr sz="1500"/>
             </a:lvl5pPr>
             <a:lvl6pPr>
-              <a:defRPr sz="2000"/>
+              <a:defRPr sz="1500"/>
             </a:lvl6pPr>
             <a:lvl7pPr>
-              <a:defRPr sz="2000"/>
+              <a:defRPr sz="1500"/>
             </a:lvl7pPr>
             <a:lvl8pPr>
-              <a:defRPr sz="2000"/>
+              <a:defRPr sz="1500"/>
             </a:lvl8pPr>
             <a:lvl9pPr>
-              <a:defRPr sz="2000"/>
+              <a:defRPr sz="1500"/>
             </a:lvl9pPr>
           </a:lstStyle>
           <a:p>
             <a:pPr lvl="0"/>
             <a:r>
-              <a:rPr lang="en-US" smtClean="0"/>
+              <a:rPr lang="en-US"/>
               <a:t>Click to edit Master text styles</a:t>
             </a:r>
           </a:p>
           <a:p>
             <a:pPr lvl="1"/>
             <a:r>
-              <a:rPr lang="en-US" smtClean="0"/>
+              <a:rPr lang="en-US"/>
               <a:t>Second level</a:t>
             </a:r>
           </a:p>
           <a:p>
             <a:pPr lvl="2"/>
             <a:r>
-              <a:rPr lang="en-US" smtClean="0"/>
+              <a:rPr lang="en-US"/>
               <a:t>Third level</a:t>
             </a:r>
           </a:p>
           <a:p>
             <a:pPr lvl="3"/>
             <a:r>
-              <a:rPr lang="en-US" smtClean="0"/>
+              <a:rPr lang="en-US"/>
               <a:t>Fourth level</a:t>
             </a:r>
           </a:p>
           <a:p>
             <a:pPr lvl="4"/>
             <a:r>
-              <a:rPr lang="en-US" smtClean="0"/>
+              <a:rPr lang="en-US"/>
               <a:t>Fifth level</a:t>
             </a:r>
-            <a:endParaRPr lang="en-US"/>
           </a:p>
         </p:txBody>
       </p:sp>
@@ -2214,8 +2196,8 @@
         </p:nvSpPr>
         <p:spPr>
           <a:xfrm>
-            <a:off x="457200" y="1435100"/>
-            <a:ext cx="3008313" cy="4691063"/>
+            <a:off x="457201" y="1076326"/>
+            <a:ext cx="3008313" cy="3518297"/>
           </a:xfrm>
         </p:spPr>
         <p:txBody>
@@ -2223,45 +2205,45 @@
           <a:lstStyle>
             <a:lvl1pPr marL="0" indent="0">
               <a:buNone/>
-              <a:defRPr sz="1400"/>
+              <a:defRPr sz="1050"/>
             </a:lvl1pPr>
-            <a:lvl2pPr marL="457200" indent="0">
-              <a:buNone/>
-              <a:defRPr sz="1200"/>
+            <a:lvl2pPr marL="342900" indent="0">
+              <a:buNone/>
+              <a:defRPr sz="900"/>
             </a:lvl2pPr>
-            <a:lvl3pPr marL="914400" indent="0">
-              <a:buNone/>
-              <a:defRPr sz="1000"/>
+            <a:lvl3pPr marL="685800" indent="0">
+              <a:buNone/>
+              <a:defRPr sz="750"/>
             </a:lvl3pPr>
-            <a:lvl4pPr marL="1371600" indent="0">
-              <a:buNone/>
-              <a:defRPr sz="900"/>
+            <a:lvl4pPr marL="1028700" indent="0">
+              <a:buNone/>
+              <a:defRPr sz="675"/>
             </a:lvl4pPr>
-            <a:lvl5pPr marL="1828800" indent="0">
-              <a:buNone/>
-              <a:defRPr sz="900"/>
+            <a:lvl5pPr marL="1371600" indent="0">
+              <a:buNone/>
+              <a:defRPr sz="675"/>
             </a:lvl5pPr>
-            <a:lvl6pPr marL="2286000" indent="0">
-              <a:buNone/>
-              <a:defRPr sz="900"/>
+            <a:lvl6pPr marL="1714500" indent="0">
+              <a:buNone/>
+              <a:defRPr sz="675"/>
             </a:lvl6pPr>
-            <a:lvl7pPr marL="2743200" indent="0">
-              <a:buNone/>
-              <a:defRPr sz="900"/>
+            <a:lvl7pPr marL="2057400" indent="0">
+              <a:buNone/>
+              <a:defRPr sz="675"/>
             </a:lvl7pPr>
-            <a:lvl8pPr marL="3200400" indent="0">
-              <a:buNone/>
-              <a:defRPr sz="900"/>
+            <a:lvl8pPr marL="2400300" indent="0">
+              <a:buNone/>
+              <a:defRPr sz="675"/>
             </a:lvl8pPr>
-            <a:lvl9pPr marL="3657600" indent="0">
-              <a:buNone/>
-              <a:defRPr sz="900"/>
+            <a:lvl9pPr marL="2743200" indent="0">
+              <a:buNone/>
+              <a:defRPr sz="675"/>
             </a:lvl9pPr>
           </a:lstStyle>
           <a:p>
             <a:pPr lvl="0"/>
             <a:r>
-              <a:rPr lang="en-US" smtClean="0"/>
+              <a:rPr lang="en-US"/>
               <a:t>Click to edit Master text styles</a:t>
             </a:r>
           </a:p>
@@ -2284,7 +2266,7 @@
           <a:p>
             <a:fld id="{241EB5C9-1307-BA42-ABA2-0BC069CD8E7F}" type="datetimeFigureOut">
               <a:rPr lang="en-US" smtClean="0"/>
-              <a:t>4/5/2019</a:t>
+              <a:t>1/2/22</a:t>
             </a:fld>
             <a:endParaRPr lang="en-US"/>
           </a:p>
@@ -2374,23 +2356,22 @@
         </p:nvSpPr>
         <p:spPr>
           <a:xfrm>
-            <a:off x="1792288" y="4800600"/>
-            <a:ext cx="5486400" cy="566738"/>
+            <a:off x="1792288" y="3600450"/>
+            <a:ext cx="5486400" cy="425054"/>
           </a:xfrm>
         </p:spPr>
         <p:txBody>
           <a:bodyPr anchor="b"/>
           <a:lstStyle>
             <a:lvl1pPr algn="l">
-              <a:defRPr sz="2000" b="1"/>
+              <a:defRPr sz="1500" b="1"/>
             </a:lvl1pPr>
           </a:lstStyle>
           <a:p>
             <a:r>
-              <a:rPr lang="en-US" smtClean="0"/>
+              <a:rPr lang="en-US"/>
               <a:t>Click to edit Master title style</a:t>
             </a:r>
-            <a:endParaRPr lang="en-US"/>
           </a:p>
         </p:txBody>
       </p:sp>
@@ -2406,8 +2387,8 @@
         </p:nvSpPr>
         <p:spPr>
           <a:xfrm>
-            <a:off x="1792288" y="612775"/>
-            <a:ext cx="5486400" cy="4114800"/>
+            <a:off x="1792288" y="459581"/>
+            <a:ext cx="5486400" cy="3086100"/>
           </a:xfrm>
         </p:spPr>
         <p:txBody>
@@ -2415,39 +2396,39 @@
           <a:lstStyle>
             <a:lvl1pPr marL="0" indent="0">
               <a:buNone/>
-              <a:defRPr sz="3200"/>
+              <a:defRPr sz="2400"/>
             </a:lvl1pPr>
-            <a:lvl2pPr marL="457200" indent="0">
-              <a:buNone/>
-              <a:defRPr sz="2800"/>
+            <a:lvl2pPr marL="342900" indent="0">
+              <a:buNone/>
+              <a:defRPr sz="2100"/>
             </a:lvl2pPr>
-            <a:lvl3pPr marL="914400" indent="0">
-              <a:buNone/>
-              <a:defRPr sz="2400"/>
+            <a:lvl3pPr marL="685800" indent="0">
+              <a:buNone/>
+              <a:defRPr sz="1800"/>
             </a:lvl3pPr>
-            <a:lvl4pPr marL="1371600" indent="0">
-              <a:buNone/>
-              <a:defRPr sz="2000"/>
+            <a:lvl4pPr marL="1028700" indent="0">
+              <a:buNone/>
+              <a:defRPr sz="1500"/>
             </a:lvl4pPr>
-            <a:lvl5pPr marL="1828800" indent="0">
-              <a:buNone/>
-              <a:defRPr sz="2000"/>
+            <a:lvl5pPr marL="1371600" indent="0">
+              <a:buNone/>
+              <a:defRPr sz="1500"/>
             </a:lvl5pPr>
-            <a:lvl6pPr marL="2286000" indent="0">
-              <a:buNone/>
-              <a:defRPr sz="2000"/>
+            <a:lvl6pPr marL="1714500" indent="0">
+              <a:buNone/>
+              <a:defRPr sz="1500"/>
             </a:lvl6pPr>
-            <a:lvl7pPr marL="2743200" indent="0">
-              <a:buNone/>
-              <a:defRPr sz="2000"/>
+            <a:lvl7pPr marL="2057400" indent="0">
+              <a:buNone/>
+              <a:defRPr sz="1500"/>
             </a:lvl7pPr>
-            <a:lvl8pPr marL="3200400" indent="0">
-              <a:buNone/>
-              <a:defRPr sz="2000"/>
+            <a:lvl8pPr marL="2400300" indent="0">
+              <a:buNone/>
+              <a:defRPr sz="1500"/>
             </a:lvl8pPr>
-            <a:lvl9pPr marL="3657600" indent="0">
-              <a:buNone/>
-              <a:defRPr sz="2000"/>
+            <a:lvl9pPr marL="2743200" indent="0">
+              <a:buNone/>
+              <a:defRPr sz="1500"/>
             </a:lvl9pPr>
           </a:lstStyle>
           <a:p>
@@ -2467,8 +2448,8 @@
         </p:nvSpPr>
         <p:spPr>
           <a:xfrm>
-            <a:off x="1792288" y="5367338"/>
-            <a:ext cx="5486400" cy="804862"/>
+            <a:off x="1792288" y="4025503"/>
+            <a:ext cx="5486400" cy="603647"/>
           </a:xfrm>
         </p:spPr>
         <p:txBody>
@@ -2476,45 +2457,45 @@
           <a:lstStyle>
             <a:lvl1pPr marL="0" indent="0">
               <a:buNone/>
-              <a:defRPr sz="1400"/>
+              <a:defRPr sz="1050"/>
             </a:lvl1pPr>
-            <a:lvl2pPr marL="457200" indent="0">
-              <a:buNone/>
-              <a:defRPr sz="1200"/>
+            <a:lvl2pPr marL="342900" indent="0">
+              <a:buNone/>
+              <a:defRPr sz="900"/>
             </a:lvl2pPr>
-            <a:lvl3pPr marL="914400" indent="0">
-              <a:buNone/>
-              <a:defRPr sz="1000"/>
+            <a:lvl3pPr marL="685800" indent="0">
+              <a:buNone/>
+              <a:defRPr sz="750"/>
             </a:lvl3pPr>
-            <a:lvl4pPr marL="1371600" indent="0">
-              <a:buNone/>
-              <a:defRPr sz="900"/>
+            <a:lvl4pPr marL="1028700" indent="0">
+              <a:buNone/>
+              <a:defRPr sz="675"/>
             </a:lvl4pPr>
-            <a:lvl5pPr marL="1828800" indent="0">
-              <a:buNone/>
-              <a:defRPr sz="900"/>
+            <a:lvl5pPr marL="1371600" indent="0">
+              <a:buNone/>
+              <a:defRPr sz="675"/>
             </a:lvl5pPr>
-            <a:lvl6pPr marL="2286000" indent="0">
-              <a:buNone/>
-              <a:defRPr sz="900"/>
+            <a:lvl6pPr marL="1714500" indent="0">
+              <a:buNone/>
+              <a:defRPr sz="675"/>
             </a:lvl6pPr>
-            <a:lvl7pPr marL="2743200" indent="0">
-              <a:buNone/>
-              <a:defRPr sz="900"/>
+            <a:lvl7pPr marL="2057400" indent="0">
+              <a:buNone/>
+              <a:defRPr sz="675"/>
             </a:lvl7pPr>
-            <a:lvl8pPr marL="3200400" indent="0">
-              <a:buNone/>
-              <a:defRPr sz="900"/>
+            <a:lvl8pPr marL="2400300" indent="0">
+              <a:buNone/>
+              <a:defRPr sz="675"/>
             </a:lvl8pPr>
-            <a:lvl9pPr marL="3657600" indent="0">
-              <a:buNone/>
-              <a:defRPr sz="900"/>
+            <a:lvl9pPr marL="2743200" indent="0">
+              <a:buNone/>
+              <a:defRPr sz="675"/>
             </a:lvl9pPr>
           </a:lstStyle>
           <a:p>
             <a:pPr lvl="0"/>
             <a:r>
-              <a:rPr lang="en-US" smtClean="0"/>
+              <a:rPr lang="en-US"/>
               <a:t>Click to edit Master text styles</a:t>
             </a:r>
           </a:p>
@@ -2537,7 +2518,7 @@
           <a:p>
             <a:fld id="{241EB5C9-1307-BA42-ABA2-0BC069CD8E7F}" type="datetimeFigureOut">
               <a:rPr lang="en-US" smtClean="0"/>
-              <a:t>4/5/2019</a:t>
+              <a:t>1/2/22</a:t>
             </a:fld>
             <a:endParaRPr lang="en-US"/>
           </a:p>
@@ -2599,7 +2580,7 @@
 </file>
 
 <file path=ppt/slideMasters/slideMaster1.xml><?xml version="1.0" encoding="utf-8"?>
-<p:sldMaster xmlns:a="http://schemas.openxmlformats.org/drawingml/2006/main" xmlns:r="http://schemas.openxmlformats.org/officeDocument/2006/relationships" xmlns:p="http://schemas.openxmlformats.org/presentationml/2006/main">
+<p:sldMaster xmlns:a="http://schemas.openxmlformats.org/drawingml/2006/main" xmlns:p="http://schemas.openxmlformats.org/presentationml/2006/main" xmlns:r="http://schemas.openxmlformats.org/officeDocument/2006/relationships">
   <p:cSld>
     <p:bg>
       <p:bgRef idx="1001">
@@ -2632,24 +2613,23 @@
         </p:nvSpPr>
         <p:spPr>
           <a:xfrm>
-            <a:off x="457200" y="274638"/>
-            <a:ext cx="8229600" cy="1143000"/>
+            <a:off x="457200" y="205979"/>
+            <a:ext cx="8229600" cy="857250"/>
           </a:xfrm>
           <a:prstGeom prst="rect">
             <a:avLst/>
           </a:prstGeom>
         </p:spPr>
         <p:txBody>
-          <a:bodyPr vert="horz" lIns="91440" tIns="45720" rIns="91440" bIns="45720" rtlCol="0" anchor="ctr">
+          <a:bodyPr anchor="ctr" bIns="45720" lIns="91440" rIns="91440" rtlCol="0" tIns="45720" vert="horz">
             <a:normAutofit/>
           </a:bodyPr>
           <a:lstStyle/>
           <a:p>
             <a:r>
-              <a:rPr lang="en-US" smtClean="0"/>
+              <a:rPr lang="en-US"/>
               <a:t>Click to edit Master title style</a:t>
             </a:r>
-            <a:endParaRPr lang="en-US"/>
           </a:p>
         </p:txBody>
       </p:sp>
@@ -2660,58 +2640,57 @@
             <a:spLocks noGrp="1"/>
           </p:cNvSpPr>
           <p:nvPr>
-            <p:ph type="body" idx="1"/>
+            <p:ph idx="1" type="body"/>
           </p:nvPr>
         </p:nvSpPr>
         <p:spPr>
           <a:xfrm>
-            <a:off x="457200" y="1600200"/>
-            <a:ext cx="8229600" cy="4525963"/>
+            <a:off x="457200" y="1200151"/>
+            <a:ext cx="8229600" cy="3394472"/>
           </a:xfrm>
           <a:prstGeom prst="rect">
             <a:avLst/>
           </a:prstGeom>
         </p:spPr>
         <p:txBody>
-          <a:bodyPr vert="horz" lIns="91440" tIns="45720" rIns="91440" bIns="45720" rtlCol="0">
+          <a:bodyPr bIns="45720" lIns="91440" rIns="91440" rtlCol="0" tIns="45720" vert="horz">
             <a:normAutofit/>
           </a:bodyPr>
           <a:lstStyle/>
           <a:p>
             <a:pPr lvl="0"/>
             <a:r>
-              <a:rPr lang="en-US" smtClean="0"/>
+              <a:rPr lang="en-US"/>
               <a:t>Click to edit Master text styles</a:t>
             </a:r>
           </a:p>
           <a:p>
             <a:pPr lvl="1"/>
             <a:r>
-              <a:rPr lang="en-US" smtClean="0"/>
+              <a:rPr lang="en-US"/>
               <a:t>Second level</a:t>
             </a:r>
           </a:p>
           <a:p>
             <a:pPr lvl="2"/>
             <a:r>
-              <a:rPr lang="en-US" smtClean="0"/>
+              <a:rPr lang="en-US"/>
               <a:t>Third level</a:t>
             </a:r>
           </a:p>
           <a:p>
             <a:pPr lvl="3"/>
             <a:r>
-              <a:rPr lang="en-US" smtClean="0"/>
+              <a:rPr lang="en-US"/>
               <a:t>Fourth level</a:t>
             </a:r>
           </a:p>
           <a:p>
             <a:pPr lvl="4"/>
             <a:r>
-              <a:rPr lang="en-US" smtClean="0"/>
+              <a:rPr lang="en-US"/>
               <a:t>Fifth level</a:t>
             </a:r>
-            <a:endParaRPr lang="en-US"/>
           </a:p>
         </p:txBody>
       </p:sp>
@@ -2722,23 +2701,23 @@
             <a:spLocks noGrp="1"/>
           </p:cNvSpPr>
           <p:nvPr>
-            <p:ph type="dt" sz="half" idx="2"/>
+            <p:ph idx="2" sz="half" type="dt"/>
           </p:nvPr>
         </p:nvSpPr>
         <p:spPr>
           <a:xfrm>
-            <a:off x="457200" y="6356350"/>
-            <a:ext cx="2133600" cy="365125"/>
+            <a:off x="457200" y="4767263"/>
+            <a:ext cx="2133600" cy="273844"/>
           </a:xfrm>
           <a:prstGeom prst="rect">
             <a:avLst/>
           </a:prstGeom>
         </p:spPr>
         <p:txBody>
-          <a:bodyPr vert="horz" lIns="91440" tIns="45720" rIns="91440" bIns="45720" rtlCol="0" anchor="ctr"/>
+          <a:bodyPr anchor="ctr" bIns="45720" lIns="91440" rIns="91440" rtlCol="0" tIns="45720" vert="horz"/>
           <a:lstStyle>
             <a:lvl1pPr algn="l">
-              <a:defRPr sz="1200">
+              <a:defRPr sz="900">
                 <a:solidFill>
                   <a:schemeClr val="tx1">
                     <a:tint val="75000"/>
@@ -2750,7 +2729,7 @@
           <a:p>
             <a:fld id="{241EB5C9-1307-BA42-ABA2-0BC069CD8E7F}" type="datetimeFigureOut">
               <a:rPr lang="en-US" smtClean="0"/>
-              <a:t>4/5/2019</a:t>
+              <a:t>1/2/22</a:t>
             </a:fld>
             <a:endParaRPr lang="en-US"/>
           </a:p>
@@ -2763,23 +2742,23 @@
             <a:spLocks noGrp="1"/>
           </p:cNvSpPr>
           <p:nvPr>
-            <p:ph type="ftr" sz="quarter" idx="3"/>
+            <p:ph idx="3" sz="quarter" type="ftr"/>
           </p:nvPr>
         </p:nvSpPr>
         <p:spPr>
           <a:xfrm>
-            <a:off x="3124200" y="6356350"/>
-            <a:ext cx="2895600" cy="365125"/>
+            <a:off x="3124200" y="4767263"/>
+            <a:ext cx="2895600" cy="273844"/>
           </a:xfrm>
           <a:prstGeom prst="rect">
             <a:avLst/>
           </a:prstGeom>
         </p:spPr>
         <p:txBody>
-          <a:bodyPr vert="horz" lIns="91440" tIns="45720" rIns="91440" bIns="45720" rtlCol="0" anchor="ctr"/>
+          <a:bodyPr anchor="ctr" bIns="45720" lIns="91440" rIns="91440" rtlCol="0" tIns="45720" vert="horz"/>
           <a:lstStyle>
             <a:lvl1pPr algn="ctr">
-              <a:defRPr sz="1200">
+              <a:defRPr sz="900">
                 <a:solidFill>
                   <a:schemeClr val="tx1">
                     <a:tint val="75000"/>
@@ -2800,23 +2779,23 @@
             <a:spLocks noGrp="1"/>
           </p:cNvSpPr>
           <p:nvPr>
-            <p:ph type="sldNum" sz="quarter" idx="4"/>
+            <p:ph idx="4" sz="quarter" type="sldNum"/>
           </p:nvPr>
         </p:nvSpPr>
         <p:spPr>
           <a:xfrm>
-            <a:off x="6553200" y="6356350"/>
-            <a:ext cx="2133600" cy="365125"/>
+            <a:off x="6553200" y="4767263"/>
+            <a:ext cx="2133600" cy="273844"/>
           </a:xfrm>
           <a:prstGeom prst="rect">
             <a:avLst/>
           </a:prstGeom>
         </p:spPr>
         <p:txBody>
-          <a:bodyPr vert="horz" lIns="91440" tIns="45720" rIns="91440" bIns="45720" rtlCol="0" anchor="ctr"/>
+          <a:bodyPr anchor="ctr" bIns="45720" lIns="91440" rIns="91440" rtlCol="0" tIns="45720" vert="horz"/>
           <a:lstStyle>
             <a:lvl1pPr algn="r">
-              <a:defRPr sz="1200">
+              <a:defRPr sz="900">
                 <a:solidFill>
                   <a:schemeClr val="tx1">
                     <a:tint val="75000"/>
@@ -2841,7 +2820,7 @@
       </p:ext>
     </p:extLst>
   </p:cSld>
-  <p:clrMap bg1="lt1" tx1="dk1" bg2="lt2" tx2="dk2" accent1="accent1" accent2="accent2" accent3="accent3" accent4="accent4" accent5="accent5" accent6="accent6" hlink="hlink" folHlink="folHlink"/>
+  <p:clrMap accent1="accent1" accent2="accent2" accent3="accent3" accent4="accent4" accent5="accent5" accent6="accent6" bg1="lt1" bg2="lt2" folHlink="folHlink" hlink="hlink" tx1="dk1" tx2="dk2"/>
   <p:sldLayoutIdLst>
     <p:sldLayoutId id="2147483649" r:id="rId1"/>
     <p:sldLayoutId id="2147483650" r:id="rId2"/>
@@ -2857,12 +2836,12 @@
   </p:sldLayoutIdLst>
   <p:txStyles>
     <p:titleStyle>
-      <a:lvl1pPr algn="ctr" defTabSz="457200" rtl="0" eaLnBrk="1" latinLnBrk="0" hangingPunct="1">
+      <a:lvl1pPr algn="ctr" defTabSz="342900" eaLnBrk="1" hangingPunct="1" latinLnBrk="0" rtl="0">
         <a:spcBef>
           <a:spcPct val="0"/>
         </a:spcBef>
         <a:buNone/>
-        <a:defRPr sz="4400" kern="1200">
+        <a:defRPr kern="1200" sz="3300">
           <a:solidFill>
             <a:schemeClr val="tx1"/>
           </a:solidFill>
@@ -2873,13 +2852,13 @@
       </a:lvl1pPr>
     </p:titleStyle>
     <p:bodyStyle>
-      <a:lvl1pPr marL="342900" indent="-342900" algn="l" defTabSz="457200" rtl="0" eaLnBrk="1" latinLnBrk="0" hangingPunct="1">
+      <a:lvl1pPr algn="l" defTabSz="342900" eaLnBrk="1" hangingPunct="1" indent="-342900" latinLnBrk="0" marL="342900" rtl="0">
         <a:spcBef>
           <a:spcPct val="20000"/>
         </a:spcBef>
         <a:buFont typeface="Arial"/>
         <a:buChar char="•"/>
-        <a:defRPr sz="3200" kern="1200">
+        <a:defRPr kern="1200" sz="2400">
           <a:solidFill>
             <a:schemeClr val="tx1"/>
           </a:solidFill>
@@ -2888,13 +2867,13 @@
           <a:cs typeface="+mn-cs"/>
         </a:defRPr>
       </a:lvl1pPr>
-      <a:lvl2pPr marL="742950" indent="-285750" algn="l" defTabSz="457200" rtl="0" eaLnBrk="1" latinLnBrk="0" hangingPunct="1">
+      <a:lvl2pPr algn="l" defTabSz="342900" eaLnBrk="1" hangingPunct="1" indent="-342900" latinLnBrk="0" marL="685800" rtl="0">
         <a:spcBef>
           <a:spcPct val="20000"/>
         </a:spcBef>
         <a:buFont typeface="Arial"/>
         <a:buChar char="–"/>
-        <a:defRPr sz="2800" kern="1200">
+        <a:defRPr kern="1200" sz="2100">
           <a:solidFill>
             <a:schemeClr val="tx1"/>
           </a:solidFill>
@@ -2903,13 +2882,13 @@
           <a:cs typeface="+mn-cs"/>
         </a:defRPr>
       </a:lvl2pPr>
-      <a:lvl3pPr marL="1143000" indent="-228600" algn="l" defTabSz="457200" rtl="0" eaLnBrk="1" latinLnBrk="0" hangingPunct="1">
+      <a:lvl3pPr algn="l" defTabSz="342900" eaLnBrk="1" hangingPunct="1" indent="-342900" latinLnBrk="0" marL="1028700" rtl="0">
         <a:spcBef>
           <a:spcPct val="20000"/>
         </a:spcBef>
         <a:buFont typeface="Arial"/>
         <a:buChar char="•"/>
-        <a:defRPr sz="2400" kern="1200">
+        <a:defRPr kern="1200" sz="1800">
           <a:solidFill>
             <a:schemeClr val="tx1"/>
           </a:solidFill>
@@ -2918,13 +2897,13 @@
           <a:cs typeface="+mn-cs"/>
         </a:defRPr>
       </a:lvl3pPr>
-      <a:lvl4pPr marL="1600200" indent="-228600" algn="l" defTabSz="457200" rtl="0" eaLnBrk="1" latinLnBrk="0" hangingPunct="1">
+      <a:lvl4pPr algn="l" defTabSz="342900" eaLnBrk="1" hangingPunct="1" indent="-342900" latinLnBrk="0" marL="1371600" rtl="0">
         <a:spcBef>
           <a:spcPct val="20000"/>
         </a:spcBef>
         <a:buFont typeface="Arial"/>
         <a:buChar char="–"/>
-        <a:defRPr sz="2000" kern="1200">
+        <a:defRPr kern="1200" sz="1500">
           <a:solidFill>
             <a:schemeClr val="tx1"/>
           </a:solidFill>
@@ -2933,13 +2912,13 @@
           <a:cs typeface="+mn-cs"/>
         </a:defRPr>
       </a:lvl4pPr>
-      <a:lvl5pPr marL="2057400" indent="-228600" algn="l" defTabSz="457200" rtl="0" eaLnBrk="1" latinLnBrk="0" hangingPunct="1">
+      <a:lvl5pPr algn="l" defTabSz="342900" eaLnBrk="1" hangingPunct="1" indent="-342900" latinLnBrk="0" marL="1714500" rtl="0">
         <a:spcBef>
           <a:spcPct val="20000"/>
         </a:spcBef>
         <a:buFont typeface="Arial"/>
         <a:buChar char="»"/>
-        <a:defRPr sz="2000" kern="1200">
+        <a:defRPr kern="1200" sz="1500">
           <a:solidFill>
             <a:schemeClr val="tx1"/>
           </a:solidFill>
@@ -2948,13 +2927,13 @@
           <a:cs typeface="+mn-cs"/>
         </a:defRPr>
       </a:lvl5pPr>
-      <a:lvl6pPr marL="2514600" indent="-228600" algn="l" defTabSz="457200" rtl="0" eaLnBrk="1" latinLnBrk="0" hangingPunct="1">
+      <a:lvl6pPr algn="l" defTabSz="342900" eaLnBrk="1" hangingPunct="1" indent="-342900" latinLnBrk="0" marL="2057400" rtl="0">
         <a:spcBef>
           <a:spcPct val="20000"/>
         </a:spcBef>
         <a:buFont typeface="Arial"/>
         <a:buChar char="•"/>
-        <a:defRPr sz="2000" kern="1200">
+        <a:defRPr kern="1200" sz="1500">
           <a:solidFill>
             <a:schemeClr val="tx1"/>
           </a:solidFill>
@@ -2963,13 +2942,13 @@
           <a:cs typeface="+mn-cs"/>
         </a:defRPr>
       </a:lvl6pPr>
-      <a:lvl7pPr marL="2971800" indent="-228600" algn="l" defTabSz="457200" rtl="0" eaLnBrk="1" latinLnBrk="0" hangingPunct="1">
+      <a:lvl7pPr algn="l" defTabSz="342900" eaLnBrk="1" hangingPunct="1" indent="-342900" latinLnBrk="0" marL="2400300" rtl="0">
         <a:spcBef>
           <a:spcPct val="20000"/>
         </a:spcBef>
         <a:buFont typeface="Arial"/>
         <a:buChar char="•"/>
-        <a:defRPr sz="2000" kern="1200">
+        <a:defRPr kern="1200" sz="1500">
           <a:solidFill>
             <a:schemeClr val="tx1"/>
           </a:solidFill>
@@ -2978,13 +2957,13 @@
           <a:cs typeface="+mn-cs"/>
         </a:defRPr>
       </a:lvl7pPr>
-      <a:lvl8pPr marL="3429000" indent="-228600" algn="l" defTabSz="457200" rtl="0" eaLnBrk="1" latinLnBrk="0" hangingPunct="1">
+      <a:lvl8pPr algn="l" defTabSz="342900" eaLnBrk="1" hangingPunct="1" indent="-342900" latinLnBrk="0" marL="2743200" rtl="0">
         <a:spcBef>
           <a:spcPct val="20000"/>
         </a:spcBef>
         <a:buFont typeface="Arial"/>
         <a:buChar char="•"/>
-        <a:defRPr sz="2000" kern="1200">
+        <a:defRPr kern="1200" sz="1500">
           <a:solidFill>
             <a:schemeClr val="tx1"/>
           </a:solidFill>
@@ -2993,13 +2972,13 @@
           <a:cs typeface="+mn-cs"/>
         </a:defRPr>
       </a:lvl8pPr>
-      <a:lvl9pPr marL="3886200" indent="-228600" algn="l" defTabSz="457200" rtl="0" eaLnBrk="1" latinLnBrk="0" hangingPunct="1">
+      <a:lvl9pPr algn="l" defTabSz="342900" eaLnBrk="1" hangingPunct="1" indent="-342900" latinLnBrk="0" marL="3086100" rtl="0">
         <a:spcBef>
           <a:spcPct val="20000"/>
         </a:spcBef>
         <a:buFont typeface="Arial"/>
         <a:buChar char="•"/>
-        <a:defRPr sz="2000" kern="1200">
+        <a:defRPr kern="1200" sz="1500">
           <a:solidFill>
             <a:schemeClr val="tx1"/>
           </a:solidFill>
@@ -3013,8 +2992,8 @@
       <a:defPPr>
         <a:defRPr lang="en-US"/>
       </a:defPPr>
-      <a:lvl1pPr marL="0" algn="l" defTabSz="457200" rtl="0" eaLnBrk="1" latinLnBrk="0" hangingPunct="1">
-        <a:defRPr sz="1800" kern="1200">
+      <a:lvl1pPr algn="l" defTabSz="342900" eaLnBrk="1" hangingPunct="1" latinLnBrk="0" marL="0" rtl="0">
+        <a:defRPr kern="1200" sz="1350">
           <a:solidFill>
             <a:schemeClr val="tx1"/>
           </a:solidFill>
@@ -3023,8 +3002,8 @@
           <a:cs typeface="+mn-cs"/>
         </a:defRPr>
       </a:lvl1pPr>
-      <a:lvl2pPr marL="457200" algn="l" defTabSz="457200" rtl="0" eaLnBrk="1" latinLnBrk="0" hangingPunct="1">
-        <a:defRPr sz="1800" kern="1200">
+      <a:lvl2pPr algn="l" defTabSz="342900" eaLnBrk="1" hangingPunct="1" latinLnBrk="0" marL="342900" rtl="0">
+        <a:defRPr kern="1200" sz="1350">
           <a:solidFill>
             <a:schemeClr val="tx1"/>
           </a:solidFill>
@@ -3033,8 +3012,8 @@
           <a:cs typeface="+mn-cs"/>
         </a:defRPr>
       </a:lvl2pPr>
-      <a:lvl3pPr marL="914400" algn="l" defTabSz="457200" rtl="0" eaLnBrk="1" latinLnBrk="0" hangingPunct="1">
-        <a:defRPr sz="1800" kern="1200">
+      <a:lvl3pPr algn="l" defTabSz="342900" eaLnBrk="1" hangingPunct="1" latinLnBrk="0" marL="685800" rtl="0">
+        <a:defRPr kern="1200" sz="1350">
           <a:solidFill>
             <a:schemeClr val="tx1"/>
           </a:solidFill>
@@ -3043,8 +3022,8 @@
           <a:cs typeface="+mn-cs"/>
         </a:defRPr>
       </a:lvl3pPr>
-      <a:lvl4pPr marL="1371600" algn="l" defTabSz="457200" rtl="0" eaLnBrk="1" latinLnBrk="0" hangingPunct="1">
-        <a:defRPr sz="1800" kern="1200">
+      <a:lvl4pPr algn="l" defTabSz="342900" eaLnBrk="1" hangingPunct="1" latinLnBrk="0" marL="1028700" rtl="0">
+        <a:defRPr kern="1200" sz="1350">
           <a:solidFill>
             <a:schemeClr val="tx1"/>
           </a:solidFill>
@@ -3053,8 +3032,8 @@
           <a:cs typeface="+mn-cs"/>
         </a:defRPr>
       </a:lvl4pPr>
-      <a:lvl5pPr marL="1828800" algn="l" defTabSz="457200" rtl="0" eaLnBrk="1" latinLnBrk="0" hangingPunct="1">
-        <a:defRPr sz="1800" kern="1200">
+      <a:lvl5pPr algn="l" defTabSz="342900" eaLnBrk="1" hangingPunct="1" latinLnBrk="0" marL="1371600" rtl="0">
+        <a:defRPr kern="1200" sz="1350">
           <a:solidFill>
             <a:schemeClr val="tx1"/>
           </a:solidFill>
@@ -3063,8 +3042,8 @@
           <a:cs typeface="+mn-cs"/>
         </a:defRPr>
       </a:lvl5pPr>
-      <a:lvl6pPr marL="2286000" algn="l" defTabSz="457200" rtl="0" eaLnBrk="1" latinLnBrk="0" hangingPunct="1">
-        <a:defRPr sz="1800" kern="1200">
+      <a:lvl6pPr algn="l" defTabSz="342900" eaLnBrk="1" hangingPunct="1" latinLnBrk="0" marL="1714500" rtl="0">
+        <a:defRPr kern="1200" sz="1350">
           <a:solidFill>
             <a:schemeClr val="tx1"/>
           </a:solidFill>
@@ -3073,8 +3052,8 @@
           <a:cs typeface="+mn-cs"/>
         </a:defRPr>
       </a:lvl6pPr>
-      <a:lvl7pPr marL="2743200" algn="l" defTabSz="457200" rtl="0" eaLnBrk="1" latinLnBrk="0" hangingPunct="1">
-        <a:defRPr sz="1800" kern="1200">
+      <a:lvl7pPr algn="l" defTabSz="342900" eaLnBrk="1" hangingPunct="1" latinLnBrk="0" marL="2057400" rtl="0">
+        <a:defRPr kern="1200" sz="1350">
           <a:solidFill>
             <a:schemeClr val="tx1"/>
           </a:solidFill>
@@ -3083,8 +3062,8 @@
           <a:cs typeface="+mn-cs"/>
         </a:defRPr>
       </a:lvl7pPr>
-      <a:lvl8pPr marL="3200400" algn="l" defTabSz="457200" rtl="0" eaLnBrk="1" latinLnBrk="0" hangingPunct="1">
-        <a:defRPr sz="1800" kern="1200">
+      <a:lvl8pPr algn="l" defTabSz="342900" eaLnBrk="1" hangingPunct="1" latinLnBrk="0" marL="2400300" rtl="0">
+        <a:defRPr kern="1200" sz="1350">
           <a:solidFill>
             <a:schemeClr val="tx1"/>
           </a:solidFill>
@@ -3093,8 +3072,8 @@
           <a:cs typeface="+mn-cs"/>
         </a:defRPr>
       </a:lvl8pPr>
-      <a:lvl9pPr marL="3657600" algn="l" defTabSz="457200" rtl="0" eaLnBrk="1" latinLnBrk="0" hangingPunct="1">
-        <a:defRPr sz="1800" kern="1200">
+      <a:lvl9pPr algn="l" defTabSz="342900" eaLnBrk="1" hangingPunct="1" latinLnBrk="0" marL="2743200" rtl="0">
+        <a:defRPr kern="1200" sz="1350">
           <a:solidFill>
             <a:schemeClr val="tx1"/>
           </a:solidFill>
@@ -3137,28 +3116,20 @@
         </p:nvSpPr>
         <p:spPr>
           <a:xfrm>
-            <a:off x="685800" y="2130425"/>
-            <a:ext cx="7772400" cy="1470025"/>
+            <a:off x="685800" y="1597819"/>
+            <a:ext cx="7772400" cy="1102519"/>
           </a:xfrm>
         </p:spPr>
         <p:txBody>
           <a:bodyPr/>
           <a:lstStyle/>
           <a:p>
-            <a:pPr lvl="0" marL="0" indent="0">
+            <a:pPr lvl="0" indent="0" marL="0">
               <a:buNone/>
             </a:pPr>
             <a:r>
               <a:rPr/>
-              <a:t>Microfrontend</a:t>
-            </a:r>
-            <a:r>
-              <a:rPr/>
-              <a:t> </a:t>
-            </a:r>
-            <a:r>
-              <a:rPr/>
-              <a:t>(instrumenting)</a:t>
+              <a:t>Microfrontend (instrumenting)</a:t>
             </a:r>
           </a:p>
         </p:txBody>
@@ -3170,20 +3141,20 @@
             <a:spLocks noGrp="1"/>
           </p:cNvSpPr>
           <p:nvPr>
-            <p:ph type="subTitle" idx="1"/>
+            <p:ph idx="1" type="subTitle"/>
           </p:nvPr>
         </p:nvSpPr>
         <p:spPr>
           <a:xfrm>
-            <a:off x="1371600" y="3886200"/>
-            <a:ext cx="6400800" cy="1752600"/>
+            <a:off x="1371600" y="2914650"/>
+            <a:ext cx="6400800" cy="1314450"/>
           </a:xfrm>
         </p:spPr>
         <p:txBody>
           <a:bodyPr/>
           <a:lstStyle/>
           <a:p>
-            <a:pPr lvl="0" marL="0" indent="0">
+            <a:pPr lvl="0" indent="0" marL="0">
               <a:buNone/>
             </a:pPr>
             <a:br/>
@@ -3228,36 +3199,12 @@
           <a:bodyPr/>
           <a:lstStyle/>
           <a:p>
-            <a:pPr lvl="0" marL="0" indent="0">
+            <a:pPr lvl="0" indent="0" marL="0">
               <a:buNone/>
             </a:pPr>
             <a:r>
               <a:rPr/>
-              <a:t>Even</a:t>
-            </a:r>
-            <a:r>
-              <a:rPr/>
-              <a:t> </a:t>
-            </a:r>
-            <a:r>
-              <a:rPr/>
-              <a:t>into</a:t>
-            </a:r>
-            <a:r>
-              <a:rPr/>
-              <a:t> </a:t>
-            </a:r>
-            <a:r>
-              <a:rPr/>
-              <a:t>legacy</a:t>
-            </a:r>
-            <a:r>
-              <a:rPr/>
-              <a:t> </a:t>
-            </a:r>
-            <a:r>
-              <a:rPr/>
-              <a:t>apps</a:t>
+              <a:t>Even into legacy apps</a:t>
             </a:r>
           </a:p>
         </p:txBody>
@@ -3277,21 +3224,21 @@
           <a:bodyPr/>
           <a:lstStyle/>
           <a:p>
-            <a:pPr lvl="1"/>
+            <a:pPr lvl="0"/>
             <a:r>
               <a:rPr/>
               <a:t>retrieve with wget -r</a:t>
             </a:r>
           </a:p>
           <a:p>
-            <a:pPr lvl="1"/>
+            <a:pPr lvl="0"/>
             <a:r>
               <a:rPr/>
               <a:t>build with figma and TeleportHQ</a:t>
             </a:r>
           </a:p>
           <a:p>
-            <a:pPr lvl="1"/>
+            <a:pPr lvl="0"/>
             <a:r>
               <a:rPr/>
               <a:t>or with something like Rails, Django or Symphony</a:t>
@@ -3336,28 +3283,12 @@
           <a:bodyPr/>
           <a:lstStyle/>
           <a:p>
-            <a:pPr lvl="0" marL="0" indent="0">
+            <a:pPr lvl="0" indent="0" marL="0">
               <a:buNone/>
             </a:pPr>
             <a:r>
               <a:rPr/>
-              <a:t>Monitoring</a:t>
-            </a:r>
-            <a:r>
-              <a:rPr/>
-              <a:t> </a:t>
-            </a:r>
-            <a:r>
-              <a:rPr/>
-              <a:t>and</a:t>
-            </a:r>
-            <a:r>
-              <a:rPr/>
-              <a:t> </a:t>
-            </a:r>
-            <a:r>
-              <a:rPr/>
-              <a:t>Logging</a:t>
+              <a:t>Monitoring and Logging</a:t>
             </a:r>
           </a:p>
         </p:txBody>
@@ -3377,35 +3308,35 @@
           <a:bodyPr/>
           <a:lstStyle/>
           <a:p>
-            <a:pPr lvl="1"/>
+            <a:pPr lvl="0"/>
             <a:r>
               <a:rPr/>
               <a:t>so important with autonomous teams</a:t>
             </a:r>
           </a:p>
           <a:p>
-            <a:pPr lvl="1"/>
+            <a:pPr lvl="0"/>
             <a:r>
               <a:rPr/>
               <a:t>the devOps group may be the only ones who see the whole application</a:t>
             </a:r>
           </a:p>
           <a:p>
-            <a:pPr lvl="1"/>
+            <a:pPr lvl="0"/>
             <a:r>
               <a:rPr/>
               <a:t>important to get the repository path as the service.name</a:t>
             </a:r>
           </a:p>
           <a:p>
-            <a:pPr lvl="1"/>
+            <a:pPr lvl="0"/>
             <a:r>
               <a:rPr/>
               <a:t>very important to get the commit hash</a:t>
             </a:r>
           </a:p>
           <a:p>
-            <a:pPr lvl="1"/>
+            <a:pPr lvl="0"/>
             <a:r>
               <a:rPr/>
               <a:t>monitoring and logging can take away some of the passion about what code belongs to which autonomous team</a:t>
@@ -3450,36 +3381,12 @@
           <a:bodyPr/>
           <a:lstStyle/>
           <a:p>
-            <a:pPr lvl="0" marL="0" indent="0">
+            <a:pPr lvl="0" indent="0" marL="0">
               <a:buNone/>
             </a:pPr>
             <a:r>
               <a:rPr/>
-              <a:t>The</a:t>
-            </a:r>
-            <a:r>
-              <a:rPr/>
-              <a:t> </a:t>
-            </a:r>
-            <a:r>
-              <a:rPr/>
-              <a:t>article</a:t>
-            </a:r>
-            <a:r>
-              <a:rPr/>
-              <a:t> </a:t>
-            </a:r>
-            <a:r>
-              <a:rPr/>
-              <a:t>last</a:t>
-            </a:r>
-            <a:r>
-              <a:rPr/>
-              <a:t> </a:t>
-            </a:r>
-            <a:r>
-              <a:rPr/>
-              <a:t>week</a:t>
+              <a:t>The article last week</a:t>
             </a:r>
           </a:p>
         </p:txBody>
@@ -3502,8 +3409,8 @@
         </p:blipFill>
         <p:spPr bwMode="auto">
           <a:xfrm>
-            <a:off x="1562100" y="1600200"/>
-            <a:ext cx="6019800" cy="4013200"/>
+            <a:off x="2413000" y="1193800"/>
+            <a:ext cx="4318000" cy="2882900"/>
           </a:xfrm>
           <a:prstGeom prst="rect">
             <a:avLst/>
@@ -3524,7 +3431,7 @@
         </p:nvSpPr>
         <p:spPr>
           <a:xfrm>
-            <a:off x="457200" y="5613400"/>
+            <a:off x="457200" y="4076700"/>
             <a:ext cx="8229600" cy="508000"/>
           </a:xfrm>
           <a:prstGeom prst="rect">
@@ -3536,44 +3443,12 @@
           <a:bodyPr/>
           <a:lstStyle/>
           <a:p>
-            <a:pPr lvl="0" marL="0" indent="0" algn="ctr">
+            <a:pPr lvl="0" indent="0" marL="0" algn="ctr">
               <a:buNone/>
             </a:pPr>
             <a:r>
               <a:rPr/>
-              <a:t>had</a:t>
-            </a:r>
-            <a:r>
-              <a:rPr/>
-              <a:t> </a:t>
-            </a:r>
-            <a:r>
-              <a:rPr/>
-              <a:t>something</a:t>
-            </a:r>
-            <a:r>
-              <a:rPr/>
-              <a:t> </a:t>
-            </a:r>
-            <a:r>
-              <a:rPr/>
-              <a:t>on</a:t>
-            </a:r>
-            <a:r>
-              <a:rPr/>
-              <a:t> </a:t>
-            </a:r>
-            <a:r>
-              <a:rPr/>
-              <a:t>distributed</a:t>
-            </a:r>
-            <a:r>
-              <a:rPr/>
-              <a:t> </a:t>
-            </a:r>
-            <a:r>
-              <a:rPr/>
-              <a:t>tracing</a:t>
+              <a:t>had something on distributed tracing</a:t>
             </a:r>
           </a:p>
         </p:txBody>
@@ -3615,36 +3490,12 @@
           <a:bodyPr/>
           <a:lstStyle/>
           <a:p>
-            <a:pPr lvl="0" marL="0" indent="0">
+            <a:pPr lvl="0" indent="0" marL="0">
               <a:buNone/>
             </a:pPr>
             <a:r>
               <a:rPr/>
-              <a:t>Correlating</a:t>
-            </a:r>
-            <a:r>
-              <a:rPr/>
-              <a:t> </a:t>
-            </a:r>
-            <a:r>
-              <a:rPr/>
-              <a:t>Traces</a:t>
-            </a:r>
-            <a:r>
-              <a:rPr/>
-              <a:t> </a:t>
-            </a:r>
-            <a:r>
-              <a:rPr/>
-              <a:t>Across</a:t>
-            </a:r>
-            <a:r>
-              <a:rPr/>
-              <a:t> </a:t>
-            </a:r>
-            <a:r>
-              <a:rPr/>
-              <a:t>Microservices</a:t>
+              <a:t>Correlating Traces Across Microservices</a:t>
             </a:r>
           </a:p>
         </p:txBody>
@@ -3664,7 +3515,7 @@
           <a:bodyPr/>
           <a:lstStyle/>
           <a:p>
-            <a:pPr lvl="1"/>
+            <a:pPr lvl="0"/>
             <a:r>
               <a:rPr/>
               <a:t>also important with Microfrontends</a:t>
@@ -3675,10 +3526,34 @@
               <a:buNone/>
             </a:pPr>
             <a:r>
-              <a:rPr>
-                <a:latin typeface="Courier"/>
-              </a:rPr>
-              <a:t>from opentelemetry.propagate import extract, inject</a:t>
+              <a:rPr b="1">
+                <a:solidFill>
+                  <a:srgbClr val="008000"/>
+                </a:solidFill>
+                <a:latin typeface="Courier"/>
+              </a:rPr>
+              <a:t>from</a:t>
+            </a:r>
+            <a:r>
+              <a:rPr>
+                <a:latin typeface="Courier"/>
+              </a:rPr>
+              <a:t> opentelemetry.propagate </a:t>
+            </a:r>
+            <a:r>
+              <a:rPr b="1">
+                <a:solidFill>
+                  <a:srgbClr val="008000"/>
+                </a:solidFill>
+                <a:latin typeface="Courier"/>
+              </a:rPr>
+              <a:t>import</a:t>
+            </a:r>
+            <a:r>
+              <a:rPr>
+                <a:latin typeface="Courier"/>
+              </a:rPr>
+              <a:t> extract, inject</a:t>
             </a:r>
             <a:br/>
             <a:r>
@@ -3801,7 +3676,7 @@
           <a:bodyPr/>
           <a:lstStyle/>
           <a:p>
-            <a:pPr lvl="0" marL="0" indent="0">
+            <a:pPr lvl="0" indent="0" marL="0">
               <a:buNone/>
             </a:pPr>
             <a:r>
@@ -3826,21 +3701,21 @@
           <a:bodyPr/>
           <a:lstStyle/>
           <a:p>
-            <a:pPr lvl="1"/>
+            <a:pPr lvl="0"/>
             <a:r>
               <a:rPr/>
               <a:t>traces system calls of a particular process</a:t>
             </a:r>
           </a:p>
           <a:p>
-            <a:pPr lvl="1"/>
+            <a:pPr lvl="0"/>
             <a:r>
               <a:rPr/>
               <a:t>with autonomous teams and microfrontends we need to trace across processes</a:t>
             </a:r>
           </a:p>
           <a:p>
-            <a:pPr lvl="1"/>
+            <a:pPr lvl="0"/>
             <a:r>
               <a:rPr/>
               <a:t>opentelemetry lets us do that in a way that we can really add value beyond predictability to our companies</a:t>
@@ -3885,28 +3760,12 @@
           <a:bodyPr/>
           <a:lstStyle/>
           <a:p>
-            <a:pPr lvl="0" marL="0" indent="0">
+            <a:pPr lvl="0" indent="0" marL="0">
               <a:buNone/>
             </a:pPr>
             <a:r>
               <a:rPr/>
-              <a:t>This</a:t>
-            </a:r>
-            <a:r>
-              <a:rPr/>
-              <a:t> </a:t>
-            </a:r>
-            <a:r>
-              <a:rPr/>
-              <a:t>week’s</a:t>
-            </a:r>
-            <a:r>
-              <a:rPr/>
-              <a:t> </a:t>
-            </a:r>
-            <a:r>
-              <a:rPr/>
-              <a:t>activity</a:t>
+              <a:t>This week’s activity</a:t>
             </a:r>
           </a:p>
         </p:txBody>
@@ -3926,7 +3785,7 @@
           <a:bodyPr/>
           <a:lstStyle/>
           <a:p>
-            <a:pPr lvl="1"/>
+            <a:pPr lvl="0"/>
             <a:r>
               <a:rPr/>
               <a:t>to instrument the </a:t>
@@ -3943,7 +3802,7 @@
             </a:r>
           </a:p>
           <a:p>
-            <a:pPr lvl="1"/>
+            <a:pPr lvl="0"/>
             <a:r>
               <a:rPr/>
               <a:t>add signoz to your project like in </a:t>
@@ -3956,7 +3815,7 @@
             </a:r>
           </a:p>
           <a:p>
-            <a:pPr lvl="1"/>
+            <a:pPr lvl="0"/>
             <a:r>
               <a:rPr/>
               <a:t>you do not need to worry about logging on the </a:t>
@@ -3969,7 +3828,7 @@
             </a:r>
           </a:p>
           <a:p>
-            <a:pPr lvl="1"/>
+            <a:pPr lvl="0"/>
             <a:r>
               <a:rPr/>
               <a:t>that’s what next week’s activity will be about</a:t>
@@ -4014,7 +3873,7 @@
           <a:bodyPr/>
           <a:lstStyle/>
           <a:p>
-            <a:pPr lvl="0" marL="0" indent="0">
+            <a:pPr lvl="0" indent="0" marL="0">
               <a:buNone/>
             </a:pPr>
             <a:r>
@@ -4039,7 +3898,7 @@
           <a:bodyPr/>
           <a:lstStyle/>
           <a:p>
-            <a:pPr lvl="1"/>
+            <a:pPr lvl="0"/>
             <a:r>
               <a:rPr/>
               <a:t>Review </a:t>
@@ -4052,7 +3911,7 @@
             </a:r>
           </a:p>
           <a:p>
-            <a:pPr lvl="1"/>
+            <a:pPr lvl="0"/>
             <a:r>
               <a:rPr/>
               <a:t>Look at </a:t>
@@ -4065,14 +3924,14 @@
             </a:r>
           </a:p>
           <a:p>
-            <a:pPr lvl="1"/>
+            <a:pPr lvl="0"/>
             <a:r>
               <a:rPr/>
               <a:t>Microfrontend talk</a:t>
             </a:r>
           </a:p>
           <a:p>
-            <a:pPr lvl="1"/>
+            <a:pPr lvl="0"/>
             <a:r>
               <a:rPr/>
               <a:t>Initial demo of activity</a:t>
@@ -4117,20 +3976,12 @@
           <a:bodyPr/>
           <a:lstStyle/>
           <a:p>
-            <a:pPr lvl="0" marL="0" indent="0">
+            <a:pPr lvl="0" indent="0" marL="0">
               <a:buNone/>
             </a:pPr>
             <a:r>
               <a:rPr/>
-              <a:t>Learning</a:t>
-            </a:r>
-            <a:r>
-              <a:rPr/>
-              <a:t> </a:t>
-            </a:r>
-            <a:r>
-              <a:rPr/>
-              <a:t>Outcomes</a:t>
+              <a:t>Learning Outcomes</a:t>
             </a:r>
           </a:p>
         </p:txBody>
@@ -4150,21 +4001,21 @@
           <a:bodyPr/>
           <a:lstStyle/>
           <a:p>
-            <a:pPr lvl="1"/>
+            <a:pPr lvl="0"/>
             <a:r>
               <a:rPr/>
               <a:t>Interpret information from logs to reproduce and resolve problems.</a:t>
             </a:r>
           </a:p>
           <a:p>
-            <a:pPr lvl="1"/>
+            <a:pPr lvl="0"/>
             <a:r>
               <a:rPr/>
               <a:t>Measure REDS metrics in a microservice by adding and incrementing the appropriate counters.</a:t>
             </a:r>
           </a:p>
           <a:p>
-            <a:pPr lvl="1"/>
+            <a:pPr lvl="0"/>
             <a:r>
               <a:rPr/>
               <a:t>Determine metrics from the point of view of the customer from a micro-frontend</a:t>
@@ -4209,44 +4060,12 @@
           <a:bodyPr/>
           <a:lstStyle/>
           <a:p>
-            <a:pPr lvl="0" marL="0" indent="0">
+            <a:pPr lvl="0" indent="0" marL="0">
               <a:buNone/>
             </a:pPr>
             <a:r>
               <a:rPr/>
-              <a:t>Analysis</a:t>
-            </a:r>
-            <a:r>
-              <a:rPr/>
-              <a:t> </a:t>
-            </a:r>
-            <a:r>
-              <a:rPr/>
-              <a:t>with</a:t>
-            </a:r>
-            <a:r>
-              <a:rPr/>
-              <a:t> </a:t>
-            </a:r>
-            <a:r>
-              <a:rPr/>
-              <a:t>signoz</a:t>
-            </a:r>
-            <a:r>
-              <a:rPr/>
-              <a:t> </a:t>
-            </a:r>
-            <a:r>
-              <a:rPr/>
-              <a:t>and</a:t>
-            </a:r>
-            <a:r>
-              <a:rPr/>
-              <a:t> </a:t>
-            </a:r>
-            <a:r>
-              <a:rPr/>
-              <a:t>fastapi</a:t>
+              <a:t>Analysis with signoz and fastapi</a:t>
             </a:r>
           </a:p>
         </p:txBody>
@@ -4266,7 +4085,7 @@
           <a:bodyPr/>
           <a:lstStyle/>
           <a:p>
-            <a:pPr lvl="1"/>
+            <a:pPr lvl="0"/>
             <a:r>
               <a:rPr/>
               <a:t>today’s microfrontend is based on </a:t>
@@ -4279,21 +4098,21 @@
             </a:r>
           </a:p>
           <a:p>
-            <a:pPr lvl="1"/>
+            <a:pPr lvl="0"/>
             <a:r>
               <a:rPr/>
               <a:t>Hopefully you are comfortable with viewing metrics, logs and traces in signoz</a:t>
             </a:r>
           </a:p>
           <a:p>
-            <a:pPr lvl="1"/>
+            <a:pPr lvl="0"/>
             <a:r>
               <a:rPr/>
               <a:t>the app last week was in the /app folder</a:t>
             </a:r>
           </a:p>
           <a:p>
-            <a:pPr lvl="1"/>
+            <a:pPr lvl="0"/>
             <a:r>
               <a:rPr/>
               <a:t>this week the app is </a:t>
@@ -4306,7 +4125,7 @@
             </a:r>
           </a:p>
           <a:p>
-            <a:pPr lvl="1"/>
+            <a:pPr lvl="0"/>
             <a:r>
               <a:rPr/>
               <a:t>please instrument it and run as in the other lab once you are comfortable with what it does.</a:t>
@@ -4351,36 +4170,12 @@
           <a:bodyPr/>
           <a:lstStyle/>
           <a:p>
-            <a:pPr lvl="0" marL="0" indent="0">
+            <a:pPr lvl="0" indent="0" marL="0">
               <a:buNone/>
             </a:pPr>
             <a:r>
               <a:rPr/>
-              <a:t>Instrumenting</a:t>
-            </a:r>
-            <a:r>
-              <a:rPr/>
-              <a:t> </a:t>
-            </a:r>
-            <a:r>
-              <a:rPr/>
-              <a:t>front</a:t>
-            </a:r>
-            <a:r>
-              <a:rPr/>
-              <a:t> </a:t>
-            </a:r>
-            <a:r>
-              <a:rPr/>
-              <a:t>end</a:t>
-            </a:r>
-            <a:r>
-              <a:rPr/>
-              <a:t> </a:t>
-            </a:r>
-            <a:r>
-              <a:rPr/>
-              <a:t>code</a:t>
+              <a:t>Instrumenting front end code</a:t>
             </a:r>
           </a:p>
         </p:txBody>
@@ -4400,7 +4195,7 @@
           <a:bodyPr/>
           <a:lstStyle/>
           <a:p>
-            <a:pPr lvl="1"/>
+            <a:pPr lvl="0"/>
             <a:r>
               <a:rPr/>
               <a:t>while preparing, I did this </a:t>
@@ -4417,7 +4212,7 @@
             </a:r>
           </a:p>
           <a:p>
-            <a:pPr lvl="1"/>
+            <a:pPr lvl="0"/>
             <a:r>
               <a:rPr/>
               <a:t>this is based on a </a:t>
@@ -4434,7 +4229,7 @@
             </a:r>
           </a:p>
           <a:p>
-            <a:pPr lvl="1"/>
+            <a:pPr lvl="0"/>
             <a:r>
               <a:rPr/>
               <a:t>the javascript code for this project is in </a:t>
@@ -4447,7 +4242,7 @@
             </a:r>
           </a:p>
           <a:p>
-            <a:pPr lvl="1"/>
+            <a:pPr lvl="0"/>
             <a:r>
               <a:rPr/>
               <a:t>please instrument it and run as in the other lab once you are comfortable with what it does.</a:t>
@@ -4492,7 +4287,7 @@
           <a:bodyPr/>
           <a:lstStyle/>
           <a:p>
-            <a:pPr lvl="0" marL="0" indent="0">
+            <a:pPr lvl="0" indent="0" marL="0">
               <a:buNone/>
             </a:pPr>
             <a:r>
@@ -4517,21 +4312,21 @@
           <a:bodyPr/>
           <a:lstStyle/>
           <a:p>
-            <a:pPr lvl="1"/>
+            <a:pPr lvl="0"/>
             <a:r>
               <a:rPr/>
               <a:t>for autonomous teams to develop software that can then be composed in to an application</a:t>
             </a:r>
           </a:p>
           <a:p>
-            <a:pPr lvl="1"/>
+            <a:pPr lvl="0"/>
             <a:r>
               <a:rPr/>
               <a:t>reduce coupling!</a:t>
             </a:r>
           </a:p>
           <a:p>
-            <a:pPr lvl="1"/>
+            <a:pPr lvl="0"/>
             <a:r>
               <a:rPr/>
               <a:t>Martin Fowler wrote about this is </a:t>
@@ -4544,14 +4339,14 @@
             </a:r>
           </a:p>
           <a:p>
-            <a:pPr lvl="1"/>
+            <a:pPr lvl="0"/>
             <a:r>
               <a:rPr/>
               <a:t>the holy grail of distributed systems</a:t>
             </a:r>
           </a:p>
           <a:p>
-            <a:pPr lvl="1"/>
+            <a:pPr lvl="0"/>
             <a:r>
               <a:rPr/>
               <a:t>not as well adopted as one would hope for</a:t>
@@ -4596,7 +4391,7 @@
           <a:bodyPr/>
           <a:lstStyle/>
           <a:p>
-            <a:pPr lvl="0" marL="0" indent="0">
+            <a:pPr lvl="0" indent="0" marL="0">
               <a:buNone/>
             </a:pPr>
             <a:r>
@@ -4621,14 +4416,14 @@
           <a:bodyPr/>
           <a:lstStyle/>
           <a:p>
-            <a:pPr lvl="1"/>
+            <a:pPr lvl="0"/>
             <a:r>
               <a:rPr/>
               <a:t>micro frontends have custom elements for their autonomous user interfaces</a:t>
             </a:r>
           </a:p>
           <a:p>
-            <a:pPr lvl="1"/>
+            <a:pPr lvl="0"/>
             <a:r>
               <a:rPr/>
               <a:t>a custom element extends a HTMLElement to implement a particular new tag</a:t>
@@ -4666,7 +4461,22 @@
               <a:rPr>
                 <a:latin typeface="Courier"/>
               </a:rPr>
-              <a:t> HTMLElement {</a:t>
+              <a:t> </a:t>
+            </a:r>
+            <a:r>
+              <a:rPr>
+                <a:solidFill>
+                  <a:srgbClr val="008000"/>
+                </a:solidFill>
+                <a:latin typeface="Courier"/>
+              </a:rPr>
+              <a:t>HTMLElement</a:t>
+            </a:r>
+            <a:r>
+              <a:rPr>
+                <a:latin typeface="Courier"/>
+              </a:rPr>
+              <a:t> {</a:t>
             </a:r>
             <a:br/>
             <a:r>
@@ -4758,7 +4568,22 @@
               <a:rPr>
                 <a:latin typeface="Courier"/>
               </a:rPr>
-              <a:t> Date()</a:t>
+              <a:t> </a:t>
+            </a:r>
+            <a:r>
+              <a:rPr>
+                <a:solidFill>
+                  <a:srgbClr val="008000"/>
+                </a:solidFill>
+                <a:latin typeface="Courier"/>
+              </a:rPr>
+              <a:t>Date</a:t>
+            </a:r>
+            <a:r>
+              <a:rPr>
+                <a:latin typeface="Courier"/>
+              </a:rPr>
+              <a:t>()</a:t>
             </a:r>
             <a:r>
               <a:rPr>
@@ -4847,60 +4672,12 @@
           <a:bodyPr/>
           <a:lstStyle/>
           <a:p>
-            <a:pPr lvl="0" marL="0" indent="0">
+            <a:pPr lvl="0" indent="0" marL="0">
               <a:buNone/>
             </a:pPr>
             <a:r>
               <a:rPr/>
-              <a:t>The</a:t>
-            </a:r>
-            <a:r>
-              <a:rPr/>
-              <a:t> </a:t>
-            </a:r>
-            <a:r>
-              <a:rPr/>
-              <a:t>custom</a:t>
-            </a:r>
-            <a:r>
-              <a:rPr/>
-              <a:t> </a:t>
-            </a:r>
-            <a:r>
-              <a:rPr/>
-              <a:t>element</a:t>
-            </a:r>
-            <a:r>
-              <a:rPr/>
-              <a:t> </a:t>
-            </a:r>
-            <a:r>
-              <a:rPr/>
-              <a:t>is</a:t>
-            </a:r>
-            <a:r>
-              <a:rPr/>
-              <a:t> </a:t>
-            </a:r>
-            <a:r>
-              <a:rPr/>
-              <a:t>pulled</a:t>
-            </a:r>
-            <a:r>
-              <a:rPr/>
-              <a:t> </a:t>
-            </a:r>
-            <a:r>
-              <a:rPr/>
-              <a:t>in</a:t>
-            </a:r>
-            <a:r>
-              <a:rPr/>
-              <a:t> </a:t>
-            </a:r>
-            <a:r>
-              <a:rPr/>
-              <a:t>by</a:t>
+              <a:t>The custom element is pulled in by</a:t>
             </a:r>
           </a:p>
         </p:txBody>
@@ -4988,7 +4765,7 @@
             </a:r>
           </a:p>
           <a:p>
-            <a:pPr lvl="0" marL="0" indent="0">
+            <a:pPr lvl="0" indent="0" marL="0">
               <a:buNone/>
             </a:pPr>
             <a:r>
@@ -5000,6 +4777,15 @@
             <a:pPr lvl="0" indent="0">
               <a:buNone/>
             </a:pPr>
+            <a:r>
+              <a:rPr>
+                <a:solidFill>
+                  <a:srgbClr val="902000"/>
+                </a:solidFill>
+                <a:latin typeface="Courier"/>
+              </a:rPr>
+              <a:t>&lt;</a:t>
+            </a:r>
             <a:r>
               <a:rPr b="1">
                 <a:solidFill>
@@ -5007,7 +4793,22 @@
                 </a:solidFill>
                 <a:latin typeface="Courier"/>
               </a:rPr>
-              <a:t>&lt;script</a:t>
+              <a:t>script</a:t>
+            </a:r>
+            <a:r>
+              <a:rPr>
+                <a:latin typeface="Courier"/>
+              </a:rPr>
+              <a:t> </a:t>
+            </a:r>
+            <a:r>
+              <a:rPr b="1">
+                <a:solidFill>
+                  <a:srgbClr val="FF0000"/>
+                </a:solidFill>
+                <a:latin typeface="Courier"/>
+              </a:rPr>
+              <a:t>src</a:t>
             </a:r>
             <a:r>
               <a:rPr>
@@ -5016,7 +4817,7 @@
                 </a:solidFill>
                 <a:latin typeface="Courier"/>
               </a:rPr>
-              <a:t> src=</a:t>
+              <a:t>=</a:t>
             </a:r>
             <a:r>
               <a:rPr>
@@ -5044,6 +4845,15 @@
                 <a:latin typeface="Courier"/>
               </a:rPr>
               <a:t>"module"</a:t>
+            </a:r>
+            <a:r>
+              <a:rPr>
+                <a:solidFill>
+                  <a:srgbClr val="902000"/>
+                </a:solidFill>
+                <a:latin typeface="Courier"/>
+              </a:rPr>
+              <a:t>&gt;&lt;/</a:t>
             </a:r>
             <a:r>
               <a:rPr b="1">
@@ -5052,7 +4862,16 @@
                 </a:solidFill>
                 <a:latin typeface="Courier"/>
               </a:rPr>
-              <a:t>&gt;&lt;/script&gt;</a:t>
+              <a:t>script</a:t>
+            </a:r>
+            <a:r>
+              <a:rPr>
+                <a:solidFill>
+                  <a:srgbClr val="902000"/>
+                </a:solidFill>
+                <a:latin typeface="Courier"/>
+              </a:rPr>
+              <a:t>&gt;</a:t>
             </a:r>
           </a:p>
         </p:txBody>
@@ -5094,68 +4913,12 @@
           <a:bodyPr/>
           <a:lstStyle/>
           <a:p>
-            <a:pPr lvl="0" marL="0" indent="0">
+            <a:pPr lvl="0" indent="0" marL="0">
               <a:buNone/>
             </a:pPr>
             <a:r>
               <a:rPr/>
-              <a:t>The</a:t>
-            </a:r>
-            <a:r>
-              <a:rPr/>
-              <a:t> </a:t>
-            </a:r>
-            <a:r>
-              <a:rPr/>
-              <a:t>script</a:t>
-            </a:r>
-            <a:r>
-              <a:rPr/>
-              <a:t> </a:t>
-            </a:r>
-            <a:r>
-              <a:rPr/>
-              <a:t>brings</a:t>
-            </a:r>
-            <a:r>
-              <a:rPr/>
-              <a:t> </a:t>
-            </a:r>
-            <a:r>
-              <a:rPr/>
-              <a:t>the</a:t>
-            </a:r>
-            <a:r>
-              <a:rPr/>
-              <a:t> </a:t>
-            </a:r>
-            <a:r>
-              <a:rPr/>
-              <a:t>custom</a:t>
-            </a:r>
-            <a:r>
-              <a:rPr/>
-              <a:t> </a:t>
-            </a:r>
-            <a:r>
-              <a:rPr/>
-              <a:t>tag</a:t>
-            </a:r>
-            <a:r>
-              <a:rPr/>
-              <a:t> </a:t>
-            </a:r>
-            <a:r>
-              <a:rPr/>
-              <a:t>in</a:t>
-            </a:r>
-            <a:r>
-              <a:rPr/>
-              <a:t> </a:t>
-            </a:r>
-            <a:r>
-              <a:rPr/>
-              <a:t>anywhere</a:t>
+              <a:t>The script brings the custom tag in anywhere</a:t>
             </a:r>
           </a:p>
         </p:txBody>
@@ -5176,8 +4939,8 @@
         </p:blipFill>
         <p:spPr bwMode="auto">
           <a:xfrm>
-            <a:off x="1270000" y="1600200"/>
-            <a:ext cx="6604000" cy="4013200"/>
+            <a:off x="2197100" y="1193800"/>
+            <a:ext cx="4737100" cy="2882900"/>
           </a:xfrm>
           <a:prstGeom prst="rect">
             <a:avLst/>
@@ -5198,7 +4961,7 @@
         </p:nvSpPr>
         <p:spPr>
           <a:xfrm>
-            <a:off x="457200" y="5613400"/>
+            <a:off x="457200" y="4076700"/>
             <a:ext cx="8229600" cy="508000"/>
           </a:xfrm>
           <a:prstGeom prst="rect">
@@ -5210,20 +4973,12 @@
           <a:bodyPr/>
           <a:lstStyle/>
           <a:p>
-            <a:pPr lvl="0" marL="0" indent="0" algn="ctr">
+            <a:pPr lvl="0" indent="0" marL="0" algn="ctr">
               <a:buNone/>
             </a:pPr>
             <a:r>
               <a:rPr/>
-              <a:t>in</a:t>
-            </a:r>
-            <a:r>
-              <a:rPr/>
-              <a:t> </a:t>
-            </a:r>
-            <a:r>
-              <a:rPr/>
-              <a:t>wordpress</a:t>
+              <a:t>in wordpress</a:t>
             </a:r>
           </a:p>
         </p:txBody>
@@ -5551,4 +5306,265 @@
   </a:objectDefaults>
   <a:extraClrSchemeLst/>
 </a:theme>
+</file>
+
+<file path=ppt/theme/theme2.xml><?xml version="1.0" encoding="utf-8"?>
+<a:theme xmlns:a="http://schemas.openxmlformats.org/drawingml/2006/main" name="Office Theme">
+  <a:themeElements>
+    <a:clrScheme name="Office">
+      <a:dk1>
+        <a:sysClr val="windowText" lastClr="000000"/>
+      </a:dk1>
+      <a:lt1>
+        <a:sysClr val="window" lastClr="FFFFFF"/>
+      </a:lt1>
+      <a:dk2>
+        <a:srgbClr val="44546A"/>
+      </a:dk2>
+      <a:lt2>
+        <a:srgbClr val="E7E6E6"/>
+      </a:lt2>
+      <a:accent1>
+        <a:srgbClr val="5B9BD5"/>
+      </a:accent1>
+      <a:accent2>
+        <a:srgbClr val="ED7D31"/>
+      </a:accent2>
+      <a:accent3>
+        <a:srgbClr val="A5A5A5"/>
+      </a:accent3>
+      <a:accent4>
+        <a:srgbClr val="FFC000"/>
+      </a:accent4>
+      <a:accent5>
+        <a:srgbClr val="4472C4"/>
+      </a:accent5>
+      <a:accent6>
+        <a:srgbClr val="70AD47"/>
+      </a:accent6>
+      <a:hlink>
+        <a:srgbClr val="0563C1"/>
+      </a:hlink>
+      <a:folHlink>
+        <a:srgbClr val="954F72"/>
+      </a:folHlink>
+    </a:clrScheme>
+    <a:fontScheme name="Office">
+      <a:majorFont>
+        <a:latin typeface="Calibri Light" panose="020F0302020204030204"/>
+        <a:ea typeface=""/>
+        <a:cs typeface=""/>
+        <a:font script="Jpan" typeface="ＭＳ Ｐゴシック"/>
+        <a:font script="Hang" typeface="맑은 고딕"/>
+        <a:font script="Hans" typeface="宋体"/>
+        <a:font script="Hant" typeface="新細明體"/>
+        <a:font script="Arab" typeface="Times New Roman"/>
+        <a:font script="Hebr" typeface="Times New Roman"/>
+        <a:font script="Thai" typeface="Angsana New"/>
+        <a:font script="Ethi" typeface="Nyala"/>
+        <a:font script="Beng" typeface="Vrinda"/>
+        <a:font script="Gujr" typeface="Shruti"/>
+        <a:font script="Khmr" typeface="MoolBoran"/>
+        <a:font script="Knda" typeface="Tunga"/>
+        <a:font script="Guru" typeface="Raavi"/>
+        <a:font script="Cans" typeface="Euphemia"/>
+        <a:font script="Cher" typeface="Plantagenet Cherokee"/>
+        <a:font script="Yiii" typeface="Microsoft Yi Baiti"/>
+        <a:font script="Tibt" typeface="Microsoft Himalaya"/>
+        <a:font script="Thaa" typeface="MV Boli"/>
+        <a:font script="Deva" typeface="Mangal"/>
+        <a:font script="Telu" typeface="Gautami"/>
+        <a:font script="Taml" typeface="Latha"/>
+        <a:font script="Syrc" typeface="Estrangelo Edessa"/>
+        <a:font script="Orya" typeface="Kalinga"/>
+        <a:font script="Mlym" typeface="Kartika"/>
+        <a:font script="Laoo" typeface="DokChampa"/>
+        <a:font script="Sinh" typeface="Iskoola Pota"/>
+        <a:font script="Mong" typeface="Mongolian Baiti"/>
+        <a:font script="Viet" typeface="Times New Roman"/>
+        <a:font script="Uigh" typeface="Microsoft Uighur"/>
+        <a:font script="Geor" typeface="Sylfaen"/>
+      </a:majorFont>
+      <a:minorFont>
+        <a:latin typeface="Calibri" panose="020F0502020204030204"/>
+        <a:ea typeface=""/>
+        <a:cs typeface=""/>
+        <a:font script="Jpan" typeface="ＭＳ Ｐゴシック"/>
+        <a:font script="Hang" typeface="맑은 고딕"/>
+        <a:font script="Hans" typeface="宋体"/>
+        <a:font script="Hant" typeface="新細明體"/>
+        <a:font script="Arab" typeface="Arial"/>
+        <a:font script="Hebr" typeface="Arial"/>
+        <a:font script="Thai" typeface="Cordia New"/>
+        <a:font script="Ethi" typeface="Nyala"/>
+        <a:font script="Beng" typeface="Vrinda"/>
+        <a:font script="Gujr" typeface="Shruti"/>
+        <a:font script="Khmr" typeface="DaunPenh"/>
+        <a:font script="Knda" typeface="Tunga"/>
+        <a:font script="Guru" typeface="Raavi"/>
+        <a:font script="Cans" typeface="Euphemia"/>
+        <a:font script="Cher" typeface="Plantagenet Cherokee"/>
+        <a:font script="Yiii" typeface="Microsoft Yi Baiti"/>
+        <a:font script="Tibt" typeface="Microsoft Himalaya"/>
+        <a:font script="Thaa" typeface="MV Boli"/>
+        <a:font script="Deva" typeface="Mangal"/>
+        <a:font script="Telu" typeface="Gautami"/>
+        <a:font script="Taml" typeface="Latha"/>
+        <a:font script="Syrc" typeface="Estrangelo Edessa"/>
+        <a:font script="Orya" typeface="Kalinga"/>
+        <a:font script="Mlym" typeface="Kartika"/>
+        <a:font script="Laoo" typeface="DokChampa"/>
+        <a:font script="Sinh" typeface="Iskoola Pota"/>
+        <a:font script="Mong" typeface="Mongolian Baiti"/>
+        <a:font script="Viet" typeface="Arial"/>
+        <a:font script="Uigh" typeface="Microsoft Uighur"/>
+        <a:font script="Geor" typeface="Sylfaen"/>
+      </a:minorFont>
+    </a:fontScheme>
+    <a:fmtScheme name="Office">
+      <a:fillStyleLst>
+        <a:solidFill>
+          <a:schemeClr val="phClr"/>
+        </a:solidFill>
+        <a:gradFill rotWithShape="1">
+          <a:gsLst>
+            <a:gs pos="0">
+              <a:schemeClr val="phClr">
+                <a:lumMod val="110000"/>
+                <a:satMod val="105000"/>
+                <a:tint val="67000"/>
+              </a:schemeClr>
+            </a:gs>
+            <a:gs pos="50000">
+              <a:schemeClr val="phClr">
+                <a:lumMod val="105000"/>
+                <a:satMod val="103000"/>
+                <a:tint val="73000"/>
+              </a:schemeClr>
+            </a:gs>
+            <a:gs pos="100000">
+              <a:schemeClr val="phClr">
+                <a:lumMod val="105000"/>
+                <a:satMod val="109000"/>
+                <a:tint val="81000"/>
+              </a:schemeClr>
+            </a:gs>
+          </a:gsLst>
+          <a:lin ang="5400000" scaled="0"/>
+        </a:gradFill>
+        <a:gradFill rotWithShape="1">
+          <a:gsLst>
+            <a:gs pos="0">
+              <a:schemeClr val="phClr">
+                <a:satMod val="103000"/>
+                <a:lumMod val="102000"/>
+                <a:tint val="94000"/>
+              </a:schemeClr>
+            </a:gs>
+            <a:gs pos="50000">
+              <a:schemeClr val="phClr">
+                <a:satMod val="110000"/>
+                <a:lumMod val="100000"/>
+                <a:shade val="100000"/>
+              </a:schemeClr>
+            </a:gs>
+            <a:gs pos="100000">
+              <a:schemeClr val="phClr">
+                <a:lumMod val="99000"/>
+                <a:satMod val="120000"/>
+                <a:shade val="78000"/>
+              </a:schemeClr>
+            </a:gs>
+          </a:gsLst>
+          <a:lin ang="5400000" scaled="0"/>
+        </a:gradFill>
+      </a:fillStyleLst>
+      <a:lnStyleLst>
+        <a:ln w="6350" cap="flat" cmpd="sng" algn="ctr">
+          <a:solidFill>
+            <a:schemeClr val="phClr"/>
+          </a:solidFill>
+          <a:prstDash val="solid"/>
+          <a:miter lim="800000"/>
+        </a:ln>
+        <a:ln w="12700" cap="flat" cmpd="sng" algn="ctr">
+          <a:solidFill>
+            <a:schemeClr val="phClr"/>
+          </a:solidFill>
+          <a:prstDash val="solid"/>
+          <a:miter lim="800000"/>
+        </a:ln>
+        <a:ln w="19050" cap="flat" cmpd="sng" algn="ctr">
+          <a:solidFill>
+            <a:schemeClr val="phClr"/>
+          </a:solidFill>
+          <a:prstDash val="solid"/>
+          <a:miter lim="800000"/>
+        </a:ln>
+      </a:lnStyleLst>
+      <a:effectStyleLst>
+        <a:effectStyle>
+          <a:effectLst/>
+        </a:effectStyle>
+        <a:effectStyle>
+          <a:effectLst/>
+        </a:effectStyle>
+        <a:effectStyle>
+          <a:effectLst>
+            <a:outerShdw blurRad="57150" dist="19050" dir="5400000" algn="ctr" rotWithShape="0">
+              <a:srgbClr val="000000">
+                <a:alpha val="63000"/>
+              </a:srgbClr>
+            </a:outerShdw>
+          </a:effectLst>
+        </a:effectStyle>
+      </a:effectStyleLst>
+      <a:bgFillStyleLst>
+        <a:solidFill>
+          <a:schemeClr val="phClr"/>
+        </a:solidFill>
+        <a:solidFill>
+          <a:schemeClr val="phClr">
+            <a:tint val="95000"/>
+            <a:satMod val="170000"/>
+          </a:schemeClr>
+        </a:solidFill>
+        <a:gradFill rotWithShape="1">
+          <a:gsLst>
+            <a:gs pos="0">
+              <a:schemeClr val="phClr">
+                <a:tint val="93000"/>
+                <a:satMod val="150000"/>
+                <a:shade val="98000"/>
+                <a:lumMod val="102000"/>
+              </a:schemeClr>
+            </a:gs>
+            <a:gs pos="50000">
+              <a:schemeClr val="phClr">
+                <a:tint val="98000"/>
+                <a:satMod val="130000"/>
+                <a:shade val="90000"/>
+                <a:lumMod val="103000"/>
+              </a:schemeClr>
+            </a:gs>
+            <a:gs pos="100000">
+              <a:schemeClr val="phClr">
+                <a:shade val="63000"/>
+                <a:satMod val="120000"/>
+              </a:schemeClr>
+            </a:gs>
+          </a:gsLst>
+          <a:lin ang="5400000" scaled="0"/>
+        </a:gradFill>
+      </a:bgFillStyleLst>
+    </a:fmtScheme>
+  </a:themeElements>
+  <a:objectDefaults/>
+  <a:extraClrSchemeLst/>
+  <a:extLst>
+    <a:ext uri="{05A4C25C-085E-4340-85A3-A5531E510DB2}">
+      <thm15:themeFamily xmlns:thm15="http://schemas.microsoft.com/office/thememl/2012/main" name="Office Theme" id="{62F939B6-93AF-4DB8-9C6B-D6C7DFDC589F}" vid="{4A3C46E8-61CC-4603-A589-7422A47A8E4A}"/>
+    </a:ext>
+  </a:extLst>
+</a:theme>
 </file>